--- a/instructionsSocial.pptx
+++ b/instructionsSocial.pptx
@@ -230,7 +230,7 @@
           <a:p>
             <a:fld id="{92CEA86C-46A4-B54F-8A61-C6B98DADAF97}" type="datetimeFigureOut">
               <a:rPr lang="en-US" smtClean="0"/>
-              <a:t>3/4/20</a:t>
+              <a:t>3/6/20</a:t>
             </a:fld>
             <a:endParaRPr lang="en-US"/>
           </a:p>
@@ -2818,7 +2818,7 @@
           <a:p>
             <a:fld id="{20197029-4C51-4F4A-ACDB-F133846F9A96}" type="datetimeFigureOut">
               <a:rPr lang="en-US" smtClean="0"/>
-              <a:t>3/4/20</a:t>
+              <a:t>3/6/20</a:t>
             </a:fld>
             <a:endParaRPr lang="en-US"/>
           </a:p>
@@ -2988,7 +2988,7 @@
           <a:p>
             <a:fld id="{20197029-4C51-4F4A-ACDB-F133846F9A96}" type="datetimeFigureOut">
               <a:rPr lang="en-US" smtClean="0"/>
-              <a:t>3/4/20</a:t>
+              <a:t>3/6/20</a:t>
             </a:fld>
             <a:endParaRPr lang="en-US"/>
           </a:p>
@@ -3168,7 +3168,7 @@
           <a:p>
             <a:fld id="{20197029-4C51-4F4A-ACDB-F133846F9A96}" type="datetimeFigureOut">
               <a:rPr lang="en-US" smtClean="0"/>
-              <a:t>3/4/20</a:t>
+              <a:t>3/6/20</a:t>
             </a:fld>
             <a:endParaRPr lang="en-US"/>
           </a:p>
@@ -3338,7 +3338,7 @@
           <a:p>
             <a:fld id="{20197029-4C51-4F4A-ACDB-F133846F9A96}" type="datetimeFigureOut">
               <a:rPr lang="en-US" smtClean="0"/>
-              <a:t>3/4/20</a:t>
+              <a:t>3/6/20</a:t>
             </a:fld>
             <a:endParaRPr lang="en-US"/>
           </a:p>
@@ -3584,7 +3584,7 @@
           <a:p>
             <a:fld id="{20197029-4C51-4F4A-ACDB-F133846F9A96}" type="datetimeFigureOut">
               <a:rPr lang="en-US" smtClean="0"/>
-              <a:t>3/4/20</a:t>
+              <a:t>3/6/20</a:t>
             </a:fld>
             <a:endParaRPr lang="en-US"/>
           </a:p>
@@ -3816,7 +3816,7 @@
           <a:p>
             <a:fld id="{20197029-4C51-4F4A-ACDB-F133846F9A96}" type="datetimeFigureOut">
               <a:rPr lang="en-US" smtClean="0"/>
-              <a:t>3/4/20</a:t>
+              <a:t>3/6/20</a:t>
             </a:fld>
             <a:endParaRPr lang="en-US"/>
           </a:p>
@@ -4183,7 +4183,7 @@
           <a:p>
             <a:fld id="{20197029-4C51-4F4A-ACDB-F133846F9A96}" type="datetimeFigureOut">
               <a:rPr lang="en-US" smtClean="0"/>
-              <a:t>3/4/20</a:t>
+              <a:t>3/6/20</a:t>
             </a:fld>
             <a:endParaRPr lang="en-US"/>
           </a:p>
@@ -4301,7 +4301,7 @@
           <a:p>
             <a:fld id="{20197029-4C51-4F4A-ACDB-F133846F9A96}" type="datetimeFigureOut">
               <a:rPr lang="en-US" smtClean="0"/>
-              <a:t>3/4/20</a:t>
+              <a:t>3/6/20</a:t>
             </a:fld>
             <a:endParaRPr lang="en-US"/>
           </a:p>
@@ -4396,7 +4396,7 @@
           <a:p>
             <a:fld id="{20197029-4C51-4F4A-ACDB-F133846F9A96}" type="datetimeFigureOut">
               <a:rPr lang="en-US" smtClean="0"/>
-              <a:t>3/4/20</a:t>
+              <a:t>3/6/20</a:t>
             </a:fld>
             <a:endParaRPr lang="en-US"/>
           </a:p>
@@ -4673,7 +4673,7 @@
           <a:p>
             <a:fld id="{20197029-4C51-4F4A-ACDB-F133846F9A96}" type="datetimeFigureOut">
               <a:rPr lang="en-US" smtClean="0"/>
-              <a:t>3/4/20</a:t>
+              <a:t>3/6/20</a:t>
             </a:fld>
             <a:endParaRPr lang="en-US"/>
           </a:p>
@@ -4930,7 +4930,7 @@
           <a:p>
             <a:fld id="{20197029-4C51-4F4A-ACDB-F133846F9A96}" type="datetimeFigureOut">
               <a:rPr lang="en-US" smtClean="0"/>
-              <a:t>3/4/20</a:t>
+              <a:t>3/6/20</a:t>
             </a:fld>
             <a:endParaRPr lang="en-US"/>
           </a:p>
@@ -5143,7 +5143,7 @@
           <a:p>
             <a:fld id="{20197029-4C51-4F4A-ACDB-F133846F9A96}" type="datetimeFigureOut">
               <a:rPr lang="en-US" smtClean="0"/>
-              <a:t>3/4/20</a:t>
+              <a:t>3/6/20</a:t>
             </a:fld>
             <a:endParaRPr lang="en-US"/>
           </a:p>

--- a/instructionsSocial.pptx
+++ b/instructionsSocial.pptx
@@ -230,7 +230,7 @@
           <a:p>
             <a:fld id="{92CEA86C-46A4-B54F-8A61-C6B98DADAF97}" type="datetimeFigureOut">
               <a:rPr lang="en-US" smtClean="0"/>
-              <a:t>3/4/20</a:t>
+              <a:t>3/6/20</a:t>
             </a:fld>
             <a:endParaRPr lang="en-US"/>
           </a:p>
@@ -2818,7 +2818,7 @@
           <a:p>
             <a:fld id="{20197029-4C51-4F4A-ACDB-F133846F9A96}" type="datetimeFigureOut">
               <a:rPr lang="en-US" smtClean="0"/>
-              <a:t>3/4/20</a:t>
+              <a:t>3/6/20</a:t>
             </a:fld>
             <a:endParaRPr lang="en-US"/>
           </a:p>
@@ -2988,7 +2988,7 @@
           <a:p>
             <a:fld id="{20197029-4C51-4F4A-ACDB-F133846F9A96}" type="datetimeFigureOut">
               <a:rPr lang="en-US" smtClean="0"/>
-              <a:t>3/4/20</a:t>
+              <a:t>3/6/20</a:t>
             </a:fld>
             <a:endParaRPr lang="en-US"/>
           </a:p>
@@ -3168,7 +3168,7 @@
           <a:p>
             <a:fld id="{20197029-4C51-4F4A-ACDB-F133846F9A96}" type="datetimeFigureOut">
               <a:rPr lang="en-US" smtClean="0"/>
-              <a:t>3/4/20</a:t>
+              <a:t>3/6/20</a:t>
             </a:fld>
             <a:endParaRPr lang="en-US"/>
           </a:p>
@@ -3338,7 +3338,7 @@
           <a:p>
             <a:fld id="{20197029-4C51-4F4A-ACDB-F133846F9A96}" type="datetimeFigureOut">
               <a:rPr lang="en-US" smtClean="0"/>
-              <a:t>3/4/20</a:t>
+              <a:t>3/6/20</a:t>
             </a:fld>
             <a:endParaRPr lang="en-US"/>
           </a:p>
@@ -3584,7 +3584,7 @@
           <a:p>
             <a:fld id="{20197029-4C51-4F4A-ACDB-F133846F9A96}" type="datetimeFigureOut">
               <a:rPr lang="en-US" smtClean="0"/>
-              <a:t>3/4/20</a:t>
+              <a:t>3/6/20</a:t>
             </a:fld>
             <a:endParaRPr lang="en-US"/>
           </a:p>
@@ -3816,7 +3816,7 @@
           <a:p>
             <a:fld id="{20197029-4C51-4F4A-ACDB-F133846F9A96}" type="datetimeFigureOut">
               <a:rPr lang="en-US" smtClean="0"/>
-              <a:t>3/4/20</a:t>
+              <a:t>3/6/20</a:t>
             </a:fld>
             <a:endParaRPr lang="en-US"/>
           </a:p>
@@ -4183,7 +4183,7 @@
           <a:p>
             <a:fld id="{20197029-4C51-4F4A-ACDB-F133846F9A96}" type="datetimeFigureOut">
               <a:rPr lang="en-US" smtClean="0"/>
-              <a:t>3/4/20</a:t>
+              <a:t>3/6/20</a:t>
             </a:fld>
             <a:endParaRPr lang="en-US"/>
           </a:p>
@@ -4301,7 +4301,7 @@
           <a:p>
             <a:fld id="{20197029-4C51-4F4A-ACDB-F133846F9A96}" type="datetimeFigureOut">
               <a:rPr lang="en-US" smtClean="0"/>
-              <a:t>3/4/20</a:t>
+              <a:t>3/6/20</a:t>
             </a:fld>
             <a:endParaRPr lang="en-US"/>
           </a:p>
@@ -4396,7 +4396,7 @@
           <a:p>
             <a:fld id="{20197029-4C51-4F4A-ACDB-F133846F9A96}" type="datetimeFigureOut">
               <a:rPr lang="en-US" smtClean="0"/>
-              <a:t>3/4/20</a:t>
+              <a:t>3/6/20</a:t>
             </a:fld>
             <a:endParaRPr lang="en-US"/>
           </a:p>
@@ -4673,7 +4673,7 @@
           <a:p>
             <a:fld id="{20197029-4C51-4F4A-ACDB-F133846F9A96}" type="datetimeFigureOut">
               <a:rPr lang="en-US" smtClean="0"/>
-              <a:t>3/4/20</a:t>
+              <a:t>3/6/20</a:t>
             </a:fld>
             <a:endParaRPr lang="en-US"/>
           </a:p>
@@ -4930,7 +4930,7 @@
           <a:p>
             <a:fld id="{20197029-4C51-4F4A-ACDB-F133846F9A96}" type="datetimeFigureOut">
               <a:rPr lang="en-US" smtClean="0"/>
-              <a:t>3/4/20</a:t>
+              <a:t>3/6/20</a:t>
             </a:fld>
             <a:endParaRPr lang="en-US"/>
           </a:p>
@@ -5143,7 +5143,7 @@
           <a:p>
             <a:fld id="{20197029-4C51-4F4A-ACDB-F133846F9A96}" type="datetimeFigureOut">
               <a:rPr lang="en-US" smtClean="0"/>
-              <a:t>3/4/20</a:t>
+              <a:t>3/6/20</a:t>
             </a:fld>
             <a:endParaRPr lang="en-US"/>
           </a:p>
@@ -5553,7 +5553,7 @@
           <p:cNvPr id="2" name="Title 1">
             <a:extLst>
               <a:ext uri="{FF2B5EF4-FFF2-40B4-BE49-F238E27FC236}">
-                <a16:creationId xmlns:a16="http://schemas.microsoft.com/office/drawing/2014/main" id="{303D35F4-EF59-EA4D-A357-7F16E7309AA3}"/>
+                <a16:creationId xmlns:a16="http://schemas.microsoft.com/office/drawing/2014/main" xmlns="" id="{303D35F4-EF59-EA4D-A357-7F16E7309AA3}"/>
               </a:ext>
             </a:extLst>
           </p:cNvPr>
@@ -5581,7 +5581,7 @@
           <p:cNvPr id="3" name="Text Placeholder 2">
             <a:extLst>
               <a:ext uri="{FF2B5EF4-FFF2-40B4-BE49-F238E27FC236}">
-                <a16:creationId xmlns:a16="http://schemas.microsoft.com/office/drawing/2014/main" id="{B315834C-658F-344E-B9EB-EB68112E7429}"/>
+                <a16:creationId xmlns:a16="http://schemas.microsoft.com/office/drawing/2014/main" xmlns="" id="{B315834C-658F-344E-B9EB-EB68112E7429}"/>
               </a:ext>
             </a:extLst>
           </p:cNvPr>
@@ -5738,7 +5738,7 @@
           <p:cNvPr id="6" name="Group 5">
             <a:extLst>
               <a:ext uri="{FF2B5EF4-FFF2-40B4-BE49-F238E27FC236}">
-                <a16:creationId xmlns:a16="http://schemas.microsoft.com/office/drawing/2014/main" id="{49085939-83B9-C441-B235-03DB8BE11586}"/>
+                <a16:creationId xmlns:a16="http://schemas.microsoft.com/office/drawing/2014/main" xmlns="" id="{49085939-83B9-C441-B235-03DB8BE11586}"/>
               </a:ext>
             </a:extLst>
           </p:cNvPr>
@@ -5758,7 +5758,7 @@
             <p:cNvPr id="32" name="Group 31">
               <a:extLst>
                 <a:ext uri="{FF2B5EF4-FFF2-40B4-BE49-F238E27FC236}">
-                  <a16:creationId xmlns:a16="http://schemas.microsoft.com/office/drawing/2014/main" id="{1DC740C9-F53A-9F44-BE1C-14F155C44F68}"/>
+                  <a16:creationId xmlns:a16="http://schemas.microsoft.com/office/drawing/2014/main" xmlns="" id="{1DC740C9-F53A-9F44-BE1C-14F155C44F68}"/>
                 </a:ext>
               </a:extLst>
             </p:cNvPr>
@@ -5778,7 +5778,7 @@
               <p:cNvPr id="33" name="Group 32">
                 <a:extLst>
                   <a:ext uri="{FF2B5EF4-FFF2-40B4-BE49-F238E27FC236}">
-                    <a16:creationId xmlns:a16="http://schemas.microsoft.com/office/drawing/2014/main" id="{ABB1D0DA-C6D6-924F-8305-FF40397506D0}"/>
+                    <a16:creationId xmlns:a16="http://schemas.microsoft.com/office/drawing/2014/main" xmlns="" id="{ABB1D0DA-C6D6-924F-8305-FF40397506D0}"/>
                   </a:ext>
                 </a:extLst>
               </p:cNvPr>
@@ -5798,7 +5798,7 @@
                 <p:cNvPr id="37" name="Rectangle 36">
                   <a:extLst>
                     <a:ext uri="{FF2B5EF4-FFF2-40B4-BE49-F238E27FC236}">
-                      <a16:creationId xmlns:a16="http://schemas.microsoft.com/office/drawing/2014/main" id="{E0766EAF-139E-0549-9ACF-1C9C78F75A26}"/>
+                      <a16:creationId xmlns:a16="http://schemas.microsoft.com/office/drawing/2014/main" xmlns="" id="{E0766EAF-139E-0549-9ACF-1C9C78F75A26}"/>
                     </a:ext>
                   </a:extLst>
                 </p:cNvPr>
@@ -5850,7 +5850,7 @@
                 <p:cNvPr id="38" name="Group 37">
                   <a:extLst>
                     <a:ext uri="{FF2B5EF4-FFF2-40B4-BE49-F238E27FC236}">
-                      <a16:creationId xmlns:a16="http://schemas.microsoft.com/office/drawing/2014/main" id="{70F61CF3-6095-6743-9688-97AE869475E1}"/>
+                      <a16:creationId xmlns:a16="http://schemas.microsoft.com/office/drawing/2014/main" xmlns="" id="{70F61CF3-6095-6743-9688-97AE869475E1}"/>
                     </a:ext>
                   </a:extLst>
                 </p:cNvPr>
@@ -5870,7 +5870,7 @@
                   <p:cNvPr id="39" name="Group 38">
                     <a:extLst>
                       <a:ext uri="{FF2B5EF4-FFF2-40B4-BE49-F238E27FC236}">
-                        <a16:creationId xmlns:a16="http://schemas.microsoft.com/office/drawing/2014/main" id="{FC7A3559-C477-EA46-8397-C57F777BD18D}"/>
+                        <a16:creationId xmlns:a16="http://schemas.microsoft.com/office/drawing/2014/main" xmlns="" id="{FC7A3559-C477-EA46-8397-C57F777BD18D}"/>
                       </a:ext>
                     </a:extLst>
                   </p:cNvPr>
@@ -5890,7 +5890,7 @@
                     <p:cNvPr id="41" name="Rectangle 40">
                       <a:extLst>
                         <a:ext uri="{FF2B5EF4-FFF2-40B4-BE49-F238E27FC236}">
-                          <a16:creationId xmlns:a16="http://schemas.microsoft.com/office/drawing/2014/main" id="{D6F58FAF-AAB4-524F-9A35-24E168D74782}"/>
+                          <a16:creationId xmlns:a16="http://schemas.microsoft.com/office/drawing/2014/main" xmlns="" id="{D6F58FAF-AAB4-524F-9A35-24E168D74782}"/>
                         </a:ext>
                       </a:extLst>
                     </p:cNvPr>
@@ -5939,7 +5939,7 @@
                     <p:cNvPr id="42" name="Rectangle 41">
                       <a:extLst>
                         <a:ext uri="{FF2B5EF4-FFF2-40B4-BE49-F238E27FC236}">
-                          <a16:creationId xmlns:a16="http://schemas.microsoft.com/office/drawing/2014/main" id="{DCB64CBA-1A1A-1F46-B831-AD2E3AA53BED}"/>
+                          <a16:creationId xmlns:a16="http://schemas.microsoft.com/office/drawing/2014/main" xmlns="" id="{DCB64CBA-1A1A-1F46-B831-AD2E3AA53BED}"/>
                         </a:ext>
                       </a:extLst>
                     </p:cNvPr>
@@ -5994,7 +5994,7 @@
                   <p:cNvPr id="40" name="Picture 39">
                     <a:extLst>
                       <a:ext uri="{FF2B5EF4-FFF2-40B4-BE49-F238E27FC236}">
-                        <a16:creationId xmlns:a16="http://schemas.microsoft.com/office/drawing/2014/main" id="{4EE8B434-1908-6F40-8745-A74186A664FF}"/>
+                        <a16:creationId xmlns:a16="http://schemas.microsoft.com/office/drawing/2014/main" xmlns="" id="{4EE8B434-1908-6F40-8745-A74186A664FF}"/>
                       </a:ext>
                     </a:extLst>
                   </p:cNvPr>
@@ -6046,7 +6046,7 @@
               <p:cNvPr id="34" name="Group 33">
                 <a:extLst>
                   <a:ext uri="{FF2B5EF4-FFF2-40B4-BE49-F238E27FC236}">
-                    <a16:creationId xmlns:a16="http://schemas.microsoft.com/office/drawing/2014/main" id="{618D9CE1-C4A1-8A48-B22A-1744DFFD47DB}"/>
+                    <a16:creationId xmlns:a16="http://schemas.microsoft.com/office/drawing/2014/main" xmlns="" id="{618D9CE1-C4A1-8A48-B22A-1744DFFD47DB}"/>
                   </a:ext>
                 </a:extLst>
               </p:cNvPr>
@@ -6066,7 +6066,7 @@
                 <p:cNvPr id="35" name="Rectangle 34">
                   <a:extLst>
                     <a:ext uri="{FF2B5EF4-FFF2-40B4-BE49-F238E27FC236}">
-                      <a16:creationId xmlns:a16="http://schemas.microsoft.com/office/drawing/2014/main" id="{ABA1217C-F9F7-BD44-865A-B1C103045F4B}"/>
+                      <a16:creationId xmlns:a16="http://schemas.microsoft.com/office/drawing/2014/main" xmlns="" id="{ABA1217C-F9F7-BD44-865A-B1C103045F4B}"/>
                     </a:ext>
                   </a:extLst>
                 </p:cNvPr>
@@ -6110,7 +6110,7 @@
                 <p:cNvPr id="36" name="Rectangle 35">
                   <a:extLst>
                     <a:ext uri="{FF2B5EF4-FFF2-40B4-BE49-F238E27FC236}">
-                      <a16:creationId xmlns:a16="http://schemas.microsoft.com/office/drawing/2014/main" id="{70B6BED9-1355-DC4E-A1BC-63E833E33DC5}"/>
+                      <a16:creationId xmlns:a16="http://schemas.microsoft.com/office/drawing/2014/main" xmlns="" id="{70B6BED9-1355-DC4E-A1BC-63E833E33DC5}"/>
                     </a:ext>
                   </a:extLst>
                 </p:cNvPr>
@@ -6166,7 +6166,7 @@
             <p:cNvPr id="43" name="Picture 42">
               <a:extLst>
                 <a:ext uri="{FF2B5EF4-FFF2-40B4-BE49-F238E27FC236}">
-                  <a16:creationId xmlns:a16="http://schemas.microsoft.com/office/drawing/2014/main" id="{2C4C59C3-7727-A740-AAD5-6819D535E95A}"/>
+                  <a16:creationId xmlns:a16="http://schemas.microsoft.com/office/drawing/2014/main" xmlns="" id="{2C4C59C3-7727-A740-AAD5-6819D535E95A}"/>
                 </a:ext>
               </a:extLst>
             </p:cNvPr>
@@ -6196,7 +6196,7 @@
           <p:cNvPr id="18" name="Straight Connector 17">
             <a:extLst>
               <a:ext uri="{FF2B5EF4-FFF2-40B4-BE49-F238E27FC236}">
-                <a16:creationId xmlns:a16="http://schemas.microsoft.com/office/drawing/2014/main" id="{072E6C88-846D-B743-BC8B-02C5C4C3197E}"/>
+                <a16:creationId xmlns:a16="http://schemas.microsoft.com/office/drawing/2014/main" xmlns="" id="{072E6C88-846D-B743-BC8B-02C5C4C3197E}"/>
               </a:ext>
             </a:extLst>
           </p:cNvPr>
@@ -6235,7 +6235,7 @@
           <p:cNvPr id="19" name="Picture 18">
             <a:extLst>
               <a:ext uri="{FF2B5EF4-FFF2-40B4-BE49-F238E27FC236}">
-                <a16:creationId xmlns:a16="http://schemas.microsoft.com/office/drawing/2014/main" id="{C3E8AC4E-BD89-224C-A64A-23475F247B39}"/>
+                <a16:creationId xmlns:a16="http://schemas.microsoft.com/office/drawing/2014/main" xmlns="" id="{C3E8AC4E-BD89-224C-A64A-23475F247B39}"/>
               </a:ext>
             </a:extLst>
           </p:cNvPr>
@@ -6420,7 +6420,7 @@
           <p:cNvPr id="28" name="Group 27">
             <a:extLst>
               <a:ext uri="{FF2B5EF4-FFF2-40B4-BE49-F238E27FC236}">
-                <a16:creationId xmlns:a16="http://schemas.microsoft.com/office/drawing/2014/main" id="{5560067D-B746-3744-94CC-82FF46DA7DA6}"/>
+                <a16:creationId xmlns:a16="http://schemas.microsoft.com/office/drawing/2014/main" xmlns="" id="{5560067D-B746-3744-94CC-82FF46DA7DA6}"/>
               </a:ext>
             </a:extLst>
           </p:cNvPr>
@@ -6440,7 +6440,7 @@
             <p:cNvPr id="31" name="Group 30">
               <a:extLst>
                 <a:ext uri="{FF2B5EF4-FFF2-40B4-BE49-F238E27FC236}">
-                  <a16:creationId xmlns:a16="http://schemas.microsoft.com/office/drawing/2014/main" id="{EFAC32EF-ABA8-0C45-82C6-C2AEDF398095}"/>
+                  <a16:creationId xmlns:a16="http://schemas.microsoft.com/office/drawing/2014/main" xmlns="" id="{EFAC32EF-ABA8-0C45-82C6-C2AEDF398095}"/>
                 </a:ext>
               </a:extLst>
             </p:cNvPr>
@@ -6460,7 +6460,7 @@
               <p:cNvPr id="35" name="Rectangle 34">
                 <a:extLst>
                   <a:ext uri="{FF2B5EF4-FFF2-40B4-BE49-F238E27FC236}">
-                    <a16:creationId xmlns:a16="http://schemas.microsoft.com/office/drawing/2014/main" id="{3D79B715-9144-0E4D-A5D5-9B24A4BFB916}"/>
+                    <a16:creationId xmlns:a16="http://schemas.microsoft.com/office/drawing/2014/main" xmlns="" id="{3D79B715-9144-0E4D-A5D5-9B24A4BFB916}"/>
                   </a:ext>
                 </a:extLst>
               </p:cNvPr>
@@ -6512,7 +6512,7 @@
               <p:cNvPr id="36" name="Group 35">
                 <a:extLst>
                   <a:ext uri="{FF2B5EF4-FFF2-40B4-BE49-F238E27FC236}">
-                    <a16:creationId xmlns:a16="http://schemas.microsoft.com/office/drawing/2014/main" id="{5379045C-D088-3D49-A28F-CC5954786C28}"/>
+                    <a16:creationId xmlns:a16="http://schemas.microsoft.com/office/drawing/2014/main" xmlns="" id="{5379045C-D088-3D49-A28F-CC5954786C28}"/>
                   </a:ext>
                 </a:extLst>
               </p:cNvPr>
@@ -6532,7 +6532,7 @@
                 <p:cNvPr id="37" name="Group 36">
                   <a:extLst>
                     <a:ext uri="{FF2B5EF4-FFF2-40B4-BE49-F238E27FC236}">
-                      <a16:creationId xmlns:a16="http://schemas.microsoft.com/office/drawing/2014/main" id="{2072DF1A-0826-4045-9BED-7DD3971553B2}"/>
+                      <a16:creationId xmlns:a16="http://schemas.microsoft.com/office/drawing/2014/main" xmlns="" id="{2072DF1A-0826-4045-9BED-7DD3971553B2}"/>
                     </a:ext>
                   </a:extLst>
                 </p:cNvPr>
@@ -6552,7 +6552,7 @@
                   <p:cNvPr id="39" name="Rectangle 38">
                     <a:extLst>
                       <a:ext uri="{FF2B5EF4-FFF2-40B4-BE49-F238E27FC236}">
-                        <a16:creationId xmlns:a16="http://schemas.microsoft.com/office/drawing/2014/main" id="{3C66AE2E-B7E7-9547-95DE-FC5B1F3A693D}"/>
+                        <a16:creationId xmlns:a16="http://schemas.microsoft.com/office/drawing/2014/main" xmlns="" id="{3C66AE2E-B7E7-9547-95DE-FC5B1F3A693D}"/>
                       </a:ext>
                     </a:extLst>
                   </p:cNvPr>
@@ -6601,7 +6601,7 @@
                   <p:cNvPr id="40" name="Rectangle 39">
                     <a:extLst>
                       <a:ext uri="{FF2B5EF4-FFF2-40B4-BE49-F238E27FC236}">
-                        <a16:creationId xmlns:a16="http://schemas.microsoft.com/office/drawing/2014/main" id="{88ECF0DB-CF77-7D45-85B1-C53EE9D3F683}"/>
+                        <a16:creationId xmlns:a16="http://schemas.microsoft.com/office/drawing/2014/main" xmlns="" id="{88ECF0DB-CF77-7D45-85B1-C53EE9D3F683}"/>
                       </a:ext>
                     </a:extLst>
                   </p:cNvPr>
@@ -6656,7 +6656,7 @@
                 <p:cNvPr id="38" name="Picture 37">
                   <a:extLst>
                     <a:ext uri="{FF2B5EF4-FFF2-40B4-BE49-F238E27FC236}">
-                      <a16:creationId xmlns:a16="http://schemas.microsoft.com/office/drawing/2014/main" id="{7064A0CC-80FE-8145-AD65-EE35FC4DEBFF}"/>
+                      <a16:creationId xmlns:a16="http://schemas.microsoft.com/office/drawing/2014/main" xmlns="" id="{7064A0CC-80FE-8145-AD65-EE35FC4DEBFF}"/>
                     </a:ext>
                   </a:extLst>
                 </p:cNvPr>
@@ -6708,7 +6708,7 @@
             <p:cNvPr id="30" name="Picture 29">
               <a:extLst>
                 <a:ext uri="{FF2B5EF4-FFF2-40B4-BE49-F238E27FC236}">
-                  <a16:creationId xmlns:a16="http://schemas.microsoft.com/office/drawing/2014/main" id="{96F047E3-6C8D-3B44-950D-6F5459DD82C4}"/>
+                  <a16:creationId xmlns:a16="http://schemas.microsoft.com/office/drawing/2014/main" xmlns="" id="{96F047E3-6C8D-3B44-950D-6F5459DD82C4}"/>
                 </a:ext>
               </a:extLst>
             </p:cNvPr>
@@ -6855,7 +6855,7 @@
           <p:cNvPr id="7" name="Group 6">
             <a:extLst>
               <a:ext uri="{FF2B5EF4-FFF2-40B4-BE49-F238E27FC236}">
-                <a16:creationId xmlns:a16="http://schemas.microsoft.com/office/drawing/2014/main" id="{A68B2867-71D7-3643-BFD9-691C78B28DAB}"/>
+                <a16:creationId xmlns:a16="http://schemas.microsoft.com/office/drawing/2014/main" xmlns="" id="{A68B2867-71D7-3643-BFD9-691C78B28DAB}"/>
               </a:ext>
             </a:extLst>
           </p:cNvPr>
@@ -6925,7 +6925,7 @@
             <p:cNvPr id="14" name="Rectangle 13">
               <a:extLst>
                 <a:ext uri="{FF2B5EF4-FFF2-40B4-BE49-F238E27FC236}">
-                  <a16:creationId xmlns:a16="http://schemas.microsoft.com/office/drawing/2014/main" id="{7A8A0CF4-067E-0949-A2AA-C7342A43F73C}"/>
+                  <a16:creationId xmlns:a16="http://schemas.microsoft.com/office/drawing/2014/main" xmlns="" id="{7A8A0CF4-067E-0949-A2AA-C7342A43F73C}"/>
                 </a:ext>
               </a:extLst>
             </p:cNvPr>
@@ -6969,7 +6969,7 @@
             <p:cNvPr id="15" name="Rectangle 14">
               <a:extLst>
                 <a:ext uri="{FF2B5EF4-FFF2-40B4-BE49-F238E27FC236}">
-                  <a16:creationId xmlns:a16="http://schemas.microsoft.com/office/drawing/2014/main" id="{0583BB15-0046-5C44-BB29-FC24C523509B}"/>
+                  <a16:creationId xmlns:a16="http://schemas.microsoft.com/office/drawing/2014/main" xmlns="" id="{0583BB15-0046-5C44-BB29-FC24C523509B}"/>
                 </a:ext>
               </a:extLst>
             </p:cNvPr>
@@ -7024,7 +7024,7 @@
           <p:cNvPr id="8" name="Straight Connector 7">
             <a:extLst>
               <a:ext uri="{FF2B5EF4-FFF2-40B4-BE49-F238E27FC236}">
-                <a16:creationId xmlns:a16="http://schemas.microsoft.com/office/drawing/2014/main" id="{63B6DCC2-AF72-8241-BA47-8228FAC5881A}"/>
+                <a16:creationId xmlns:a16="http://schemas.microsoft.com/office/drawing/2014/main" xmlns="" id="{63B6DCC2-AF72-8241-BA47-8228FAC5881A}"/>
               </a:ext>
             </a:extLst>
           </p:cNvPr>
@@ -7063,7 +7063,7 @@
           <p:cNvPr id="9" name="Picture 8">
             <a:extLst>
               <a:ext uri="{FF2B5EF4-FFF2-40B4-BE49-F238E27FC236}">
-                <a16:creationId xmlns:a16="http://schemas.microsoft.com/office/drawing/2014/main" id="{23FC1010-F3D7-3D46-8D53-550BC3B36E20}"/>
+                <a16:creationId xmlns:a16="http://schemas.microsoft.com/office/drawing/2014/main" xmlns="" id="{23FC1010-F3D7-3D46-8D53-550BC3B36E20}"/>
               </a:ext>
             </a:extLst>
           </p:cNvPr>
@@ -7173,7 +7173,7 @@
           <p:cNvPr id="7" name="Group 6">
             <a:extLst>
               <a:ext uri="{FF2B5EF4-FFF2-40B4-BE49-F238E27FC236}">
-                <a16:creationId xmlns:a16="http://schemas.microsoft.com/office/drawing/2014/main" id="{A68B2867-71D7-3643-BFD9-691C78B28DAB}"/>
+                <a16:creationId xmlns:a16="http://schemas.microsoft.com/office/drawing/2014/main" xmlns="" id="{A68B2867-71D7-3643-BFD9-691C78B28DAB}"/>
               </a:ext>
             </a:extLst>
           </p:cNvPr>
@@ -7239,7 +7239,7 @@
             <p:cNvPr id="14" name="Rectangle 13">
               <a:extLst>
                 <a:ext uri="{FF2B5EF4-FFF2-40B4-BE49-F238E27FC236}">
-                  <a16:creationId xmlns:a16="http://schemas.microsoft.com/office/drawing/2014/main" id="{7A8A0CF4-067E-0949-A2AA-C7342A43F73C}"/>
+                  <a16:creationId xmlns:a16="http://schemas.microsoft.com/office/drawing/2014/main" xmlns="" id="{7A8A0CF4-067E-0949-A2AA-C7342A43F73C}"/>
                 </a:ext>
               </a:extLst>
             </p:cNvPr>
@@ -7283,7 +7283,7 @@
             <p:cNvPr id="15" name="Rectangle 14">
               <a:extLst>
                 <a:ext uri="{FF2B5EF4-FFF2-40B4-BE49-F238E27FC236}">
-                  <a16:creationId xmlns:a16="http://schemas.microsoft.com/office/drawing/2014/main" id="{0583BB15-0046-5C44-BB29-FC24C523509B}"/>
+                  <a16:creationId xmlns:a16="http://schemas.microsoft.com/office/drawing/2014/main" xmlns="" id="{0583BB15-0046-5C44-BB29-FC24C523509B}"/>
                 </a:ext>
               </a:extLst>
             </p:cNvPr>
@@ -7338,7 +7338,7 @@
           <p:cNvPr id="18" name="Group 17">
             <a:extLst>
               <a:ext uri="{FF2B5EF4-FFF2-40B4-BE49-F238E27FC236}">
-                <a16:creationId xmlns:a16="http://schemas.microsoft.com/office/drawing/2014/main" id="{21452EC3-225C-F44D-AAB4-1E1E18C68732}"/>
+                <a16:creationId xmlns:a16="http://schemas.microsoft.com/office/drawing/2014/main" xmlns="" id="{21452EC3-225C-F44D-AAB4-1E1E18C68732}"/>
               </a:ext>
             </a:extLst>
           </p:cNvPr>
@@ -7358,7 +7358,7 @@
             <p:cNvPr id="19" name="Rectangle 18">
               <a:extLst>
                 <a:ext uri="{FF2B5EF4-FFF2-40B4-BE49-F238E27FC236}">
-                  <a16:creationId xmlns:a16="http://schemas.microsoft.com/office/drawing/2014/main" id="{5C69B1DA-96CD-D546-92E2-CF4C37A4CF4C}"/>
+                  <a16:creationId xmlns:a16="http://schemas.microsoft.com/office/drawing/2014/main" xmlns="" id="{5C69B1DA-96CD-D546-92E2-CF4C37A4CF4C}"/>
                 </a:ext>
               </a:extLst>
             </p:cNvPr>
@@ -7410,7 +7410,7 @@
             <p:cNvPr id="21" name="Rectangle 20">
               <a:extLst>
                 <a:ext uri="{FF2B5EF4-FFF2-40B4-BE49-F238E27FC236}">
-                  <a16:creationId xmlns:a16="http://schemas.microsoft.com/office/drawing/2014/main" id="{098FFFC6-37DE-D545-AEED-1570E2C2C25C}"/>
+                  <a16:creationId xmlns:a16="http://schemas.microsoft.com/office/drawing/2014/main" xmlns="" id="{098FFFC6-37DE-D545-AEED-1570E2C2C25C}"/>
                 </a:ext>
               </a:extLst>
             </p:cNvPr>
@@ -7454,7 +7454,7 @@
             <p:cNvPr id="22" name="Rectangle 21">
               <a:extLst>
                 <a:ext uri="{FF2B5EF4-FFF2-40B4-BE49-F238E27FC236}">
-                  <a16:creationId xmlns:a16="http://schemas.microsoft.com/office/drawing/2014/main" id="{DF2C9D2E-2CA3-C948-AA11-0E277960788F}"/>
+                  <a16:creationId xmlns:a16="http://schemas.microsoft.com/office/drawing/2014/main" xmlns="" id="{DF2C9D2E-2CA3-C948-AA11-0E277960788F}"/>
                 </a:ext>
               </a:extLst>
             </p:cNvPr>
@@ -7509,7 +7509,7 @@
           <p:cNvPr id="3" name="Picture 2">
             <a:extLst>
               <a:ext uri="{FF2B5EF4-FFF2-40B4-BE49-F238E27FC236}">
-                <a16:creationId xmlns:a16="http://schemas.microsoft.com/office/drawing/2014/main" id="{39938297-F981-6D47-A759-61E9FEA6C5F1}"/>
+                <a16:creationId xmlns:a16="http://schemas.microsoft.com/office/drawing/2014/main" xmlns="" id="{39938297-F981-6D47-A759-61E9FEA6C5F1}"/>
               </a:ext>
             </a:extLst>
           </p:cNvPr>
@@ -7539,7 +7539,7 @@
           <p:cNvPr id="9" name="Picture 8">
             <a:extLst>
               <a:ext uri="{FF2B5EF4-FFF2-40B4-BE49-F238E27FC236}">
-                <a16:creationId xmlns:a16="http://schemas.microsoft.com/office/drawing/2014/main" id="{3C310922-2BCE-6944-A025-8086A0802B68}"/>
+                <a16:creationId xmlns:a16="http://schemas.microsoft.com/office/drawing/2014/main" xmlns="" id="{3C310922-2BCE-6944-A025-8086A0802B68}"/>
               </a:ext>
             </a:extLst>
           </p:cNvPr>
@@ -7569,7 +7569,7 @@
           <p:cNvPr id="12" name="TextBox 11">
             <a:extLst>
               <a:ext uri="{FF2B5EF4-FFF2-40B4-BE49-F238E27FC236}">
-                <a16:creationId xmlns:a16="http://schemas.microsoft.com/office/drawing/2014/main" id="{A4C71ABC-256E-824D-97DA-684C0A3FF9CB}"/>
+                <a16:creationId xmlns:a16="http://schemas.microsoft.com/office/drawing/2014/main" xmlns="" id="{A4C71ABC-256E-824D-97DA-684C0A3FF9CB}"/>
               </a:ext>
             </a:extLst>
           </p:cNvPr>
@@ -7605,7 +7605,7 @@
           <p:cNvPr id="25" name="TextBox 24">
             <a:extLst>
               <a:ext uri="{FF2B5EF4-FFF2-40B4-BE49-F238E27FC236}">
-                <a16:creationId xmlns:a16="http://schemas.microsoft.com/office/drawing/2014/main" id="{C55775A8-5ABE-6548-9548-E1F77C874342}"/>
+                <a16:creationId xmlns:a16="http://schemas.microsoft.com/office/drawing/2014/main" xmlns="" id="{C55775A8-5ABE-6548-9548-E1F77C874342}"/>
               </a:ext>
             </a:extLst>
           </p:cNvPr>
@@ -7641,7 +7641,7 @@
           <p:cNvPr id="26" name="Straight Connector 25">
             <a:extLst>
               <a:ext uri="{FF2B5EF4-FFF2-40B4-BE49-F238E27FC236}">
-                <a16:creationId xmlns:a16="http://schemas.microsoft.com/office/drawing/2014/main" id="{E894BE6E-55D8-C142-94D3-68D25A40749E}"/>
+                <a16:creationId xmlns:a16="http://schemas.microsoft.com/office/drawing/2014/main" xmlns="" id="{E894BE6E-55D8-C142-94D3-68D25A40749E}"/>
               </a:ext>
             </a:extLst>
           </p:cNvPr>
@@ -7680,7 +7680,7 @@
           <p:cNvPr id="27" name="Picture 26">
             <a:extLst>
               <a:ext uri="{FF2B5EF4-FFF2-40B4-BE49-F238E27FC236}">
-                <a16:creationId xmlns:a16="http://schemas.microsoft.com/office/drawing/2014/main" id="{781E2FD1-428E-7D44-89C5-9093DEB40378}"/>
+                <a16:creationId xmlns:a16="http://schemas.microsoft.com/office/drawing/2014/main" xmlns="" id="{781E2FD1-428E-7D44-89C5-9093DEB40378}"/>
               </a:ext>
             </a:extLst>
           </p:cNvPr>
@@ -7730,7 +7730,7 @@
           <p:cNvPr id="28" name="Straight Connector 27">
             <a:extLst>
               <a:ext uri="{FF2B5EF4-FFF2-40B4-BE49-F238E27FC236}">
-                <a16:creationId xmlns:a16="http://schemas.microsoft.com/office/drawing/2014/main" id="{1533CF9E-F952-4B45-B664-4C3F0BFDDABA}"/>
+                <a16:creationId xmlns:a16="http://schemas.microsoft.com/office/drawing/2014/main" xmlns="" id="{1533CF9E-F952-4B45-B664-4C3F0BFDDABA}"/>
               </a:ext>
             </a:extLst>
           </p:cNvPr>
@@ -7769,7 +7769,7 @@
           <p:cNvPr id="29" name="Picture 28">
             <a:extLst>
               <a:ext uri="{FF2B5EF4-FFF2-40B4-BE49-F238E27FC236}">
-                <a16:creationId xmlns:a16="http://schemas.microsoft.com/office/drawing/2014/main" id="{449D74E8-170A-334B-839B-CB6AFEACA9A4}"/>
+                <a16:creationId xmlns:a16="http://schemas.microsoft.com/office/drawing/2014/main" xmlns="" id="{449D74E8-170A-334B-839B-CB6AFEACA9A4}"/>
               </a:ext>
             </a:extLst>
           </p:cNvPr>
@@ -7894,7 +7894,7 @@
           <p:cNvPr id="7" name="Group 6">
             <a:extLst>
               <a:ext uri="{FF2B5EF4-FFF2-40B4-BE49-F238E27FC236}">
-                <a16:creationId xmlns:a16="http://schemas.microsoft.com/office/drawing/2014/main" id="{A68B2867-71D7-3643-BFD9-691C78B28DAB}"/>
+                <a16:creationId xmlns:a16="http://schemas.microsoft.com/office/drawing/2014/main" xmlns="" id="{A68B2867-71D7-3643-BFD9-691C78B28DAB}"/>
               </a:ext>
             </a:extLst>
           </p:cNvPr>
@@ -7960,7 +7960,7 @@
             <p:cNvPr id="14" name="Rectangle 13">
               <a:extLst>
                 <a:ext uri="{FF2B5EF4-FFF2-40B4-BE49-F238E27FC236}">
-                  <a16:creationId xmlns:a16="http://schemas.microsoft.com/office/drawing/2014/main" id="{7A8A0CF4-067E-0949-A2AA-C7342A43F73C}"/>
+                  <a16:creationId xmlns:a16="http://schemas.microsoft.com/office/drawing/2014/main" xmlns="" id="{7A8A0CF4-067E-0949-A2AA-C7342A43F73C}"/>
                 </a:ext>
               </a:extLst>
             </p:cNvPr>
@@ -8004,7 +8004,7 @@
             <p:cNvPr id="15" name="Rectangle 14">
               <a:extLst>
                 <a:ext uri="{FF2B5EF4-FFF2-40B4-BE49-F238E27FC236}">
-                  <a16:creationId xmlns:a16="http://schemas.microsoft.com/office/drawing/2014/main" id="{0583BB15-0046-5C44-BB29-FC24C523509B}"/>
+                  <a16:creationId xmlns:a16="http://schemas.microsoft.com/office/drawing/2014/main" xmlns="" id="{0583BB15-0046-5C44-BB29-FC24C523509B}"/>
                 </a:ext>
               </a:extLst>
             </p:cNvPr>
@@ -8059,7 +8059,7 @@
           <p:cNvPr id="18" name="Group 17">
             <a:extLst>
               <a:ext uri="{FF2B5EF4-FFF2-40B4-BE49-F238E27FC236}">
-                <a16:creationId xmlns:a16="http://schemas.microsoft.com/office/drawing/2014/main" id="{21452EC3-225C-F44D-AAB4-1E1E18C68732}"/>
+                <a16:creationId xmlns:a16="http://schemas.microsoft.com/office/drawing/2014/main" xmlns="" id="{21452EC3-225C-F44D-AAB4-1E1E18C68732}"/>
               </a:ext>
             </a:extLst>
           </p:cNvPr>
@@ -8079,7 +8079,7 @@
             <p:cNvPr id="19" name="Rectangle 18">
               <a:extLst>
                 <a:ext uri="{FF2B5EF4-FFF2-40B4-BE49-F238E27FC236}">
-                  <a16:creationId xmlns:a16="http://schemas.microsoft.com/office/drawing/2014/main" id="{5C69B1DA-96CD-D546-92E2-CF4C37A4CF4C}"/>
+                  <a16:creationId xmlns:a16="http://schemas.microsoft.com/office/drawing/2014/main" xmlns="" id="{5C69B1DA-96CD-D546-92E2-CF4C37A4CF4C}"/>
                 </a:ext>
               </a:extLst>
             </p:cNvPr>
@@ -8131,7 +8131,7 @@
             <p:cNvPr id="21" name="Rectangle 20">
               <a:extLst>
                 <a:ext uri="{FF2B5EF4-FFF2-40B4-BE49-F238E27FC236}">
-                  <a16:creationId xmlns:a16="http://schemas.microsoft.com/office/drawing/2014/main" id="{098FFFC6-37DE-D545-AEED-1570E2C2C25C}"/>
+                  <a16:creationId xmlns:a16="http://schemas.microsoft.com/office/drawing/2014/main" xmlns="" id="{098FFFC6-37DE-D545-AEED-1570E2C2C25C}"/>
                 </a:ext>
               </a:extLst>
             </p:cNvPr>
@@ -8175,7 +8175,7 @@
             <p:cNvPr id="22" name="Rectangle 21">
               <a:extLst>
                 <a:ext uri="{FF2B5EF4-FFF2-40B4-BE49-F238E27FC236}">
-                  <a16:creationId xmlns:a16="http://schemas.microsoft.com/office/drawing/2014/main" id="{DF2C9D2E-2CA3-C948-AA11-0E277960788F}"/>
+                  <a16:creationId xmlns:a16="http://schemas.microsoft.com/office/drawing/2014/main" xmlns="" id="{DF2C9D2E-2CA3-C948-AA11-0E277960788F}"/>
                 </a:ext>
               </a:extLst>
             </p:cNvPr>
@@ -8230,7 +8230,7 @@
           <p:cNvPr id="3" name="Picture 2">
             <a:extLst>
               <a:ext uri="{FF2B5EF4-FFF2-40B4-BE49-F238E27FC236}">
-                <a16:creationId xmlns:a16="http://schemas.microsoft.com/office/drawing/2014/main" id="{39938297-F981-6D47-A759-61E9FEA6C5F1}"/>
+                <a16:creationId xmlns:a16="http://schemas.microsoft.com/office/drawing/2014/main" xmlns="" id="{39938297-F981-6D47-A759-61E9FEA6C5F1}"/>
               </a:ext>
             </a:extLst>
           </p:cNvPr>
@@ -8260,7 +8260,7 @@
           <p:cNvPr id="9" name="Picture 8">
             <a:extLst>
               <a:ext uri="{FF2B5EF4-FFF2-40B4-BE49-F238E27FC236}">
-                <a16:creationId xmlns:a16="http://schemas.microsoft.com/office/drawing/2014/main" id="{3C310922-2BCE-6944-A025-8086A0802B68}"/>
+                <a16:creationId xmlns:a16="http://schemas.microsoft.com/office/drawing/2014/main" xmlns="" id="{3C310922-2BCE-6944-A025-8086A0802B68}"/>
               </a:ext>
             </a:extLst>
           </p:cNvPr>
@@ -8290,7 +8290,7 @@
           <p:cNvPr id="12" name="TextBox 11">
             <a:extLst>
               <a:ext uri="{FF2B5EF4-FFF2-40B4-BE49-F238E27FC236}">
-                <a16:creationId xmlns:a16="http://schemas.microsoft.com/office/drawing/2014/main" id="{A4C71ABC-256E-824D-97DA-684C0A3FF9CB}"/>
+                <a16:creationId xmlns:a16="http://schemas.microsoft.com/office/drawing/2014/main" xmlns="" id="{A4C71ABC-256E-824D-97DA-684C0A3FF9CB}"/>
               </a:ext>
             </a:extLst>
           </p:cNvPr>
@@ -8326,7 +8326,7 @@
           <p:cNvPr id="25" name="TextBox 24">
             <a:extLst>
               <a:ext uri="{FF2B5EF4-FFF2-40B4-BE49-F238E27FC236}">
-                <a16:creationId xmlns:a16="http://schemas.microsoft.com/office/drawing/2014/main" id="{C55775A8-5ABE-6548-9548-E1F77C874342}"/>
+                <a16:creationId xmlns:a16="http://schemas.microsoft.com/office/drawing/2014/main" xmlns="" id="{C55775A8-5ABE-6548-9548-E1F77C874342}"/>
               </a:ext>
             </a:extLst>
           </p:cNvPr>
@@ -8362,7 +8362,7 @@
           <p:cNvPr id="26" name="Straight Connector 25">
             <a:extLst>
               <a:ext uri="{FF2B5EF4-FFF2-40B4-BE49-F238E27FC236}">
-                <a16:creationId xmlns:a16="http://schemas.microsoft.com/office/drawing/2014/main" id="{E894BE6E-55D8-C142-94D3-68D25A40749E}"/>
+                <a16:creationId xmlns:a16="http://schemas.microsoft.com/office/drawing/2014/main" xmlns="" id="{E894BE6E-55D8-C142-94D3-68D25A40749E}"/>
               </a:ext>
             </a:extLst>
           </p:cNvPr>
@@ -8401,7 +8401,7 @@
           <p:cNvPr id="27" name="Picture 26">
             <a:extLst>
               <a:ext uri="{FF2B5EF4-FFF2-40B4-BE49-F238E27FC236}">
-                <a16:creationId xmlns:a16="http://schemas.microsoft.com/office/drawing/2014/main" id="{781E2FD1-428E-7D44-89C5-9093DEB40378}"/>
+                <a16:creationId xmlns:a16="http://schemas.microsoft.com/office/drawing/2014/main" xmlns="" id="{781E2FD1-428E-7D44-89C5-9093DEB40378}"/>
               </a:ext>
             </a:extLst>
           </p:cNvPr>
@@ -8451,7 +8451,7 @@
           <p:cNvPr id="28" name="Straight Connector 27">
             <a:extLst>
               <a:ext uri="{FF2B5EF4-FFF2-40B4-BE49-F238E27FC236}">
-                <a16:creationId xmlns:a16="http://schemas.microsoft.com/office/drawing/2014/main" id="{1533CF9E-F952-4B45-B664-4C3F0BFDDABA}"/>
+                <a16:creationId xmlns:a16="http://schemas.microsoft.com/office/drawing/2014/main" xmlns="" id="{1533CF9E-F952-4B45-B664-4C3F0BFDDABA}"/>
               </a:ext>
             </a:extLst>
           </p:cNvPr>
@@ -8490,7 +8490,7 @@
           <p:cNvPr id="29" name="Picture 28">
             <a:extLst>
               <a:ext uri="{FF2B5EF4-FFF2-40B4-BE49-F238E27FC236}">
-                <a16:creationId xmlns:a16="http://schemas.microsoft.com/office/drawing/2014/main" id="{449D74E8-170A-334B-839B-CB6AFEACA9A4}"/>
+                <a16:creationId xmlns:a16="http://schemas.microsoft.com/office/drawing/2014/main" xmlns="" id="{449D74E8-170A-334B-839B-CB6AFEACA9A4}"/>
               </a:ext>
             </a:extLst>
           </p:cNvPr>
@@ -8540,7 +8540,7 @@
           <p:cNvPr id="20" name="Picture 19">
             <a:extLst>
               <a:ext uri="{FF2B5EF4-FFF2-40B4-BE49-F238E27FC236}">
-                <a16:creationId xmlns:a16="http://schemas.microsoft.com/office/drawing/2014/main" id="{1164240B-41F0-744F-AF93-9775ABCF839D}"/>
+                <a16:creationId xmlns:a16="http://schemas.microsoft.com/office/drawing/2014/main" xmlns="" id="{1164240B-41F0-744F-AF93-9775ABCF839D}"/>
               </a:ext>
             </a:extLst>
           </p:cNvPr>
@@ -8573,7 +8573,7 @@
           <p:cNvPr id="23" name="Picture 22">
             <a:extLst>
               <a:ext uri="{FF2B5EF4-FFF2-40B4-BE49-F238E27FC236}">
-                <a16:creationId xmlns:a16="http://schemas.microsoft.com/office/drawing/2014/main" id="{1164240B-41F0-744F-AF93-9775ABCF839D}"/>
+                <a16:creationId xmlns:a16="http://schemas.microsoft.com/office/drawing/2014/main" xmlns="" id="{1164240B-41F0-744F-AF93-9775ABCF839D}"/>
               </a:ext>
             </a:extLst>
           </p:cNvPr>
@@ -8702,7 +8702,7 @@
           <p:cNvPr id="5" name="Group 4">
             <a:extLst>
               <a:ext uri="{FF2B5EF4-FFF2-40B4-BE49-F238E27FC236}">
-                <a16:creationId xmlns:a16="http://schemas.microsoft.com/office/drawing/2014/main" id="{65E8FAEF-1EFF-5341-A01F-B7906A58EB9D}"/>
+                <a16:creationId xmlns:a16="http://schemas.microsoft.com/office/drawing/2014/main" xmlns="" id="{65E8FAEF-1EFF-5341-A01F-B7906A58EB9D}"/>
               </a:ext>
             </a:extLst>
           </p:cNvPr>
@@ -8722,7 +8722,7 @@
             <p:cNvPr id="4" name="TextBox 3">
               <a:extLst>
                 <a:ext uri="{FF2B5EF4-FFF2-40B4-BE49-F238E27FC236}">
-                  <a16:creationId xmlns:a16="http://schemas.microsoft.com/office/drawing/2014/main" id="{2AF08CC0-3F31-DF4B-9CEA-6EC50A47F804}"/>
+                  <a16:creationId xmlns:a16="http://schemas.microsoft.com/office/drawing/2014/main" xmlns="" id="{2AF08CC0-3F31-DF4B-9CEA-6EC50A47F804}"/>
                 </a:ext>
               </a:extLst>
             </p:cNvPr>
@@ -8757,7 +8757,7 @@
             <p:cNvPr id="13" name="TextBox 12">
               <a:extLst>
                 <a:ext uri="{FF2B5EF4-FFF2-40B4-BE49-F238E27FC236}">
-                  <a16:creationId xmlns:a16="http://schemas.microsoft.com/office/drawing/2014/main" id="{C1B94B09-62AD-2D40-8D6D-4147B3CF67CC}"/>
+                  <a16:creationId xmlns:a16="http://schemas.microsoft.com/office/drawing/2014/main" xmlns="" id="{C1B94B09-62AD-2D40-8D6D-4147B3CF67CC}"/>
                 </a:ext>
               </a:extLst>
             </p:cNvPr>
@@ -8793,7 +8793,7 @@
           <p:cNvPr id="6" name="Group 5">
             <a:extLst>
               <a:ext uri="{FF2B5EF4-FFF2-40B4-BE49-F238E27FC236}">
-                <a16:creationId xmlns:a16="http://schemas.microsoft.com/office/drawing/2014/main" id="{E25BFCE9-4648-5247-AFE2-E842BC6A5EB8}"/>
+                <a16:creationId xmlns:a16="http://schemas.microsoft.com/office/drawing/2014/main" xmlns="" id="{E25BFCE9-4648-5247-AFE2-E842BC6A5EB8}"/>
               </a:ext>
             </a:extLst>
           </p:cNvPr>
@@ -8813,7 +8813,7 @@
             <p:cNvPr id="15" name="Picture 14">
               <a:extLst>
                 <a:ext uri="{FF2B5EF4-FFF2-40B4-BE49-F238E27FC236}">
-                  <a16:creationId xmlns:a16="http://schemas.microsoft.com/office/drawing/2014/main" id="{3F13AA8C-9ACF-144D-8FF9-207E08474BC5}"/>
+                  <a16:creationId xmlns:a16="http://schemas.microsoft.com/office/drawing/2014/main" xmlns="" id="{3F13AA8C-9ACF-144D-8FF9-207E08474BC5}"/>
                 </a:ext>
               </a:extLst>
             </p:cNvPr>
@@ -8846,7 +8846,7 @@
             <p:cNvPr id="17" name="Picture 16">
               <a:extLst>
                 <a:ext uri="{FF2B5EF4-FFF2-40B4-BE49-F238E27FC236}">
-                  <a16:creationId xmlns:a16="http://schemas.microsoft.com/office/drawing/2014/main" id="{4EFF4C86-BF12-8945-818A-02B48A1ED72D}"/>
+                  <a16:creationId xmlns:a16="http://schemas.microsoft.com/office/drawing/2014/main" xmlns="" id="{4EFF4C86-BF12-8945-818A-02B48A1ED72D}"/>
                 </a:ext>
               </a:extLst>
             </p:cNvPr>
@@ -8880,7 +8880,7 @@
           <p:cNvPr id="8" name="Straight Connector 7">
             <a:extLst>
               <a:ext uri="{FF2B5EF4-FFF2-40B4-BE49-F238E27FC236}">
-                <a16:creationId xmlns:a16="http://schemas.microsoft.com/office/drawing/2014/main" id="{C31CC10D-73EE-B241-B9C9-57C477E95860}"/>
+                <a16:creationId xmlns:a16="http://schemas.microsoft.com/office/drawing/2014/main" xmlns="" id="{C31CC10D-73EE-B241-B9C9-57C477E95860}"/>
               </a:ext>
             </a:extLst>
           </p:cNvPr>
@@ -8922,7 +8922,7 @@
           <p:cNvPr id="9" name="TextBox 8">
             <a:extLst>
               <a:ext uri="{FF2B5EF4-FFF2-40B4-BE49-F238E27FC236}">
-                <a16:creationId xmlns:a16="http://schemas.microsoft.com/office/drawing/2014/main" id="{D291145D-B17C-524C-AA9A-9537BA07CFC1}"/>
+                <a16:creationId xmlns:a16="http://schemas.microsoft.com/office/drawing/2014/main" xmlns="" id="{D291145D-B17C-524C-AA9A-9537BA07CFC1}"/>
               </a:ext>
             </a:extLst>
           </p:cNvPr>
@@ -8957,7 +8957,7 @@
           <p:cNvPr id="12" name="Group 11">
             <a:extLst>
               <a:ext uri="{FF2B5EF4-FFF2-40B4-BE49-F238E27FC236}">
-                <a16:creationId xmlns:a16="http://schemas.microsoft.com/office/drawing/2014/main" id="{D0025525-C36E-1C47-A746-5FC26B1D8BF6}"/>
+                <a16:creationId xmlns:a16="http://schemas.microsoft.com/office/drawing/2014/main" xmlns="" id="{D0025525-C36E-1C47-A746-5FC26B1D8BF6}"/>
               </a:ext>
             </a:extLst>
           </p:cNvPr>
@@ -8977,7 +8977,7 @@
             <p:cNvPr id="34" name="Oval 33">
               <a:extLst>
                 <a:ext uri="{FF2B5EF4-FFF2-40B4-BE49-F238E27FC236}">
-                  <a16:creationId xmlns:a16="http://schemas.microsoft.com/office/drawing/2014/main" id="{E6321CBF-B199-3640-BCFB-588232AFBC07}"/>
+                  <a16:creationId xmlns:a16="http://schemas.microsoft.com/office/drawing/2014/main" xmlns="" id="{E6321CBF-B199-3640-BCFB-588232AFBC07}"/>
                 </a:ext>
               </a:extLst>
             </p:cNvPr>
@@ -9044,7 +9044,7 @@
             <p:cNvPr id="37" name="Chord 36">
               <a:extLst>
                 <a:ext uri="{FF2B5EF4-FFF2-40B4-BE49-F238E27FC236}">
-                  <a16:creationId xmlns:a16="http://schemas.microsoft.com/office/drawing/2014/main" id="{097E5BEA-6346-AA48-B8EB-8D2041EFC3BE}"/>
+                  <a16:creationId xmlns:a16="http://schemas.microsoft.com/office/drawing/2014/main" xmlns="" id="{097E5BEA-6346-AA48-B8EB-8D2041EFC3BE}"/>
                 </a:ext>
               </a:extLst>
             </p:cNvPr>
@@ -9107,7 +9107,7 @@
             <p:cNvPr id="38" name="TextBox 37">
               <a:extLst>
                 <a:ext uri="{FF2B5EF4-FFF2-40B4-BE49-F238E27FC236}">
-                  <a16:creationId xmlns:a16="http://schemas.microsoft.com/office/drawing/2014/main" id="{C130AED8-BB0B-CF40-BC4B-5EC6B9C7EEA1}"/>
+                  <a16:creationId xmlns:a16="http://schemas.microsoft.com/office/drawing/2014/main" xmlns="" id="{C130AED8-BB0B-CF40-BC4B-5EC6B9C7EEA1}"/>
                 </a:ext>
               </a:extLst>
             </p:cNvPr>
@@ -9147,7 +9147,7 @@
           <p:cNvPr id="11" name="Straight Arrow Connector 10">
             <a:extLst>
               <a:ext uri="{FF2B5EF4-FFF2-40B4-BE49-F238E27FC236}">
-                <a16:creationId xmlns:a16="http://schemas.microsoft.com/office/drawing/2014/main" id="{C537AE5F-1C25-8C4B-95C6-1DA3C8765BF2}"/>
+                <a16:creationId xmlns:a16="http://schemas.microsoft.com/office/drawing/2014/main" xmlns="" id="{C537AE5F-1C25-8C4B-95C6-1DA3C8765BF2}"/>
               </a:ext>
             </a:extLst>
           </p:cNvPr>
@@ -9189,7 +9189,7 @@
           <p:cNvPr id="39" name="Straight Arrow Connector 38">
             <a:extLst>
               <a:ext uri="{FF2B5EF4-FFF2-40B4-BE49-F238E27FC236}">
-                <a16:creationId xmlns:a16="http://schemas.microsoft.com/office/drawing/2014/main" id="{8585E1B9-2CE9-FC46-B259-BEB7034DBDED}"/>
+                <a16:creationId xmlns:a16="http://schemas.microsoft.com/office/drawing/2014/main" xmlns="" id="{8585E1B9-2CE9-FC46-B259-BEB7034DBDED}"/>
               </a:ext>
             </a:extLst>
           </p:cNvPr>
@@ -9231,7 +9231,7 @@
           <p:cNvPr id="44" name="Straight Arrow Connector 43">
             <a:extLst>
               <a:ext uri="{FF2B5EF4-FFF2-40B4-BE49-F238E27FC236}">
-                <a16:creationId xmlns:a16="http://schemas.microsoft.com/office/drawing/2014/main" id="{8371A8F3-0706-2049-A263-D532BA13A249}"/>
+                <a16:creationId xmlns:a16="http://schemas.microsoft.com/office/drawing/2014/main" xmlns="" id="{8371A8F3-0706-2049-A263-D532BA13A249}"/>
               </a:ext>
             </a:extLst>
           </p:cNvPr>
@@ -9348,7 +9348,7 @@
               <p:cNvPr id="49" name="Picture 48">
                 <a:extLst>
                   <a:ext uri="{FF2B5EF4-FFF2-40B4-BE49-F238E27FC236}">
-                    <a16:creationId xmlns:a16="http://schemas.microsoft.com/office/drawing/2014/main" id="{285C9102-3522-3547-805E-9DA73DC64DDB}"/>
+                    <a16:creationId xmlns:a16="http://schemas.microsoft.com/office/drawing/2014/main" xmlns="" id="{285C9102-3522-3547-805E-9DA73DC64DDB}"/>
                   </a:ext>
                 </a:extLst>
               </p:cNvPr>
@@ -9580,7 +9580,7 @@
             <p:cNvPr id="57" name="Picture 56">
               <a:extLst>
                 <a:ext uri="{FF2B5EF4-FFF2-40B4-BE49-F238E27FC236}">
-                  <a16:creationId xmlns:a16="http://schemas.microsoft.com/office/drawing/2014/main" id="{2C4C59C3-7727-A740-AAD5-6819D535E95A}"/>
+                  <a16:creationId xmlns:a16="http://schemas.microsoft.com/office/drawing/2014/main" xmlns="" id="{2C4C59C3-7727-A740-AAD5-6819D535E95A}"/>
                 </a:ext>
               </a:extLst>
             </p:cNvPr>
@@ -9610,7 +9610,7 @@
           <p:cNvPr id="61" name="Rectangle 60">
             <a:extLst>
               <a:ext uri="{FF2B5EF4-FFF2-40B4-BE49-F238E27FC236}">
-                <a16:creationId xmlns:a16="http://schemas.microsoft.com/office/drawing/2014/main" id="{78A91A13-300A-1D46-83F0-9FDCDC1E5089}"/>
+                <a16:creationId xmlns:a16="http://schemas.microsoft.com/office/drawing/2014/main" xmlns="" id="{78A91A13-300A-1D46-83F0-9FDCDC1E5089}"/>
               </a:ext>
             </a:extLst>
           </p:cNvPr>
@@ -9792,7 +9792,7 @@
             <p:cNvPr id="68" name="Picture 67">
               <a:extLst>
                 <a:ext uri="{FF2B5EF4-FFF2-40B4-BE49-F238E27FC236}">
-                  <a16:creationId xmlns:a16="http://schemas.microsoft.com/office/drawing/2014/main" id="{285C9102-3522-3547-805E-9DA73DC64DDB}"/>
+                  <a16:creationId xmlns:a16="http://schemas.microsoft.com/office/drawing/2014/main" xmlns="" id="{285C9102-3522-3547-805E-9DA73DC64DDB}"/>
                 </a:ext>
               </a:extLst>
             </p:cNvPr>
@@ -9971,7 +9971,7 @@
             <p:cNvPr id="75" name="Picture 74">
               <a:extLst>
                 <a:ext uri="{FF2B5EF4-FFF2-40B4-BE49-F238E27FC236}">
-                  <a16:creationId xmlns:a16="http://schemas.microsoft.com/office/drawing/2014/main" id="{2C4C59C3-7727-A740-AAD5-6819D535E95A}"/>
+                  <a16:creationId xmlns:a16="http://schemas.microsoft.com/office/drawing/2014/main" xmlns="" id="{2C4C59C3-7727-A740-AAD5-6819D535E95A}"/>
                 </a:ext>
               </a:extLst>
             </p:cNvPr>
@@ -10017,7 +10017,7 @@
           <p:cNvPr id="77" name="Rectangle 76">
             <a:extLst>
               <a:ext uri="{FF2B5EF4-FFF2-40B4-BE49-F238E27FC236}">
-                <a16:creationId xmlns:a16="http://schemas.microsoft.com/office/drawing/2014/main" id="{78A91A13-300A-1D46-83F0-9FDCDC1E5089}"/>
+                <a16:creationId xmlns:a16="http://schemas.microsoft.com/office/drawing/2014/main" xmlns="" id="{78A91A13-300A-1D46-83F0-9FDCDC1E5089}"/>
               </a:ext>
             </a:extLst>
           </p:cNvPr>
@@ -10146,7 +10146,7 @@
               <p:cNvPr id="83" name="Picture 82">
                 <a:extLst>
                   <a:ext uri="{FF2B5EF4-FFF2-40B4-BE49-F238E27FC236}">
-                    <a16:creationId xmlns:a16="http://schemas.microsoft.com/office/drawing/2014/main" id="{285C9102-3522-3547-805E-9DA73DC64DDB}"/>
+                    <a16:creationId xmlns:a16="http://schemas.microsoft.com/office/drawing/2014/main" xmlns="" id="{285C9102-3522-3547-805E-9DA73DC64DDB}"/>
                   </a:ext>
                 </a:extLst>
               </p:cNvPr>
@@ -10421,7 +10421,7 @@
           <p:cNvPr id="56" name="Rectangle 55">
             <a:extLst>
               <a:ext uri="{FF2B5EF4-FFF2-40B4-BE49-F238E27FC236}">
-                <a16:creationId xmlns:a16="http://schemas.microsoft.com/office/drawing/2014/main" id="{78A91A13-300A-1D46-83F0-9FDCDC1E5089}"/>
+                <a16:creationId xmlns:a16="http://schemas.microsoft.com/office/drawing/2014/main" xmlns="" id="{78A91A13-300A-1D46-83F0-9FDCDC1E5089}"/>
               </a:ext>
             </a:extLst>
           </p:cNvPr>
@@ -10475,7 +10475,7 @@
           <p:cNvPr id="62" name="Rectangle 61">
             <a:extLst>
               <a:ext uri="{FF2B5EF4-FFF2-40B4-BE49-F238E27FC236}">
-                <a16:creationId xmlns:a16="http://schemas.microsoft.com/office/drawing/2014/main" id="{78A91A13-300A-1D46-83F0-9FDCDC1E5089}"/>
+                <a16:creationId xmlns:a16="http://schemas.microsoft.com/office/drawing/2014/main" xmlns="" id="{78A91A13-300A-1D46-83F0-9FDCDC1E5089}"/>
               </a:ext>
             </a:extLst>
           </p:cNvPr>
@@ -10604,7 +10604,7 @@
               <p:cNvPr id="86" name="Picture 85">
                 <a:extLst>
                   <a:ext uri="{FF2B5EF4-FFF2-40B4-BE49-F238E27FC236}">
-                    <a16:creationId xmlns:a16="http://schemas.microsoft.com/office/drawing/2014/main" id="{285C9102-3522-3547-805E-9DA73DC64DDB}"/>
+                    <a16:creationId xmlns:a16="http://schemas.microsoft.com/office/drawing/2014/main" xmlns="" id="{285C9102-3522-3547-805E-9DA73DC64DDB}"/>
                   </a:ext>
                 </a:extLst>
               </p:cNvPr>
@@ -10836,7 +10836,7 @@
             <p:cNvPr id="92" name="Picture 91">
               <a:extLst>
                 <a:ext uri="{FF2B5EF4-FFF2-40B4-BE49-F238E27FC236}">
-                  <a16:creationId xmlns:a16="http://schemas.microsoft.com/office/drawing/2014/main" id="{2C4C59C3-7727-A740-AAD5-6819D535E95A}"/>
+                  <a16:creationId xmlns:a16="http://schemas.microsoft.com/office/drawing/2014/main" xmlns="" id="{2C4C59C3-7727-A740-AAD5-6819D535E95A}"/>
                 </a:ext>
               </a:extLst>
             </p:cNvPr>
@@ -10866,7 +10866,7 @@
           <p:cNvPr id="95" name="Rectangle 94">
             <a:extLst>
               <a:ext uri="{FF2B5EF4-FFF2-40B4-BE49-F238E27FC236}">
-                <a16:creationId xmlns:a16="http://schemas.microsoft.com/office/drawing/2014/main" id="{78A91A13-300A-1D46-83F0-9FDCDC1E5089}"/>
+                <a16:creationId xmlns:a16="http://schemas.microsoft.com/office/drawing/2014/main" xmlns="" id="{78A91A13-300A-1D46-83F0-9FDCDC1E5089}"/>
               </a:ext>
             </a:extLst>
           </p:cNvPr>
@@ -10920,7 +10920,7 @@
           <p:cNvPr id="111" name="TextBox 110">
             <a:extLst>
               <a:ext uri="{FF2B5EF4-FFF2-40B4-BE49-F238E27FC236}">
-                <a16:creationId xmlns:a16="http://schemas.microsoft.com/office/drawing/2014/main" id="{2AF08CC0-3F31-DF4B-9CEA-6EC50A47F804}"/>
+                <a16:creationId xmlns:a16="http://schemas.microsoft.com/office/drawing/2014/main" xmlns="" id="{2AF08CC0-3F31-DF4B-9CEA-6EC50A47F804}"/>
               </a:ext>
             </a:extLst>
           </p:cNvPr>
@@ -10955,7 +10955,7 @@
           <p:cNvPr id="112" name="TextBox 111">
             <a:extLst>
               <a:ext uri="{FF2B5EF4-FFF2-40B4-BE49-F238E27FC236}">
-                <a16:creationId xmlns:a16="http://schemas.microsoft.com/office/drawing/2014/main" id="{C1B94B09-62AD-2D40-8D6D-4147B3CF67CC}"/>
+                <a16:creationId xmlns:a16="http://schemas.microsoft.com/office/drawing/2014/main" xmlns="" id="{C1B94B09-62AD-2D40-8D6D-4147B3CF67CC}"/>
               </a:ext>
             </a:extLst>
           </p:cNvPr>
@@ -11161,7 +11161,7 @@
           <p:cNvPr id="118" name="Rectangle 117">
             <a:extLst>
               <a:ext uri="{FF2B5EF4-FFF2-40B4-BE49-F238E27FC236}">
-                <a16:creationId xmlns:a16="http://schemas.microsoft.com/office/drawing/2014/main" id="{78A91A13-300A-1D46-83F0-9FDCDC1E5089}"/>
+                <a16:creationId xmlns:a16="http://schemas.microsoft.com/office/drawing/2014/main" xmlns="" id="{78A91A13-300A-1D46-83F0-9FDCDC1E5089}"/>
               </a:ext>
             </a:extLst>
           </p:cNvPr>
@@ -11290,7 +11290,7 @@
               <p:cNvPr id="124" name="Picture 123">
                 <a:extLst>
                   <a:ext uri="{FF2B5EF4-FFF2-40B4-BE49-F238E27FC236}">
-                    <a16:creationId xmlns:a16="http://schemas.microsoft.com/office/drawing/2014/main" id="{285C9102-3522-3547-805E-9DA73DC64DDB}"/>
+                    <a16:creationId xmlns:a16="http://schemas.microsoft.com/office/drawing/2014/main" xmlns="" id="{285C9102-3522-3547-805E-9DA73DC64DDB}"/>
                   </a:ext>
                 </a:extLst>
               </p:cNvPr>
@@ -11522,7 +11522,7 @@
             <p:cNvPr id="127" name="Picture 126">
               <a:extLst>
                 <a:ext uri="{FF2B5EF4-FFF2-40B4-BE49-F238E27FC236}">
-                  <a16:creationId xmlns:a16="http://schemas.microsoft.com/office/drawing/2014/main" id="{2C4C59C3-7727-A740-AAD5-6819D535E95A}"/>
+                  <a16:creationId xmlns:a16="http://schemas.microsoft.com/office/drawing/2014/main" xmlns="" id="{2C4C59C3-7727-A740-AAD5-6819D535E95A}"/>
                 </a:ext>
               </a:extLst>
             </p:cNvPr>
@@ -11552,7 +11552,7 @@
           <p:cNvPr id="96" name="Group 95">
             <a:extLst>
               <a:ext uri="{FF2B5EF4-FFF2-40B4-BE49-F238E27FC236}">
-                <a16:creationId xmlns:a16="http://schemas.microsoft.com/office/drawing/2014/main" id="{7CD69CEA-D4AF-A14E-A79D-6970B5D4416E}"/>
+                <a16:creationId xmlns:a16="http://schemas.microsoft.com/office/drawing/2014/main" xmlns="" id="{7CD69CEA-D4AF-A14E-A79D-6970B5D4416E}"/>
               </a:ext>
             </a:extLst>
           </p:cNvPr>
@@ -11572,7 +11572,7 @@
             <p:cNvPr id="97" name="Group 96">
               <a:extLst>
                 <a:ext uri="{FF2B5EF4-FFF2-40B4-BE49-F238E27FC236}">
-                  <a16:creationId xmlns:a16="http://schemas.microsoft.com/office/drawing/2014/main" id="{26E697DA-6B00-CE4C-B2AF-EE6485AA0078}"/>
+                  <a16:creationId xmlns:a16="http://schemas.microsoft.com/office/drawing/2014/main" xmlns="" id="{26E697DA-6B00-CE4C-B2AF-EE6485AA0078}"/>
                 </a:ext>
               </a:extLst>
             </p:cNvPr>
@@ -11592,7 +11592,7 @@
               <p:cNvPr id="99" name="Rectangle 98">
                 <a:extLst>
                   <a:ext uri="{FF2B5EF4-FFF2-40B4-BE49-F238E27FC236}">
-                    <a16:creationId xmlns:a16="http://schemas.microsoft.com/office/drawing/2014/main" id="{328B6DD8-1197-7141-A866-8AB7FBAFC733}"/>
+                    <a16:creationId xmlns:a16="http://schemas.microsoft.com/office/drawing/2014/main" xmlns="" id="{328B6DD8-1197-7141-A866-8AB7FBAFC733}"/>
                   </a:ext>
                 </a:extLst>
               </p:cNvPr>
@@ -11645,7 +11645,7 @@
               <p:cNvPr id="100" name="Picture 99">
                 <a:extLst>
                   <a:ext uri="{FF2B5EF4-FFF2-40B4-BE49-F238E27FC236}">
-                    <a16:creationId xmlns:a16="http://schemas.microsoft.com/office/drawing/2014/main" id="{E8EC83C4-46C7-DD45-8EA9-63811DE565F1}"/>
+                    <a16:creationId xmlns:a16="http://schemas.microsoft.com/office/drawing/2014/main" xmlns="" id="{E8EC83C4-46C7-DD45-8EA9-63811DE565F1}"/>
                   </a:ext>
                 </a:extLst>
               </p:cNvPr>
@@ -11696,7 +11696,7 @@
             <p:cNvPr id="98" name="Rectangle 97">
               <a:extLst>
                 <a:ext uri="{FF2B5EF4-FFF2-40B4-BE49-F238E27FC236}">
-                  <a16:creationId xmlns:a16="http://schemas.microsoft.com/office/drawing/2014/main" id="{C37B1EDC-C0E7-BE45-806B-92EE15B7D19F}"/>
+                  <a16:creationId xmlns:a16="http://schemas.microsoft.com/office/drawing/2014/main" xmlns="" id="{C37B1EDC-C0E7-BE45-806B-92EE15B7D19F}"/>
                 </a:ext>
               </a:extLst>
             </p:cNvPr>
@@ -11755,7 +11755,7 @@
           <p:cNvPr id="101" name="Group 100">
             <a:extLst>
               <a:ext uri="{FF2B5EF4-FFF2-40B4-BE49-F238E27FC236}">
-                <a16:creationId xmlns:a16="http://schemas.microsoft.com/office/drawing/2014/main" id="{3DC2D82E-A91A-5145-AE88-C19A6A8595CC}"/>
+                <a16:creationId xmlns:a16="http://schemas.microsoft.com/office/drawing/2014/main" xmlns="" id="{3DC2D82E-A91A-5145-AE88-C19A6A8595CC}"/>
               </a:ext>
             </a:extLst>
           </p:cNvPr>
@@ -11775,7 +11775,7 @@
             <p:cNvPr id="102" name="Group 101">
               <a:extLst>
                 <a:ext uri="{FF2B5EF4-FFF2-40B4-BE49-F238E27FC236}">
-                  <a16:creationId xmlns:a16="http://schemas.microsoft.com/office/drawing/2014/main" id="{BA607156-6592-5248-AEF4-8AA7A74322AC}"/>
+                  <a16:creationId xmlns:a16="http://schemas.microsoft.com/office/drawing/2014/main" xmlns="" id="{BA607156-6592-5248-AEF4-8AA7A74322AC}"/>
                 </a:ext>
               </a:extLst>
             </p:cNvPr>
@@ -11795,7 +11795,7 @@
               <p:cNvPr id="104" name="Rectangle 103">
                 <a:extLst>
                   <a:ext uri="{FF2B5EF4-FFF2-40B4-BE49-F238E27FC236}">
-                    <a16:creationId xmlns:a16="http://schemas.microsoft.com/office/drawing/2014/main" id="{D248A77C-8E63-F747-B125-0AE22F728438}"/>
+                    <a16:creationId xmlns:a16="http://schemas.microsoft.com/office/drawing/2014/main" xmlns="" id="{D248A77C-8E63-F747-B125-0AE22F728438}"/>
                   </a:ext>
                 </a:extLst>
               </p:cNvPr>
@@ -11848,7 +11848,7 @@
               <p:cNvPr id="105" name="Rectangle 104">
                 <a:extLst>
                   <a:ext uri="{FF2B5EF4-FFF2-40B4-BE49-F238E27FC236}">
-                    <a16:creationId xmlns:a16="http://schemas.microsoft.com/office/drawing/2014/main" id="{E6DAEF7E-864C-4A4A-84F8-71E7FF935591}"/>
+                    <a16:creationId xmlns:a16="http://schemas.microsoft.com/office/drawing/2014/main" xmlns="" id="{E6DAEF7E-864C-4A4A-84F8-71E7FF935591}"/>
                   </a:ext>
                 </a:extLst>
               </p:cNvPr>
@@ -11907,7 +11907,7 @@
             <p:cNvPr id="103" name="Picture 102">
               <a:extLst>
                 <a:ext uri="{FF2B5EF4-FFF2-40B4-BE49-F238E27FC236}">
-                  <a16:creationId xmlns:a16="http://schemas.microsoft.com/office/drawing/2014/main" id="{35193DCC-B0A7-754C-990D-3F921679B461}"/>
+                  <a16:creationId xmlns:a16="http://schemas.microsoft.com/office/drawing/2014/main" xmlns="" id="{35193DCC-B0A7-754C-990D-3F921679B461}"/>
                 </a:ext>
               </a:extLst>
             </p:cNvPr>
@@ -11937,7 +11937,7 @@
           <p:cNvPr id="106" name="Rectangle 105">
             <a:extLst>
               <a:ext uri="{FF2B5EF4-FFF2-40B4-BE49-F238E27FC236}">
-                <a16:creationId xmlns:a16="http://schemas.microsoft.com/office/drawing/2014/main" id="{2F328CEE-C139-A441-BE1D-E469B7704F2C}"/>
+                <a16:creationId xmlns:a16="http://schemas.microsoft.com/office/drawing/2014/main" xmlns="" id="{2F328CEE-C139-A441-BE1D-E469B7704F2C}"/>
               </a:ext>
             </a:extLst>
           </p:cNvPr>
@@ -11991,7 +11991,7 @@
           <p:cNvPr id="107" name="TextBox 106">
             <a:extLst>
               <a:ext uri="{FF2B5EF4-FFF2-40B4-BE49-F238E27FC236}">
-                <a16:creationId xmlns:a16="http://schemas.microsoft.com/office/drawing/2014/main" id="{5B9ED655-F906-3845-AAEE-BEFB83D7B292}"/>
+                <a16:creationId xmlns:a16="http://schemas.microsoft.com/office/drawing/2014/main" xmlns="" id="{5B9ED655-F906-3845-AAEE-BEFB83D7B292}"/>
               </a:ext>
             </a:extLst>
           </p:cNvPr>
@@ -12026,7 +12026,7 @@
           <p:cNvPr id="109" name="Rectangle 108">
             <a:extLst>
               <a:ext uri="{FF2B5EF4-FFF2-40B4-BE49-F238E27FC236}">
-                <a16:creationId xmlns:a16="http://schemas.microsoft.com/office/drawing/2014/main" id="{741F7571-4391-F44C-8D88-68CC8ADFD485}"/>
+                <a16:creationId xmlns:a16="http://schemas.microsoft.com/office/drawing/2014/main" xmlns="" id="{741F7571-4391-F44C-8D88-68CC8ADFD485}"/>
               </a:ext>
             </a:extLst>
           </p:cNvPr>
@@ -12080,7 +12080,7 @@
           <p:cNvPr id="18" name="Group 17">
             <a:extLst>
               <a:ext uri="{FF2B5EF4-FFF2-40B4-BE49-F238E27FC236}">
-                <a16:creationId xmlns:a16="http://schemas.microsoft.com/office/drawing/2014/main" id="{96CEFCAD-A9FE-6E43-913C-65B683E31560}"/>
+                <a16:creationId xmlns:a16="http://schemas.microsoft.com/office/drawing/2014/main" xmlns="" id="{96CEFCAD-A9FE-6E43-913C-65B683E31560}"/>
               </a:ext>
             </a:extLst>
           </p:cNvPr>
@@ -12100,7 +12100,7 @@
             <p:cNvPr id="134" name="Rectangle 133">
               <a:extLst>
                 <a:ext uri="{FF2B5EF4-FFF2-40B4-BE49-F238E27FC236}">
-                  <a16:creationId xmlns:a16="http://schemas.microsoft.com/office/drawing/2014/main" id="{C86B1359-9D19-924E-8C4D-31018E22AC28}"/>
+                  <a16:creationId xmlns:a16="http://schemas.microsoft.com/office/drawing/2014/main" xmlns="" id="{C86B1359-9D19-924E-8C4D-31018E22AC28}"/>
                 </a:ext>
               </a:extLst>
             </p:cNvPr>
@@ -12153,7 +12153,7 @@
             <p:cNvPr id="141" name="Rectangle 140">
               <a:extLst>
                 <a:ext uri="{FF2B5EF4-FFF2-40B4-BE49-F238E27FC236}">
-                  <a16:creationId xmlns:a16="http://schemas.microsoft.com/office/drawing/2014/main" id="{A90C9B84-EAEA-D94B-B44C-755F753A1ADA}"/>
+                  <a16:creationId xmlns:a16="http://schemas.microsoft.com/office/drawing/2014/main" xmlns="" id="{A90C9B84-EAEA-D94B-B44C-755F753A1ADA}"/>
                 </a:ext>
               </a:extLst>
             </p:cNvPr>
@@ -12211,7 +12211,7 @@
             <p:cNvPr id="142" name="Picture 141">
               <a:extLst>
                 <a:ext uri="{FF2B5EF4-FFF2-40B4-BE49-F238E27FC236}">
-                  <a16:creationId xmlns:a16="http://schemas.microsoft.com/office/drawing/2014/main" id="{7AC07AB2-C01C-0C42-B3F1-096755FBA0C3}"/>
+                  <a16:creationId xmlns:a16="http://schemas.microsoft.com/office/drawing/2014/main" xmlns="" id="{7AC07AB2-C01C-0C42-B3F1-096755FBA0C3}"/>
                 </a:ext>
               </a:extLst>
             </p:cNvPr>
@@ -12262,7 +12262,7 @@
           <p:cNvPr id="19" name="Group 18">
             <a:extLst>
               <a:ext uri="{FF2B5EF4-FFF2-40B4-BE49-F238E27FC236}">
-                <a16:creationId xmlns:a16="http://schemas.microsoft.com/office/drawing/2014/main" id="{65D4B8DC-7F41-834E-87CA-908E4FDAA563}"/>
+                <a16:creationId xmlns:a16="http://schemas.microsoft.com/office/drawing/2014/main" xmlns="" id="{65D4B8DC-7F41-834E-87CA-908E4FDAA563}"/>
               </a:ext>
             </a:extLst>
           </p:cNvPr>
@@ -12282,7 +12282,7 @@
             <p:cNvPr id="137" name="Group 136">
               <a:extLst>
                 <a:ext uri="{FF2B5EF4-FFF2-40B4-BE49-F238E27FC236}">
-                  <a16:creationId xmlns:a16="http://schemas.microsoft.com/office/drawing/2014/main" id="{65747244-09E7-6247-8933-AAD1FD09BB23}"/>
+                  <a16:creationId xmlns:a16="http://schemas.microsoft.com/office/drawing/2014/main" xmlns="" id="{65747244-09E7-6247-8933-AAD1FD09BB23}"/>
                 </a:ext>
               </a:extLst>
             </p:cNvPr>
@@ -12302,7 +12302,7 @@
               <p:cNvPr id="139" name="Rectangle 138">
                 <a:extLst>
                   <a:ext uri="{FF2B5EF4-FFF2-40B4-BE49-F238E27FC236}">
-                    <a16:creationId xmlns:a16="http://schemas.microsoft.com/office/drawing/2014/main" id="{6D732C82-A007-9243-A616-D7A2EFF361EA}"/>
+                    <a16:creationId xmlns:a16="http://schemas.microsoft.com/office/drawing/2014/main" xmlns="" id="{6D732C82-A007-9243-A616-D7A2EFF361EA}"/>
                   </a:ext>
                 </a:extLst>
               </p:cNvPr>
@@ -12355,7 +12355,7 @@
               <p:cNvPr id="140" name="Rectangle 139">
                 <a:extLst>
                   <a:ext uri="{FF2B5EF4-FFF2-40B4-BE49-F238E27FC236}">
-                    <a16:creationId xmlns:a16="http://schemas.microsoft.com/office/drawing/2014/main" id="{D311A2E9-86D2-7245-8DFA-66F1AF1211AB}"/>
+                    <a16:creationId xmlns:a16="http://schemas.microsoft.com/office/drawing/2014/main" xmlns="" id="{D311A2E9-86D2-7245-8DFA-66F1AF1211AB}"/>
                   </a:ext>
                 </a:extLst>
               </p:cNvPr>
@@ -12414,7 +12414,7 @@
             <p:cNvPr id="143" name="Picture 142">
               <a:extLst>
                 <a:ext uri="{FF2B5EF4-FFF2-40B4-BE49-F238E27FC236}">
-                  <a16:creationId xmlns:a16="http://schemas.microsoft.com/office/drawing/2014/main" id="{FAA8E5D7-BD57-FC48-B8B8-39660E3E4DBD}"/>
+                  <a16:creationId xmlns:a16="http://schemas.microsoft.com/office/drawing/2014/main" xmlns="" id="{FAA8E5D7-BD57-FC48-B8B8-39660E3E4DBD}"/>
                 </a:ext>
               </a:extLst>
             </p:cNvPr>
@@ -12460,7 +12460,7 @@
           <p:cNvPr id="144" name="Picture 143">
             <a:extLst>
               <a:ext uri="{FF2B5EF4-FFF2-40B4-BE49-F238E27FC236}">
-                <a16:creationId xmlns:a16="http://schemas.microsoft.com/office/drawing/2014/main" id="{31DE37A7-3BC7-3F46-84AD-418ED946B146}"/>
+                <a16:creationId xmlns:a16="http://schemas.microsoft.com/office/drawing/2014/main" xmlns="" id="{31DE37A7-3BC7-3F46-84AD-418ED946B146}"/>
               </a:ext>
             </a:extLst>
           </p:cNvPr>
@@ -12493,7 +12493,7 @@
           <p:cNvPr id="145" name="Straight Arrow Connector 144">
             <a:extLst>
               <a:ext uri="{FF2B5EF4-FFF2-40B4-BE49-F238E27FC236}">
-                <a16:creationId xmlns:a16="http://schemas.microsoft.com/office/drawing/2014/main" id="{6BDA4257-FAC5-3C4D-9C16-99AFA16BBED3}"/>
+                <a16:creationId xmlns:a16="http://schemas.microsoft.com/office/drawing/2014/main" xmlns="" id="{6BDA4257-FAC5-3C4D-9C16-99AFA16BBED3}"/>
               </a:ext>
             </a:extLst>
           </p:cNvPr>
@@ -12535,7 +12535,7 @@
           <p:cNvPr id="146" name="Rectangle 145">
             <a:extLst>
               <a:ext uri="{FF2B5EF4-FFF2-40B4-BE49-F238E27FC236}">
-                <a16:creationId xmlns:a16="http://schemas.microsoft.com/office/drawing/2014/main" id="{826E921B-E015-0444-8EA4-9AE4465C71B2}"/>
+                <a16:creationId xmlns:a16="http://schemas.microsoft.com/office/drawing/2014/main" xmlns="" id="{826E921B-E015-0444-8EA4-9AE4465C71B2}"/>
               </a:ext>
             </a:extLst>
           </p:cNvPr>
@@ -12589,7 +12589,7 @@
           <p:cNvPr id="147" name="TextBox 146">
             <a:extLst>
               <a:ext uri="{FF2B5EF4-FFF2-40B4-BE49-F238E27FC236}">
-                <a16:creationId xmlns:a16="http://schemas.microsoft.com/office/drawing/2014/main" id="{0DDDABDD-F689-7F40-87A1-44306E2834F7}"/>
+                <a16:creationId xmlns:a16="http://schemas.microsoft.com/office/drawing/2014/main" xmlns="" id="{0DDDABDD-F689-7F40-87A1-44306E2834F7}"/>
               </a:ext>
             </a:extLst>
           </p:cNvPr>
@@ -12624,7 +12624,7 @@
           <p:cNvPr id="148" name="TextBox 147">
             <a:extLst>
               <a:ext uri="{FF2B5EF4-FFF2-40B4-BE49-F238E27FC236}">
-                <a16:creationId xmlns:a16="http://schemas.microsoft.com/office/drawing/2014/main" id="{B1DD1F95-0D50-9741-9F24-689043FD0A55}"/>
+                <a16:creationId xmlns:a16="http://schemas.microsoft.com/office/drawing/2014/main" xmlns="" id="{B1DD1F95-0D50-9741-9F24-689043FD0A55}"/>
               </a:ext>
             </a:extLst>
           </p:cNvPr>
@@ -12659,7 +12659,7 @@
           <p:cNvPr id="149" name="TextBox 148">
             <a:extLst>
               <a:ext uri="{FF2B5EF4-FFF2-40B4-BE49-F238E27FC236}">
-                <a16:creationId xmlns:a16="http://schemas.microsoft.com/office/drawing/2014/main" id="{E231CEB1-6EBC-AB44-B258-A3CAE200EE30}"/>
+                <a16:creationId xmlns:a16="http://schemas.microsoft.com/office/drawing/2014/main" xmlns="" id="{E231CEB1-6EBC-AB44-B258-A3CAE200EE30}"/>
               </a:ext>
             </a:extLst>
           </p:cNvPr>
@@ -12694,7 +12694,7 @@
           <p:cNvPr id="150" name="TextBox 149">
             <a:extLst>
               <a:ext uri="{FF2B5EF4-FFF2-40B4-BE49-F238E27FC236}">
-                <a16:creationId xmlns:a16="http://schemas.microsoft.com/office/drawing/2014/main" id="{C9192EE0-F31E-1349-9D13-5B0D60E0B7AD}"/>
+                <a16:creationId xmlns:a16="http://schemas.microsoft.com/office/drawing/2014/main" xmlns="" id="{C9192EE0-F31E-1349-9D13-5B0D60E0B7AD}"/>
               </a:ext>
             </a:extLst>
           </p:cNvPr>
@@ -12729,7 +12729,7 @@
           <p:cNvPr id="162" name="Group 161">
             <a:extLst>
               <a:ext uri="{FF2B5EF4-FFF2-40B4-BE49-F238E27FC236}">
-                <a16:creationId xmlns:a16="http://schemas.microsoft.com/office/drawing/2014/main" id="{9CEE0C78-2878-7644-8173-0989FA78D519}"/>
+                <a16:creationId xmlns:a16="http://schemas.microsoft.com/office/drawing/2014/main" xmlns="" id="{9CEE0C78-2878-7644-8173-0989FA78D519}"/>
               </a:ext>
             </a:extLst>
           </p:cNvPr>
@@ -12749,7 +12749,7 @@
             <p:cNvPr id="163" name="Rectangle 162">
               <a:extLst>
                 <a:ext uri="{FF2B5EF4-FFF2-40B4-BE49-F238E27FC236}">
-                  <a16:creationId xmlns:a16="http://schemas.microsoft.com/office/drawing/2014/main" id="{51F42B5E-B24C-5049-869C-F855BF67F362}"/>
+                  <a16:creationId xmlns:a16="http://schemas.microsoft.com/office/drawing/2014/main" xmlns="" id="{51F42B5E-B24C-5049-869C-F855BF67F362}"/>
                 </a:ext>
               </a:extLst>
             </p:cNvPr>
@@ -12802,7 +12802,7 @@
             <p:cNvPr id="164" name="Rectangle 163">
               <a:extLst>
                 <a:ext uri="{FF2B5EF4-FFF2-40B4-BE49-F238E27FC236}">
-                  <a16:creationId xmlns:a16="http://schemas.microsoft.com/office/drawing/2014/main" id="{D28BBA10-609F-8048-95B5-D3B95D4989F5}"/>
+                  <a16:creationId xmlns:a16="http://schemas.microsoft.com/office/drawing/2014/main" xmlns="" id="{D28BBA10-609F-8048-95B5-D3B95D4989F5}"/>
                 </a:ext>
               </a:extLst>
             </p:cNvPr>
@@ -12860,7 +12860,7 @@
             <p:cNvPr id="165" name="Picture 164">
               <a:extLst>
                 <a:ext uri="{FF2B5EF4-FFF2-40B4-BE49-F238E27FC236}">
-                  <a16:creationId xmlns:a16="http://schemas.microsoft.com/office/drawing/2014/main" id="{2E7D13AC-5D09-5844-A736-D885A6C535E3}"/>
+                  <a16:creationId xmlns:a16="http://schemas.microsoft.com/office/drawing/2014/main" xmlns="" id="{2E7D13AC-5D09-5844-A736-D885A6C535E3}"/>
                 </a:ext>
               </a:extLst>
             </p:cNvPr>
@@ -12911,7 +12911,7 @@
           <p:cNvPr id="166" name="Group 165">
             <a:extLst>
               <a:ext uri="{FF2B5EF4-FFF2-40B4-BE49-F238E27FC236}">
-                <a16:creationId xmlns:a16="http://schemas.microsoft.com/office/drawing/2014/main" id="{43091681-3BC0-2B48-AF71-92F96815FE00}"/>
+                <a16:creationId xmlns:a16="http://schemas.microsoft.com/office/drawing/2014/main" xmlns="" id="{43091681-3BC0-2B48-AF71-92F96815FE00}"/>
               </a:ext>
             </a:extLst>
           </p:cNvPr>
@@ -12931,7 +12931,7 @@
             <p:cNvPr id="167" name="Group 166">
               <a:extLst>
                 <a:ext uri="{FF2B5EF4-FFF2-40B4-BE49-F238E27FC236}">
-                  <a16:creationId xmlns:a16="http://schemas.microsoft.com/office/drawing/2014/main" id="{3006771F-E50E-864E-BF30-ABB04948E124}"/>
+                  <a16:creationId xmlns:a16="http://schemas.microsoft.com/office/drawing/2014/main" xmlns="" id="{3006771F-E50E-864E-BF30-ABB04948E124}"/>
                 </a:ext>
               </a:extLst>
             </p:cNvPr>
@@ -12951,7 +12951,7 @@
               <p:cNvPr id="169" name="Rectangle 168">
                 <a:extLst>
                   <a:ext uri="{FF2B5EF4-FFF2-40B4-BE49-F238E27FC236}">
-                    <a16:creationId xmlns:a16="http://schemas.microsoft.com/office/drawing/2014/main" id="{5150BAEE-94FB-BB44-A645-BD64A4FD5100}"/>
+                    <a16:creationId xmlns:a16="http://schemas.microsoft.com/office/drawing/2014/main" xmlns="" id="{5150BAEE-94FB-BB44-A645-BD64A4FD5100}"/>
                   </a:ext>
                 </a:extLst>
               </p:cNvPr>
@@ -13004,7 +13004,7 @@
               <p:cNvPr id="170" name="Rectangle 169">
                 <a:extLst>
                   <a:ext uri="{FF2B5EF4-FFF2-40B4-BE49-F238E27FC236}">
-                    <a16:creationId xmlns:a16="http://schemas.microsoft.com/office/drawing/2014/main" id="{CEFC05DF-692E-4947-AAD2-5FCE465DE733}"/>
+                    <a16:creationId xmlns:a16="http://schemas.microsoft.com/office/drawing/2014/main" xmlns="" id="{CEFC05DF-692E-4947-AAD2-5FCE465DE733}"/>
                   </a:ext>
                 </a:extLst>
               </p:cNvPr>
@@ -13063,7 +13063,7 @@
             <p:cNvPr id="168" name="Picture 167">
               <a:extLst>
                 <a:ext uri="{FF2B5EF4-FFF2-40B4-BE49-F238E27FC236}">
-                  <a16:creationId xmlns:a16="http://schemas.microsoft.com/office/drawing/2014/main" id="{3976EA98-547D-9C41-A194-46BD5AE29562}"/>
+                  <a16:creationId xmlns:a16="http://schemas.microsoft.com/office/drawing/2014/main" xmlns="" id="{3976EA98-547D-9C41-A194-46BD5AE29562}"/>
                 </a:ext>
               </a:extLst>
             </p:cNvPr>
@@ -13109,7 +13109,7 @@
           <p:cNvPr id="171" name="Rectangle 170">
             <a:extLst>
               <a:ext uri="{FF2B5EF4-FFF2-40B4-BE49-F238E27FC236}">
-                <a16:creationId xmlns:a16="http://schemas.microsoft.com/office/drawing/2014/main" id="{EA8B0F9F-E199-2847-A831-A903BFA7D6BB}"/>
+                <a16:creationId xmlns:a16="http://schemas.microsoft.com/office/drawing/2014/main" xmlns="" id="{EA8B0F9F-E199-2847-A831-A903BFA7D6BB}"/>
               </a:ext>
             </a:extLst>
           </p:cNvPr>
@@ -13163,7 +13163,7 @@
           <p:cNvPr id="172" name="Group 171">
             <a:extLst>
               <a:ext uri="{FF2B5EF4-FFF2-40B4-BE49-F238E27FC236}">
-                <a16:creationId xmlns:a16="http://schemas.microsoft.com/office/drawing/2014/main" id="{68007D9C-5439-4F48-B903-7F30F937AD67}"/>
+                <a16:creationId xmlns:a16="http://schemas.microsoft.com/office/drawing/2014/main" xmlns="" id="{68007D9C-5439-4F48-B903-7F30F937AD67}"/>
               </a:ext>
             </a:extLst>
           </p:cNvPr>
@@ -13183,7 +13183,7 @@
             <p:cNvPr id="173" name="Group 172">
               <a:extLst>
                 <a:ext uri="{FF2B5EF4-FFF2-40B4-BE49-F238E27FC236}">
-                  <a16:creationId xmlns:a16="http://schemas.microsoft.com/office/drawing/2014/main" id="{1AD6F15B-5691-CF4F-9072-7F311D08EC24}"/>
+                  <a16:creationId xmlns:a16="http://schemas.microsoft.com/office/drawing/2014/main" xmlns="" id="{1AD6F15B-5691-CF4F-9072-7F311D08EC24}"/>
                 </a:ext>
               </a:extLst>
             </p:cNvPr>
@@ -13203,7 +13203,7 @@
               <p:cNvPr id="175" name="Rectangle 174">
                 <a:extLst>
                   <a:ext uri="{FF2B5EF4-FFF2-40B4-BE49-F238E27FC236}">
-                    <a16:creationId xmlns:a16="http://schemas.microsoft.com/office/drawing/2014/main" id="{11A38807-3D0A-8548-9E09-00562968FD71}"/>
+                    <a16:creationId xmlns:a16="http://schemas.microsoft.com/office/drawing/2014/main" xmlns="" id="{11A38807-3D0A-8548-9E09-00562968FD71}"/>
                   </a:ext>
                 </a:extLst>
               </p:cNvPr>
@@ -13256,7 +13256,7 @@
               <p:cNvPr id="176" name="Picture 175">
                 <a:extLst>
                   <a:ext uri="{FF2B5EF4-FFF2-40B4-BE49-F238E27FC236}">
-                    <a16:creationId xmlns:a16="http://schemas.microsoft.com/office/drawing/2014/main" id="{1FEE96DD-AF49-034D-8391-F18103E92BB0}"/>
+                    <a16:creationId xmlns:a16="http://schemas.microsoft.com/office/drawing/2014/main" xmlns="" id="{1FEE96DD-AF49-034D-8391-F18103E92BB0}"/>
                   </a:ext>
                 </a:extLst>
               </p:cNvPr>
@@ -13307,7 +13307,7 @@
             <p:cNvPr id="174" name="Rectangle 173">
               <a:extLst>
                 <a:ext uri="{FF2B5EF4-FFF2-40B4-BE49-F238E27FC236}">
-                  <a16:creationId xmlns:a16="http://schemas.microsoft.com/office/drawing/2014/main" id="{F314C111-6529-C847-890A-9317ED8AF591}"/>
+                  <a16:creationId xmlns:a16="http://schemas.microsoft.com/office/drawing/2014/main" xmlns="" id="{F314C111-6529-C847-890A-9317ED8AF591}"/>
                 </a:ext>
               </a:extLst>
             </p:cNvPr>
@@ -13366,7 +13366,7 @@
           <p:cNvPr id="180" name="TextBox 179">
             <a:extLst>
               <a:ext uri="{FF2B5EF4-FFF2-40B4-BE49-F238E27FC236}">
-                <a16:creationId xmlns:a16="http://schemas.microsoft.com/office/drawing/2014/main" id="{060AFDA2-5132-F14D-9FDB-F037317C5778}"/>
+                <a16:creationId xmlns:a16="http://schemas.microsoft.com/office/drawing/2014/main" xmlns="" id="{060AFDA2-5132-F14D-9FDB-F037317C5778}"/>
               </a:ext>
             </a:extLst>
           </p:cNvPr>
@@ -13431,7 +13431,7 @@
           <p:cNvPr id="5" name="Group 4">
             <a:extLst>
               <a:ext uri="{FF2B5EF4-FFF2-40B4-BE49-F238E27FC236}">
-                <a16:creationId xmlns:a16="http://schemas.microsoft.com/office/drawing/2014/main" id="{65E8FAEF-1EFF-5341-A01F-B7906A58EB9D}"/>
+                <a16:creationId xmlns:a16="http://schemas.microsoft.com/office/drawing/2014/main" xmlns="" id="{65E8FAEF-1EFF-5341-A01F-B7906A58EB9D}"/>
               </a:ext>
             </a:extLst>
           </p:cNvPr>
@@ -13451,7 +13451,7 @@
             <p:cNvPr id="4" name="TextBox 3">
               <a:extLst>
                 <a:ext uri="{FF2B5EF4-FFF2-40B4-BE49-F238E27FC236}">
-                  <a16:creationId xmlns:a16="http://schemas.microsoft.com/office/drawing/2014/main" id="{2AF08CC0-3F31-DF4B-9CEA-6EC50A47F804}"/>
+                  <a16:creationId xmlns:a16="http://schemas.microsoft.com/office/drawing/2014/main" xmlns="" id="{2AF08CC0-3F31-DF4B-9CEA-6EC50A47F804}"/>
                 </a:ext>
               </a:extLst>
             </p:cNvPr>
@@ -13486,7 +13486,7 @@
             <p:cNvPr id="13" name="TextBox 12">
               <a:extLst>
                 <a:ext uri="{FF2B5EF4-FFF2-40B4-BE49-F238E27FC236}">
-                  <a16:creationId xmlns:a16="http://schemas.microsoft.com/office/drawing/2014/main" id="{C1B94B09-62AD-2D40-8D6D-4147B3CF67CC}"/>
+                  <a16:creationId xmlns:a16="http://schemas.microsoft.com/office/drawing/2014/main" xmlns="" id="{C1B94B09-62AD-2D40-8D6D-4147B3CF67CC}"/>
                 </a:ext>
               </a:extLst>
             </p:cNvPr>
@@ -13522,7 +13522,7 @@
           <p:cNvPr id="6" name="Group 5">
             <a:extLst>
               <a:ext uri="{FF2B5EF4-FFF2-40B4-BE49-F238E27FC236}">
-                <a16:creationId xmlns:a16="http://schemas.microsoft.com/office/drawing/2014/main" id="{E25BFCE9-4648-5247-AFE2-E842BC6A5EB8}"/>
+                <a16:creationId xmlns:a16="http://schemas.microsoft.com/office/drawing/2014/main" xmlns="" id="{E25BFCE9-4648-5247-AFE2-E842BC6A5EB8}"/>
               </a:ext>
             </a:extLst>
           </p:cNvPr>
@@ -13542,7 +13542,7 @@
             <p:cNvPr id="15" name="Picture 14">
               <a:extLst>
                 <a:ext uri="{FF2B5EF4-FFF2-40B4-BE49-F238E27FC236}">
-                  <a16:creationId xmlns:a16="http://schemas.microsoft.com/office/drawing/2014/main" id="{3F13AA8C-9ACF-144D-8FF9-207E08474BC5}"/>
+                  <a16:creationId xmlns:a16="http://schemas.microsoft.com/office/drawing/2014/main" xmlns="" id="{3F13AA8C-9ACF-144D-8FF9-207E08474BC5}"/>
                 </a:ext>
               </a:extLst>
             </p:cNvPr>
@@ -13575,7 +13575,7 @@
             <p:cNvPr id="17" name="Picture 16">
               <a:extLst>
                 <a:ext uri="{FF2B5EF4-FFF2-40B4-BE49-F238E27FC236}">
-                  <a16:creationId xmlns:a16="http://schemas.microsoft.com/office/drawing/2014/main" id="{4EFF4C86-BF12-8945-818A-02B48A1ED72D}"/>
+                  <a16:creationId xmlns:a16="http://schemas.microsoft.com/office/drawing/2014/main" xmlns="" id="{4EFF4C86-BF12-8945-818A-02B48A1ED72D}"/>
                 </a:ext>
               </a:extLst>
             </p:cNvPr>
@@ -13609,7 +13609,7 @@
           <p:cNvPr id="8" name="Straight Connector 7">
             <a:extLst>
               <a:ext uri="{FF2B5EF4-FFF2-40B4-BE49-F238E27FC236}">
-                <a16:creationId xmlns:a16="http://schemas.microsoft.com/office/drawing/2014/main" id="{C31CC10D-73EE-B241-B9C9-57C477E95860}"/>
+                <a16:creationId xmlns:a16="http://schemas.microsoft.com/office/drawing/2014/main" xmlns="" id="{C31CC10D-73EE-B241-B9C9-57C477E95860}"/>
               </a:ext>
             </a:extLst>
           </p:cNvPr>
@@ -13651,7 +13651,7 @@
           <p:cNvPr id="9" name="TextBox 8">
             <a:extLst>
               <a:ext uri="{FF2B5EF4-FFF2-40B4-BE49-F238E27FC236}">
-                <a16:creationId xmlns:a16="http://schemas.microsoft.com/office/drawing/2014/main" id="{D291145D-B17C-524C-AA9A-9537BA07CFC1}"/>
+                <a16:creationId xmlns:a16="http://schemas.microsoft.com/office/drawing/2014/main" xmlns="" id="{D291145D-B17C-524C-AA9A-9537BA07CFC1}"/>
               </a:ext>
             </a:extLst>
           </p:cNvPr>
@@ -13686,7 +13686,7 @@
           <p:cNvPr id="12" name="Group 11">
             <a:extLst>
               <a:ext uri="{FF2B5EF4-FFF2-40B4-BE49-F238E27FC236}">
-                <a16:creationId xmlns:a16="http://schemas.microsoft.com/office/drawing/2014/main" id="{D0025525-C36E-1C47-A746-5FC26B1D8BF6}"/>
+                <a16:creationId xmlns:a16="http://schemas.microsoft.com/office/drawing/2014/main" xmlns="" id="{D0025525-C36E-1C47-A746-5FC26B1D8BF6}"/>
               </a:ext>
             </a:extLst>
           </p:cNvPr>
@@ -13706,7 +13706,7 @@
             <p:cNvPr id="34" name="Oval 33">
               <a:extLst>
                 <a:ext uri="{FF2B5EF4-FFF2-40B4-BE49-F238E27FC236}">
-                  <a16:creationId xmlns:a16="http://schemas.microsoft.com/office/drawing/2014/main" id="{E6321CBF-B199-3640-BCFB-588232AFBC07}"/>
+                  <a16:creationId xmlns:a16="http://schemas.microsoft.com/office/drawing/2014/main" xmlns="" id="{E6321CBF-B199-3640-BCFB-588232AFBC07}"/>
                 </a:ext>
               </a:extLst>
             </p:cNvPr>
@@ -13773,7 +13773,7 @@
             <p:cNvPr id="37" name="Chord 36">
               <a:extLst>
                 <a:ext uri="{FF2B5EF4-FFF2-40B4-BE49-F238E27FC236}">
-                  <a16:creationId xmlns:a16="http://schemas.microsoft.com/office/drawing/2014/main" id="{097E5BEA-6346-AA48-B8EB-8D2041EFC3BE}"/>
+                  <a16:creationId xmlns:a16="http://schemas.microsoft.com/office/drawing/2014/main" xmlns="" id="{097E5BEA-6346-AA48-B8EB-8D2041EFC3BE}"/>
                 </a:ext>
               </a:extLst>
             </p:cNvPr>
@@ -13836,7 +13836,7 @@
             <p:cNvPr id="38" name="TextBox 37">
               <a:extLst>
                 <a:ext uri="{FF2B5EF4-FFF2-40B4-BE49-F238E27FC236}">
-                  <a16:creationId xmlns:a16="http://schemas.microsoft.com/office/drawing/2014/main" id="{C130AED8-BB0B-CF40-BC4B-5EC6B9C7EEA1}"/>
+                  <a16:creationId xmlns:a16="http://schemas.microsoft.com/office/drawing/2014/main" xmlns="" id="{C130AED8-BB0B-CF40-BC4B-5EC6B9C7EEA1}"/>
                 </a:ext>
               </a:extLst>
             </p:cNvPr>
@@ -13876,7 +13876,7 @@
           <p:cNvPr id="11" name="Straight Arrow Connector 10">
             <a:extLst>
               <a:ext uri="{FF2B5EF4-FFF2-40B4-BE49-F238E27FC236}">
-                <a16:creationId xmlns:a16="http://schemas.microsoft.com/office/drawing/2014/main" id="{C537AE5F-1C25-8C4B-95C6-1DA3C8765BF2}"/>
+                <a16:creationId xmlns:a16="http://schemas.microsoft.com/office/drawing/2014/main" xmlns="" id="{C537AE5F-1C25-8C4B-95C6-1DA3C8765BF2}"/>
               </a:ext>
             </a:extLst>
           </p:cNvPr>
@@ -13918,7 +13918,7 @@
           <p:cNvPr id="39" name="Straight Arrow Connector 38">
             <a:extLst>
               <a:ext uri="{FF2B5EF4-FFF2-40B4-BE49-F238E27FC236}">
-                <a16:creationId xmlns:a16="http://schemas.microsoft.com/office/drawing/2014/main" id="{8585E1B9-2CE9-FC46-B259-BEB7034DBDED}"/>
+                <a16:creationId xmlns:a16="http://schemas.microsoft.com/office/drawing/2014/main" xmlns="" id="{8585E1B9-2CE9-FC46-B259-BEB7034DBDED}"/>
               </a:ext>
             </a:extLst>
           </p:cNvPr>
@@ -13960,7 +13960,7 @@
           <p:cNvPr id="44" name="Straight Arrow Connector 43">
             <a:extLst>
               <a:ext uri="{FF2B5EF4-FFF2-40B4-BE49-F238E27FC236}">
-                <a16:creationId xmlns:a16="http://schemas.microsoft.com/office/drawing/2014/main" id="{8371A8F3-0706-2049-A263-D532BA13A249}"/>
+                <a16:creationId xmlns:a16="http://schemas.microsoft.com/office/drawing/2014/main" xmlns="" id="{8371A8F3-0706-2049-A263-D532BA13A249}"/>
               </a:ext>
             </a:extLst>
           </p:cNvPr>
@@ -14077,7 +14077,7 @@
               <p:cNvPr id="49" name="Picture 48">
                 <a:extLst>
                   <a:ext uri="{FF2B5EF4-FFF2-40B4-BE49-F238E27FC236}">
-                    <a16:creationId xmlns:a16="http://schemas.microsoft.com/office/drawing/2014/main" id="{285C9102-3522-3547-805E-9DA73DC64DDB}"/>
+                    <a16:creationId xmlns:a16="http://schemas.microsoft.com/office/drawing/2014/main" xmlns="" id="{285C9102-3522-3547-805E-9DA73DC64DDB}"/>
                   </a:ext>
                 </a:extLst>
               </p:cNvPr>
@@ -14309,7 +14309,7 @@
             <p:cNvPr id="57" name="Picture 56">
               <a:extLst>
                 <a:ext uri="{FF2B5EF4-FFF2-40B4-BE49-F238E27FC236}">
-                  <a16:creationId xmlns:a16="http://schemas.microsoft.com/office/drawing/2014/main" id="{2C4C59C3-7727-A740-AAD5-6819D535E95A}"/>
+                  <a16:creationId xmlns:a16="http://schemas.microsoft.com/office/drawing/2014/main" xmlns="" id="{2C4C59C3-7727-A740-AAD5-6819D535E95A}"/>
                 </a:ext>
               </a:extLst>
             </p:cNvPr>
@@ -14339,7 +14339,7 @@
           <p:cNvPr id="61" name="Rectangle 60">
             <a:extLst>
               <a:ext uri="{FF2B5EF4-FFF2-40B4-BE49-F238E27FC236}">
-                <a16:creationId xmlns:a16="http://schemas.microsoft.com/office/drawing/2014/main" id="{78A91A13-300A-1D46-83F0-9FDCDC1E5089}"/>
+                <a16:creationId xmlns:a16="http://schemas.microsoft.com/office/drawing/2014/main" xmlns="" id="{78A91A13-300A-1D46-83F0-9FDCDC1E5089}"/>
               </a:ext>
             </a:extLst>
           </p:cNvPr>
@@ -14521,7 +14521,7 @@
             <p:cNvPr id="68" name="Picture 67">
               <a:extLst>
                 <a:ext uri="{FF2B5EF4-FFF2-40B4-BE49-F238E27FC236}">
-                  <a16:creationId xmlns:a16="http://schemas.microsoft.com/office/drawing/2014/main" id="{285C9102-3522-3547-805E-9DA73DC64DDB}"/>
+                  <a16:creationId xmlns:a16="http://schemas.microsoft.com/office/drawing/2014/main" xmlns="" id="{285C9102-3522-3547-805E-9DA73DC64DDB}"/>
                 </a:ext>
               </a:extLst>
             </p:cNvPr>
@@ -14700,7 +14700,7 @@
             <p:cNvPr id="75" name="Picture 74">
               <a:extLst>
                 <a:ext uri="{FF2B5EF4-FFF2-40B4-BE49-F238E27FC236}">
-                  <a16:creationId xmlns:a16="http://schemas.microsoft.com/office/drawing/2014/main" id="{2C4C59C3-7727-A740-AAD5-6819D535E95A}"/>
+                  <a16:creationId xmlns:a16="http://schemas.microsoft.com/office/drawing/2014/main" xmlns="" id="{2C4C59C3-7727-A740-AAD5-6819D535E95A}"/>
                 </a:ext>
               </a:extLst>
             </p:cNvPr>
@@ -14746,7 +14746,7 @@
           <p:cNvPr id="77" name="Rectangle 76">
             <a:extLst>
               <a:ext uri="{FF2B5EF4-FFF2-40B4-BE49-F238E27FC236}">
-                <a16:creationId xmlns:a16="http://schemas.microsoft.com/office/drawing/2014/main" id="{78A91A13-300A-1D46-83F0-9FDCDC1E5089}"/>
+                <a16:creationId xmlns:a16="http://schemas.microsoft.com/office/drawing/2014/main" xmlns="" id="{78A91A13-300A-1D46-83F0-9FDCDC1E5089}"/>
               </a:ext>
             </a:extLst>
           </p:cNvPr>
@@ -14875,7 +14875,7 @@
               <p:cNvPr id="83" name="Picture 82">
                 <a:extLst>
                   <a:ext uri="{FF2B5EF4-FFF2-40B4-BE49-F238E27FC236}">
-                    <a16:creationId xmlns:a16="http://schemas.microsoft.com/office/drawing/2014/main" id="{285C9102-3522-3547-805E-9DA73DC64DDB}"/>
+                    <a16:creationId xmlns:a16="http://schemas.microsoft.com/office/drawing/2014/main" xmlns="" id="{285C9102-3522-3547-805E-9DA73DC64DDB}"/>
                   </a:ext>
                 </a:extLst>
               </p:cNvPr>
@@ -15150,7 +15150,7 @@
           <p:cNvPr id="56" name="Rectangle 55">
             <a:extLst>
               <a:ext uri="{FF2B5EF4-FFF2-40B4-BE49-F238E27FC236}">
-                <a16:creationId xmlns:a16="http://schemas.microsoft.com/office/drawing/2014/main" id="{78A91A13-300A-1D46-83F0-9FDCDC1E5089}"/>
+                <a16:creationId xmlns:a16="http://schemas.microsoft.com/office/drawing/2014/main" xmlns="" id="{78A91A13-300A-1D46-83F0-9FDCDC1E5089}"/>
               </a:ext>
             </a:extLst>
           </p:cNvPr>
@@ -15204,7 +15204,7 @@
           <p:cNvPr id="62" name="Rectangle 61">
             <a:extLst>
               <a:ext uri="{FF2B5EF4-FFF2-40B4-BE49-F238E27FC236}">
-                <a16:creationId xmlns:a16="http://schemas.microsoft.com/office/drawing/2014/main" id="{78A91A13-300A-1D46-83F0-9FDCDC1E5089}"/>
+                <a16:creationId xmlns:a16="http://schemas.microsoft.com/office/drawing/2014/main" xmlns="" id="{78A91A13-300A-1D46-83F0-9FDCDC1E5089}"/>
               </a:ext>
             </a:extLst>
           </p:cNvPr>
@@ -15333,7 +15333,7 @@
               <p:cNvPr id="86" name="Picture 85">
                 <a:extLst>
                   <a:ext uri="{FF2B5EF4-FFF2-40B4-BE49-F238E27FC236}">
-                    <a16:creationId xmlns:a16="http://schemas.microsoft.com/office/drawing/2014/main" id="{285C9102-3522-3547-805E-9DA73DC64DDB}"/>
+                    <a16:creationId xmlns:a16="http://schemas.microsoft.com/office/drawing/2014/main" xmlns="" id="{285C9102-3522-3547-805E-9DA73DC64DDB}"/>
                   </a:ext>
                 </a:extLst>
               </p:cNvPr>
@@ -15565,7 +15565,7 @@
             <p:cNvPr id="92" name="Picture 91">
               <a:extLst>
                 <a:ext uri="{FF2B5EF4-FFF2-40B4-BE49-F238E27FC236}">
-                  <a16:creationId xmlns:a16="http://schemas.microsoft.com/office/drawing/2014/main" id="{2C4C59C3-7727-A740-AAD5-6819D535E95A}"/>
+                  <a16:creationId xmlns:a16="http://schemas.microsoft.com/office/drawing/2014/main" xmlns="" id="{2C4C59C3-7727-A740-AAD5-6819D535E95A}"/>
                 </a:ext>
               </a:extLst>
             </p:cNvPr>
@@ -15595,7 +15595,7 @@
           <p:cNvPr id="95" name="Rectangle 94">
             <a:extLst>
               <a:ext uri="{FF2B5EF4-FFF2-40B4-BE49-F238E27FC236}">
-                <a16:creationId xmlns:a16="http://schemas.microsoft.com/office/drawing/2014/main" id="{78A91A13-300A-1D46-83F0-9FDCDC1E5089}"/>
+                <a16:creationId xmlns:a16="http://schemas.microsoft.com/office/drawing/2014/main" xmlns="" id="{78A91A13-300A-1D46-83F0-9FDCDC1E5089}"/>
               </a:ext>
             </a:extLst>
           </p:cNvPr>
@@ -15649,7 +15649,7 @@
           <p:cNvPr id="111" name="TextBox 110">
             <a:extLst>
               <a:ext uri="{FF2B5EF4-FFF2-40B4-BE49-F238E27FC236}">
-                <a16:creationId xmlns:a16="http://schemas.microsoft.com/office/drawing/2014/main" id="{2AF08CC0-3F31-DF4B-9CEA-6EC50A47F804}"/>
+                <a16:creationId xmlns:a16="http://schemas.microsoft.com/office/drawing/2014/main" xmlns="" id="{2AF08CC0-3F31-DF4B-9CEA-6EC50A47F804}"/>
               </a:ext>
             </a:extLst>
           </p:cNvPr>
@@ -15684,7 +15684,7 @@
           <p:cNvPr id="112" name="TextBox 111">
             <a:extLst>
               <a:ext uri="{FF2B5EF4-FFF2-40B4-BE49-F238E27FC236}">
-                <a16:creationId xmlns:a16="http://schemas.microsoft.com/office/drawing/2014/main" id="{C1B94B09-62AD-2D40-8D6D-4147B3CF67CC}"/>
+                <a16:creationId xmlns:a16="http://schemas.microsoft.com/office/drawing/2014/main" xmlns="" id="{C1B94B09-62AD-2D40-8D6D-4147B3CF67CC}"/>
               </a:ext>
             </a:extLst>
           </p:cNvPr>
@@ -15890,7 +15890,7 @@
           <p:cNvPr id="118" name="Rectangle 117">
             <a:extLst>
               <a:ext uri="{FF2B5EF4-FFF2-40B4-BE49-F238E27FC236}">
-                <a16:creationId xmlns:a16="http://schemas.microsoft.com/office/drawing/2014/main" id="{78A91A13-300A-1D46-83F0-9FDCDC1E5089}"/>
+                <a16:creationId xmlns:a16="http://schemas.microsoft.com/office/drawing/2014/main" xmlns="" id="{78A91A13-300A-1D46-83F0-9FDCDC1E5089}"/>
               </a:ext>
             </a:extLst>
           </p:cNvPr>
@@ -16019,7 +16019,7 @@
               <p:cNvPr id="124" name="Picture 123">
                 <a:extLst>
                   <a:ext uri="{FF2B5EF4-FFF2-40B4-BE49-F238E27FC236}">
-                    <a16:creationId xmlns:a16="http://schemas.microsoft.com/office/drawing/2014/main" id="{285C9102-3522-3547-805E-9DA73DC64DDB}"/>
+                    <a16:creationId xmlns:a16="http://schemas.microsoft.com/office/drawing/2014/main" xmlns="" id="{285C9102-3522-3547-805E-9DA73DC64DDB}"/>
                   </a:ext>
                 </a:extLst>
               </p:cNvPr>
@@ -16251,7 +16251,7 @@
             <p:cNvPr id="127" name="Picture 126">
               <a:extLst>
                 <a:ext uri="{FF2B5EF4-FFF2-40B4-BE49-F238E27FC236}">
-                  <a16:creationId xmlns:a16="http://schemas.microsoft.com/office/drawing/2014/main" id="{2C4C59C3-7727-A740-AAD5-6819D535E95A}"/>
+                  <a16:creationId xmlns:a16="http://schemas.microsoft.com/office/drawing/2014/main" xmlns="" id="{2C4C59C3-7727-A740-AAD5-6819D535E95A}"/>
                 </a:ext>
               </a:extLst>
             </p:cNvPr>
@@ -16281,7 +16281,7 @@
           <p:cNvPr id="130" name="Rectangle 129">
             <a:extLst>
               <a:ext uri="{FF2B5EF4-FFF2-40B4-BE49-F238E27FC236}">
-                <a16:creationId xmlns:a16="http://schemas.microsoft.com/office/drawing/2014/main" id="{4C5A8ACF-8B4D-D740-865E-1F58D62317E0}"/>
+                <a16:creationId xmlns:a16="http://schemas.microsoft.com/office/drawing/2014/main" xmlns="" id="{4C5A8ACF-8B4D-D740-865E-1F58D62317E0}"/>
               </a:ext>
             </a:extLst>
           </p:cNvPr>
@@ -16336,7 +16336,7 @@
           <p:cNvPr id="96" name="Group 95">
             <a:extLst>
               <a:ext uri="{FF2B5EF4-FFF2-40B4-BE49-F238E27FC236}">
-                <a16:creationId xmlns:a16="http://schemas.microsoft.com/office/drawing/2014/main" id="{7CD69CEA-D4AF-A14E-A79D-6970B5D4416E}"/>
+                <a16:creationId xmlns:a16="http://schemas.microsoft.com/office/drawing/2014/main" xmlns="" id="{7CD69CEA-D4AF-A14E-A79D-6970B5D4416E}"/>
               </a:ext>
             </a:extLst>
           </p:cNvPr>
@@ -16356,7 +16356,7 @@
             <p:cNvPr id="97" name="Group 96">
               <a:extLst>
                 <a:ext uri="{FF2B5EF4-FFF2-40B4-BE49-F238E27FC236}">
-                  <a16:creationId xmlns:a16="http://schemas.microsoft.com/office/drawing/2014/main" id="{26E697DA-6B00-CE4C-B2AF-EE6485AA0078}"/>
+                  <a16:creationId xmlns:a16="http://schemas.microsoft.com/office/drawing/2014/main" xmlns="" id="{26E697DA-6B00-CE4C-B2AF-EE6485AA0078}"/>
                 </a:ext>
               </a:extLst>
             </p:cNvPr>
@@ -16376,7 +16376,7 @@
               <p:cNvPr id="99" name="Rectangle 98">
                 <a:extLst>
                   <a:ext uri="{FF2B5EF4-FFF2-40B4-BE49-F238E27FC236}">
-                    <a16:creationId xmlns:a16="http://schemas.microsoft.com/office/drawing/2014/main" id="{328B6DD8-1197-7141-A866-8AB7FBAFC733}"/>
+                    <a16:creationId xmlns:a16="http://schemas.microsoft.com/office/drawing/2014/main" xmlns="" id="{328B6DD8-1197-7141-A866-8AB7FBAFC733}"/>
                   </a:ext>
                 </a:extLst>
               </p:cNvPr>
@@ -16429,7 +16429,7 @@
               <p:cNvPr id="100" name="Picture 99">
                 <a:extLst>
                   <a:ext uri="{FF2B5EF4-FFF2-40B4-BE49-F238E27FC236}">
-                    <a16:creationId xmlns:a16="http://schemas.microsoft.com/office/drawing/2014/main" id="{E8EC83C4-46C7-DD45-8EA9-63811DE565F1}"/>
+                    <a16:creationId xmlns:a16="http://schemas.microsoft.com/office/drawing/2014/main" xmlns="" id="{E8EC83C4-46C7-DD45-8EA9-63811DE565F1}"/>
                   </a:ext>
                 </a:extLst>
               </p:cNvPr>
@@ -16480,7 +16480,7 @@
             <p:cNvPr id="98" name="Rectangle 97">
               <a:extLst>
                 <a:ext uri="{FF2B5EF4-FFF2-40B4-BE49-F238E27FC236}">
-                  <a16:creationId xmlns:a16="http://schemas.microsoft.com/office/drawing/2014/main" id="{C37B1EDC-C0E7-BE45-806B-92EE15B7D19F}"/>
+                  <a16:creationId xmlns:a16="http://schemas.microsoft.com/office/drawing/2014/main" xmlns="" id="{C37B1EDC-C0E7-BE45-806B-92EE15B7D19F}"/>
                 </a:ext>
               </a:extLst>
             </p:cNvPr>
@@ -16539,7 +16539,7 @@
           <p:cNvPr id="101" name="Group 100">
             <a:extLst>
               <a:ext uri="{FF2B5EF4-FFF2-40B4-BE49-F238E27FC236}">
-                <a16:creationId xmlns:a16="http://schemas.microsoft.com/office/drawing/2014/main" id="{3DC2D82E-A91A-5145-AE88-C19A6A8595CC}"/>
+                <a16:creationId xmlns:a16="http://schemas.microsoft.com/office/drawing/2014/main" xmlns="" id="{3DC2D82E-A91A-5145-AE88-C19A6A8595CC}"/>
               </a:ext>
             </a:extLst>
           </p:cNvPr>
@@ -16559,7 +16559,7 @@
             <p:cNvPr id="102" name="Group 101">
               <a:extLst>
                 <a:ext uri="{FF2B5EF4-FFF2-40B4-BE49-F238E27FC236}">
-                  <a16:creationId xmlns:a16="http://schemas.microsoft.com/office/drawing/2014/main" id="{BA607156-6592-5248-AEF4-8AA7A74322AC}"/>
+                  <a16:creationId xmlns:a16="http://schemas.microsoft.com/office/drawing/2014/main" xmlns="" id="{BA607156-6592-5248-AEF4-8AA7A74322AC}"/>
                 </a:ext>
               </a:extLst>
             </p:cNvPr>
@@ -16579,7 +16579,7 @@
               <p:cNvPr id="104" name="Rectangle 103">
                 <a:extLst>
                   <a:ext uri="{FF2B5EF4-FFF2-40B4-BE49-F238E27FC236}">
-                    <a16:creationId xmlns:a16="http://schemas.microsoft.com/office/drawing/2014/main" id="{D248A77C-8E63-F747-B125-0AE22F728438}"/>
+                    <a16:creationId xmlns:a16="http://schemas.microsoft.com/office/drawing/2014/main" xmlns="" id="{D248A77C-8E63-F747-B125-0AE22F728438}"/>
                   </a:ext>
                 </a:extLst>
               </p:cNvPr>
@@ -16632,7 +16632,7 @@
               <p:cNvPr id="105" name="Rectangle 104">
                 <a:extLst>
                   <a:ext uri="{FF2B5EF4-FFF2-40B4-BE49-F238E27FC236}">
-                    <a16:creationId xmlns:a16="http://schemas.microsoft.com/office/drawing/2014/main" id="{E6DAEF7E-864C-4A4A-84F8-71E7FF935591}"/>
+                    <a16:creationId xmlns:a16="http://schemas.microsoft.com/office/drawing/2014/main" xmlns="" id="{E6DAEF7E-864C-4A4A-84F8-71E7FF935591}"/>
                   </a:ext>
                 </a:extLst>
               </p:cNvPr>
@@ -16691,7 +16691,7 @@
             <p:cNvPr id="103" name="Picture 102">
               <a:extLst>
                 <a:ext uri="{FF2B5EF4-FFF2-40B4-BE49-F238E27FC236}">
-                  <a16:creationId xmlns:a16="http://schemas.microsoft.com/office/drawing/2014/main" id="{35193DCC-B0A7-754C-990D-3F921679B461}"/>
+                  <a16:creationId xmlns:a16="http://schemas.microsoft.com/office/drawing/2014/main" xmlns="" id="{35193DCC-B0A7-754C-990D-3F921679B461}"/>
                 </a:ext>
               </a:extLst>
             </p:cNvPr>
@@ -16721,7 +16721,7 @@
           <p:cNvPr id="106" name="Rectangle 105">
             <a:extLst>
               <a:ext uri="{FF2B5EF4-FFF2-40B4-BE49-F238E27FC236}">
-                <a16:creationId xmlns:a16="http://schemas.microsoft.com/office/drawing/2014/main" id="{2F328CEE-C139-A441-BE1D-E469B7704F2C}"/>
+                <a16:creationId xmlns:a16="http://schemas.microsoft.com/office/drawing/2014/main" xmlns="" id="{2F328CEE-C139-A441-BE1D-E469B7704F2C}"/>
               </a:ext>
             </a:extLst>
           </p:cNvPr>
@@ -16775,7 +16775,7 @@
           <p:cNvPr id="107" name="TextBox 106">
             <a:extLst>
               <a:ext uri="{FF2B5EF4-FFF2-40B4-BE49-F238E27FC236}">
-                <a16:creationId xmlns:a16="http://schemas.microsoft.com/office/drawing/2014/main" id="{5B9ED655-F906-3845-AAEE-BEFB83D7B292}"/>
+                <a16:creationId xmlns:a16="http://schemas.microsoft.com/office/drawing/2014/main" xmlns="" id="{5B9ED655-F906-3845-AAEE-BEFB83D7B292}"/>
               </a:ext>
             </a:extLst>
           </p:cNvPr>
@@ -16810,7 +16810,7 @@
           <p:cNvPr id="109" name="Rectangle 108">
             <a:extLst>
               <a:ext uri="{FF2B5EF4-FFF2-40B4-BE49-F238E27FC236}">
-                <a16:creationId xmlns:a16="http://schemas.microsoft.com/office/drawing/2014/main" id="{741F7571-4391-F44C-8D88-68CC8ADFD485}"/>
+                <a16:creationId xmlns:a16="http://schemas.microsoft.com/office/drawing/2014/main" xmlns="" id="{741F7571-4391-F44C-8D88-68CC8ADFD485}"/>
               </a:ext>
             </a:extLst>
           </p:cNvPr>
@@ -16864,7 +16864,7 @@
           <p:cNvPr id="18" name="Group 17">
             <a:extLst>
               <a:ext uri="{FF2B5EF4-FFF2-40B4-BE49-F238E27FC236}">
-                <a16:creationId xmlns:a16="http://schemas.microsoft.com/office/drawing/2014/main" id="{96CEFCAD-A9FE-6E43-913C-65B683E31560}"/>
+                <a16:creationId xmlns:a16="http://schemas.microsoft.com/office/drawing/2014/main" xmlns="" id="{96CEFCAD-A9FE-6E43-913C-65B683E31560}"/>
               </a:ext>
             </a:extLst>
           </p:cNvPr>
@@ -16884,7 +16884,7 @@
             <p:cNvPr id="134" name="Rectangle 133">
               <a:extLst>
                 <a:ext uri="{FF2B5EF4-FFF2-40B4-BE49-F238E27FC236}">
-                  <a16:creationId xmlns:a16="http://schemas.microsoft.com/office/drawing/2014/main" id="{C86B1359-9D19-924E-8C4D-31018E22AC28}"/>
+                  <a16:creationId xmlns:a16="http://schemas.microsoft.com/office/drawing/2014/main" xmlns="" id="{C86B1359-9D19-924E-8C4D-31018E22AC28}"/>
                 </a:ext>
               </a:extLst>
             </p:cNvPr>
@@ -16937,7 +16937,7 @@
             <p:cNvPr id="141" name="Rectangle 140">
               <a:extLst>
                 <a:ext uri="{FF2B5EF4-FFF2-40B4-BE49-F238E27FC236}">
-                  <a16:creationId xmlns:a16="http://schemas.microsoft.com/office/drawing/2014/main" id="{A90C9B84-EAEA-D94B-B44C-755F753A1ADA}"/>
+                  <a16:creationId xmlns:a16="http://schemas.microsoft.com/office/drawing/2014/main" xmlns="" id="{A90C9B84-EAEA-D94B-B44C-755F753A1ADA}"/>
                 </a:ext>
               </a:extLst>
             </p:cNvPr>
@@ -16995,7 +16995,7 @@
             <p:cNvPr id="142" name="Picture 141">
               <a:extLst>
                 <a:ext uri="{FF2B5EF4-FFF2-40B4-BE49-F238E27FC236}">
-                  <a16:creationId xmlns:a16="http://schemas.microsoft.com/office/drawing/2014/main" id="{7AC07AB2-C01C-0C42-B3F1-096755FBA0C3}"/>
+                  <a16:creationId xmlns:a16="http://schemas.microsoft.com/office/drawing/2014/main" xmlns="" id="{7AC07AB2-C01C-0C42-B3F1-096755FBA0C3}"/>
                 </a:ext>
               </a:extLst>
             </p:cNvPr>
@@ -17046,7 +17046,7 @@
           <p:cNvPr id="19" name="Group 18">
             <a:extLst>
               <a:ext uri="{FF2B5EF4-FFF2-40B4-BE49-F238E27FC236}">
-                <a16:creationId xmlns:a16="http://schemas.microsoft.com/office/drawing/2014/main" id="{65D4B8DC-7F41-834E-87CA-908E4FDAA563}"/>
+                <a16:creationId xmlns:a16="http://schemas.microsoft.com/office/drawing/2014/main" xmlns="" id="{65D4B8DC-7F41-834E-87CA-908E4FDAA563}"/>
               </a:ext>
             </a:extLst>
           </p:cNvPr>
@@ -17066,7 +17066,7 @@
             <p:cNvPr id="137" name="Group 136">
               <a:extLst>
                 <a:ext uri="{FF2B5EF4-FFF2-40B4-BE49-F238E27FC236}">
-                  <a16:creationId xmlns:a16="http://schemas.microsoft.com/office/drawing/2014/main" id="{65747244-09E7-6247-8933-AAD1FD09BB23}"/>
+                  <a16:creationId xmlns:a16="http://schemas.microsoft.com/office/drawing/2014/main" xmlns="" id="{65747244-09E7-6247-8933-AAD1FD09BB23}"/>
                 </a:ext>
               </a:extLst>
             </p:cNvPr>
@@ -17086,7 +17086,7 @@
               <p:cNvPr id="139" name="Rectangle 138">
                 <a:extLst>
                   <a:ext uri="{FF2B5EF4-FFF2-40B4-BE49-F238E27FC236}">
-                    <a16:creationId xmlns:a16="http://schemas.microsoft.com/office/drawing/2014/main" id="{6D732C82-A007-9243-A616-D7A2EFF361EA}"/>
+                    <a16:creationId xmlns:a16="http://schemas.microsoft.com/office/drawing/2014/main" xmlns="" id="{6D732C82-A007-9243-A616-D7A2EFF361EA}"/>
                   </a:ext>
                 </a:extLst>
               </p:cNvPr>
@@ -17139,7 +17139,7 @@
               <p:cNvPr id="140" name="Rectangle 139">
                 <a:extLst>
                   <a:ext uri="{FF2B5EF4-FFF2-40B4-BE49-F238E27FC236}">
-                    <a16:creationId xmlns:a16="http://schemas.microsoft.com/office/drawing/2014/main" id="{D311A2E9-86D2-7245-8DFA-66F1AF1211AB}"/>
+                    <a16:creationId xmlns:a16="http://schemas.microsoft.com/office/drawing/2014/main" xmlns="" id="{D311A2E9-86D2-7245-8DFA-66F1AF1211AB}"/>
                   </a:ext>
                 </a:extLst>
               </p:cNvPr>
@@ -17198,7 +17198,7 @@
             <p:cNvPr id="143" name="Picture 142">
               <a:extLst>
                 <a:ext uri="{FF2B5EF4-FFF2-40B4-BE49-F238E27FC236}">
-                  <a16:creationId xmlns:a16="http://schemas.microsoft.com/office/drawing/2014/main" id="{FAA8E5D7-BD57-FC48-B8B8-39660E3E4DBD}"/>
+                  <a16:creationId xmlns:a16="http://schemas.microsoft.com/office/drawing/2014/main" xmlns="" id="{FAA8E5D7-BD57-FC48-B8B8-39660E3E4DBD}"/>
                 </a:ext>
               </a:extLst>
             </p:cNvPr>
@@ -17244,7 +17244,7 @@
           <p:cNvPr id="144" name="Picture 143">
             <a:extLst>
               <a:ext uri="{FF2B5EF4-FFF2-40B4-BE49-F238E27FC236}">
-                <a16:creationId xmlns:a16="http://schemas.microsoft.com/office/drawing/2014/main" id="{31DE37A7-3BC7-3F46-84AD-418ED946B146}"/>
+                <a16:creationId xmlns:a16="http://schemas.microsoft.com/office/drawing/2014/main" xmlns="" id="{31DE37A7-3BC7-3F46-84AD-418ED946B146}"/>
               </a:ext>
             </a:extLst>
           </p:cNvPr>
@@ -17277,7 +17277,7 @@
           <p:cNvPr id="145" name="Straight Arrow Connector 144">
             <a:extLst>
               <a:ext uri="{FF2B5EF4-FFF2-40B4-BE49-F238E27FC236}">
-                <a16:creationId xmlns:a16="http://schemas.microsoft.com/office/drawing/2014/main" id="{6BDA4257-FAC5-3C4D-9C16-99AFA16BBED3}"/>
+                <a16:creationId xmlns:a16="http://schemas.microsoft.com/office/drawing/2014/main" xmlns="" id="{6BDA4257-FAC5-3C4D-9C16-99AFA16BBED3}"/>
               </a:ext>
             </a:extLst>
           </p:cNvPr>
@@ -17319,7 +17319,7 @@
           <p:cNvPr id="146" name="Rectangle 145">
             <a:extLst>
               <a:ext uri="{FF2B5EF4-FFF2-40B4-BE49-F238E27FC236}">
-                <a16:creationId xmlns:a16="http://schemas.microsoft.com/office/drawing/2014/main" id="{826E921B-E015-0444-8EA4-9AE4465C71B2}"/>
+                <a16:creationId xmlns:a16="http://schemas.microsoft.com/office/drawing/2014/main" xmlns="" id="{826E921B-E015-0444-8EA4-9AE4465C71B2}"/>
               </a:ext>
             </a:extLst>
           </p:cNvPr>
@@ -17373,7 +17373,7 @@
           <p:cNvPr id="147" name="TextBox 146">
             <a:extLst>
               <a:ext uri="{FF2B5EF4-FFF2-40B4-BE49-F238E27FC236}">
-                <a16:creationId xmlns:a16="http://schemas.microsoft.com/office/drawing/2014/main" id="{0DDDABDD-F689-7F40-87A1-44306E2834F7}"/>
+                <a16:creationId xmlns:a16="http://schemas.microsoft.com/office/drawing/2014/main" xmlns="" id="{0DDDABDD-F689-7F40-87A1-44306E2834F7}"/>
               </a:ext>
             </a:extLst>
           </p:cNvPr>
@@ -17408,7 +17408,7 @@
           <p:cNvPr id="148" name="TextBox 147">
             <a:extLst>
               <a:ext uri="{FF2B5EF4-FFF2-40B4-BE49-F238E27FC236}">
-                <a16:creationId xmlns:a16="http://schemas.microsoft.com/office/drawing/2014/main" id="{B1DD1F95-0D50-9741-9F24-689043FD0A55}"/>
+                <a16:creationId xmlns:a16="http://schemas.microsoft.com/office/drawing/2014/main" xmlns="" id="{B1DD1F95-0D50-9741-9F24-689043FD0A55}"/>
               </a:ext>
             </a:extLst>
           </p:cNvPr>
@@ -17443,7 +17443,7 @@
           <p:cNvPr id="149" name="TextBox 148">
             <a:extLst>
               <a:ext uri="{FF2B5EF4-FFF2-40B4-BE49-F238E27FC236}">
-                <a16:creationId xmlns:a16="http://schemas.microsoft.com/office/drawing/2014/main" id="{E231CEB1-6EBC-AB44-B258-A3CAE200EE30}"/>
+                <a16:creationId xmlns:a16="http://schemas.microsoft.com/office/drawing/2014/main" xmlns="" id="{E231CEB1-6EBC-AB44-B258-A3CAE200EE30}"/>
               </a:ext>
             </a:extLst>
           </p:cNvPr>
@@ -17478,7 +17478,7 @@
           <p:cNvPr id="150" name="TextBox 149">
             <a:extLst>
               <a:ext uri="{FF2B5EF4-FFF2-40B4-BE49-F238E27FC236}">
-                <a16:creationId xmlns:a16="http://schemas.microsoft.com/office/drawing/2014/main" id="{C9192EE0-F31E-1349-9D13-5B0D60E0B7AD}"/>
+                <a16:creationId xmlns:a16="http://schemas.microsoft.com/office/drawing/2014/main" xmlns="" id="{C9192EE0-F31E-1349-9D13-5B0D60E0B7AD}"/>
               </a:ext>
             </a:extLst>
           </p:cNvPr>
@@ -17513,7 +17513,7 @@
           <p:cNvPr id="162" name="Group 161">
             <a:extLst>
               <a:ext uri="{FF2B5EF4-FFF2-40B4-BE49-F238E27FC236}">
-                <a16:creationId xmlns:a16="http://schemas.microsoft.com/office/drawing/2014/main" id="{9CEE0C78-2878-7644-8173-0989FA78D519}"/>
+                <a16:creationId xmlns:a16="http://schemas.microsoft.com/office/drawing/2014/main" xmlns="" id="{9CEE0C78-2878-7644-8173-0989FA78D519}"/>
               </a:ext>
             </a:extLst>
           </p:cNvPr>
@@ -17533,7 +17533,7 @@
             <p:cNvPr id="163" name="Rectangle 162">
               <a:extLst>
                 <a:ext uri="{FF2B5EF4-FFF2-40B4-BE49-F238E27FC236}">
-                  <a16:creationId xmlns:a16="http://schemas.microsoft.com/office/drawing/2014/main" id="{51F42B5E-B24C-5049-869C-F855BF67F362}"/>
+                  <a16:creationId xmlns:a16="http://schemas.microsoft.com/office/drawing/2014/main" xmlns="" id="{51F42B5E-B24C-5049-869C-F855BF67F362}"/>
                 </a:ext>
               </a:extLst>
             </p:cNvPr>
@@ -17586,7 +17586,7 @@
             <p:cNvPr id="164" name="Rectangle 163">
               <a:extLst>
                 <a:ext uri="{FF2B5EF4-FFF2-40B4-BE49-F238E27FC236}">
-                  <a16:creationId xmlns:a16="http://schemas.microsoft.com/office/drawing/2014/main" id="{D28BBA10-609F-8048-95B5-D3B95D4989F5}"/>
+                  <a16:creationId xmlns:a16="http://schemas.microsoft.com/office/drawing/2014/main" xmlns="" id="{D28BBA10-609F-8048-95B5-D3B95D4989F5}"/>
                 </a:ext>
               </a:extLst>
             </p:cNvPr>
@@ -17644,7 +17644,7 @@
             <p:cNvPr id="165" name="Picture 164">
               <a:extLst>
                 <a:ext uri="{FF2B5EF4-FFF2-40B4-BE49-F238E27FC236}">
-                  <a16:creationId xmlns:a16="http://schemas.microsoft.com/office/drawing/2014/main" id="{2E7D13AC-5D09-5844-A736-D885A6C535E3}"/>
+                  <a16:creationId xmlns:a16="http://schemas.microsoft.com/office/drawing/2014/main" xmlns="" id="{2E7D13AC-5D09-5844-A736-D885A6C535E3}"/>
                 </a:ext>
               </a:extLst>
             </p:cNvPr>
@@ -17695,7 +17695,7 @@
           <p:cNvPr id="166" name="Group 165">
             <a:extLst>
               <a:ext uri="{FF2B5EF4-FFF2-40B4-BE49-F238E27FC236}">
-                <a16:creationId xmlns:a16="http://schemas.microsoft.com/office/drawing/2014/main" id="{43091681-3BC0-2B48-AF71-92F96815FE00}"/>
+                <a16:creationId xmlns:a16="http://schemas.microsoft.com/office/drawing/2014/main" xmlns="" id="{43091681-3BC0-2B48-AF71-92F96815FE00}"/>
               </a:ext>
             </a:extLst>
           </p:cNvPr>
@@ -17715,7 +17715,7 @@
             <p:cNvPr id="167" name="Group 166">
               <a:extLst>
                 <a:ext uri="{FF2B5EF4-FFF2-40B4-BE49-F238E27FC236}">
-                  <a16:creationId xmlns:a16="http://schemas.microsoft.com/office/drawing/2014/main" id="{3006771F-E50E-864E-BF30-ABB04948E124}"/>
+                  <a16:creationId xmlns:a16="http://schemas.microsoft.com/office/drawing/2014/main" xmlns="" id="{3006771F-E50E-864E-BF30-ABB04948E124}"/>
                 </a:ext>
               </a:extLst>
             </p:cNvPr>
@@ -17735,7 +17735,7 @@
               <p:cNvPr id="169" name="Rectangle 168">
                 <a:extLst>
                   <a:ext uri="{FF2B5EF4-FFF2-40B4-BE49-F238E27FC236}">
-                    <a16:creationId xmlns:a16="http://schemas.microsoft.com/office/drawing/2014/main" id="{5150BAEE-94FB-BB44-A645-BD64A4FD5100}"/>
+                    <a16:creationId xmlns:a16="http://schemas.microsoft.com/office/drawing/2014/main" xmlns="" id="{5150BAEE-94FB-BB44-A645-BD64A4FD5100}"/>
                   </a:ext>
                 </a:extLst>
               </p:cNvPr>
@@ -17788,7 +17788,7 @@
               <p:cNvPr id="170" name="Rectangle 169">
                 <a:extLst>
                   <a:ext uri="{FF2B5EF4-FFF2-40B4-BE49-F238E27FC236}">
-                    <a16:creationId xmlns:a16="http://schemas.microsoft.com/office/drawing/2014/main" id="{CEFC05DF-692E-4947-AAD2-5FCE465DE733}"/>
+                    <a16:creationId xmlns:a16="http://schemas.microsoft.com/office/drawing/2014/main" xmlns="" id="{CEFC05DF-692E-4947-AAD2-5FCE465DE733}"/>
                   </a:ext>
                 </a:extLst>
               </p:cNvPr>
@@ -17847,7 +17847,7 @@
             <p:cNvPr id="168" name="Picture 167">
               <a:extLst>
                 <a:ext uri="{FF2B5EF4-FFF2-40B4-BE49-F238E27FC236}">
-                  <a16:creationId xmlns:a16="http://schemas.microsoft.com/office/drawing/2014/main" id="{3976EA98-547D-9C41-A194-46BD5AE29562}"/>
+                  <a16:creationId xmlns:a16="http://schemas.microsoft.com/office/drawing/2014/main" xmlns="" id="{3976EA98-547D-9C41-A194-46BD5AE29562}"/>
                 </a:ext>
               </a:extLst>
             </p:cNvPr>
@@ -17893,7 +17893,7 @@
           <p:cNvPr id="171" name="Rectangle 170">
             <a:extLst>
               <a:ext uri="{FF2B5EF4-FFF2-40B4-BE49-F238E27FC236}">
-                <a16:creationId xmlns:a16="http://schemas.microsoft.com/office/drawing/2014/main" id="{EA8B0F9F-E199-2847-A831-A903BFA7D6BB}"/>
+                <a16:creationId xmlns:a16="http://schemas.microsoft.com/office/drawing/2014/main" xmlns="" id="{EA8B0F9F-E199-2847-A831-A903BFA7D6BB}"/>
               </a:ext>
             </a:extLst>
           </p:cNvPr>
@@ -17947,7 +17947,7 @@
           <p:cNvPr id="172" name="Group 171">
             <a:extLst>
               <a:ext uri="{FF2B5EF4-FFF2-40B4-BE49-F238E27FC236}">
-                <a16:creationId xmlns:a16="http://schemas.microsoft.com/office/drawing/2014/main" id="{68007D9C-5439-4F48-B903-7F30F937AD67}"/>
+                <a16:creationId xmlns:a16="http://schemas.microsoft.com/office/drawing/2014/main" xmlns="" id="{68007D9C-5439-4F48-B903-7F30F937AD67}"/>
               </a:ext>
             </a:extLst>
           </p:cNvPr>
@@ -17967,7 +17967,7 @@
             <p:cNvPr id="173" name="Group 172">
               <a:extLst>
                 <a:ext uri="{FF2B5EF4-FFF2-40B4-BE49-F238E27FC236}">
-                  <a16:creationId xmlns:a16="http://schemas.microsoft.com/office/drawing/2014/main" id="{1AD6F15B-5691-CF4F-9072-7F311D08EC24}"/>
+                  <a16:creationId xmlns:a16="http://schemas.microsoft.com/office/drawing/2014/main" xmlns="" id="{1AD6F15B-5691-CF4F-9072-7F311D08EC24}"/>
                 </a:ext>
               </a:extLst>
             </p:cNvPr>
@@ -17987,7 +17987,7 @@
               <p:cNvPr id="175" name="Rectangle 174">
                 <a:extLst>
                   <a:ext uri="{FF2B5EF4-FFF2-40B4-BE49-F238E27FC236}">
-                    <a16:creationId xmlns:a16="http://schemas.microsoft.com/office/drawing/2014/main" id="{11A38807-3D0A-8548-9E09-00562968FD71}"/>
+                    <a16:creationId xmlns:a16="http://schemas.microsoft.com/office/drawing/2014/main" xmlns="" id="{11A38807-3D0A-8548-9E09-00562968FD71}"/>
                   </a:ext>
                 </a:extLst>
               </p:cNvPr>
@@ -18040,7 +18040,7 @@
               <p:cNvPr id="176" name="Picture 175">
                 <a:extLst>
                   <a:ext uri="{FF2B5EF4-FFF2-40B4-BE49-F238E27FC236}">
-                    <a16:creationId xmlns:a16="http://schemas.microsoft.com/office/drawing/2014/main" id="{1FEE96DD-AF49-034D-8391-F18103E92BB0}"/>
+                    <a16:creationId xmlns:a16="http://schemas.microsoft.com/office/drawing/2014/main" xmlns="" id="{1FEE96DD-AF49-034D-8391-F18103E92BB0}"/>
                   </a:ext>
                 </a:extLst>
               </p:cNvPr>
@@ -18091,7 +18091,7 @@
             <p:cNvPr id="174" name="Rectangle 173">
               <a:extLst>
                 <a:ext uri="{FF2B5EF4-FFF2-40B4-BE49-F238E27FC236}">
-                  <a16:creationId xmlns:a16="http://schemas.microsoft.com/office/drawing/2014/main" id="{F314C111-6529-C847-890A-9317ED8AF591}"/>
+                  <a16:creationId xmlns:a16="http://schemas.microsoft.com/office/drawing/2014/main" xmlns="" id="{F314C111-6529-C847-890A-9317ED8AF591}"/>
                 </a:ext>
               </a:extLst>
             </p:cNvPr>
@@ -18150,7 +18150,7 @@
           <p:cNvPr id="180" name="TextBox 179">
             <a:extLst>
               <a:ext uri="{FF2B5EF4-FFF2-40B4-BE49-F238E27FC236}">
-                <a16:creationId xmlns:a16="http://schemas.microsoft.com/office/drawing/2014/main" id="{060AFDA2-5132-F14D-9FDB-F037317C5778}"/>
+                <a16:creationId xmlns:a16="http://schemas.microsoft.com/office/drawing/2014/main" xmlns="" id="{060AFDA2-5132-F14D-9FDB-F037317C5778}"/>
               </a:ext>
             </a:extLst>
           </p:cNvPr>
@@ -18185,7 +18185,7 @@
           <p:cNvPr id="131" name="Picture 130">
             <a:extLst>
               <a:ext uri="{FF2B5EF4-FFF2-40B4-BE49-F238E27FC236}">
-                <a16:creationId xmlns:a16="http://schemas.microsoft.com/office/drawing/2014/main" id="{EE273839-9627-924A-9834-D46D1F331734}"/>
+                <a16:creationId xmlns:a16="http://schemas.microsoft.com/office/drawing/2014/main" xmlns="" id="{EE273839-9627-924A-9834-D46D1F331734}"/>
               </a:ext>
             </a:extLst>
           </p:cNvPr>
@@ -18215,7 +18215,7 @@
           <p:cNvPr id="132" name="TextBox 131">
             <a:extLst>
               <a:ext uri="{FF2B5EF4-FFF2-40B4-BE49-F238E27FC236}">
-                <a16:creationId xmlns:a16="http://schemas.microsoft.com/office/drawing/2014/main" id="{6A8708B9-8785-AA4F-B4B1-4C38ED2003AA}"/>
+                <a16:creationId xmlns:a16="http://schemas.microsoft.com/office/drawing/2014/main" xmlns="" id="{6A8708B9-8785-AA4F-B4B1-4C38ED2003AA}"/>
               </a:ext>
             </a:extLst>
           </p:cNvPr>
@@ -18251,7 +18251,7 @@
           <p:cNvPr id="133" name="Picture 132">
             <a:extLst>
               <a:ext uri="{FF2B5EF4-FFF2-40B4-BE49-F238E27FC236}">
-                <a16:creationId xmlns:a16="http://schemas.microsoft.com/office/drawing/2014/main" id="{2D413375-A4EC-B544-9704-83A55283CF91}"/>
+                <a16:creationId xmlns:a16="http://schemas.microsoft.com/office/drawing/2014/main" xmlns="" id="{2D413375-A4EC-B544-9704-83A55283CF91}"/>
               </a:ext>
             </a:extLst>
           </p:cNvPr>
@@ -18284,7 +18284,7 @@
           <p:cNvPr id="135" name="TextBox 134">
             <a:extLst>
               <a:ext uri="{FF2B5EF4-FFF2-40B4-BE49-F238E27FC236}">
-                <a16:creationId xmlns:a16="http://schemas.microsoft.com/office/drawing/2014/main" id="{DDBE717B-814F-6948-B59F-ACB39AB59025}"/>
+                <a16:creationId xmlns:a16="http://schemas.microsoft.com/office/drawing/2014/main" xmlns="" id="{DDBE717B-814F-6948-B59F-ACB39AB59025}"/>
               </a:ext>
             </a:extLst>
           </p:cNvPr>
@@ -18414,7 +18414,7 @@
           <p:cNvPr id="3" name="Group 2">
             <a:extLst>
               <a:ext uri="{FF2B5EF4-FFF2-40B4-BE49-F238E27FC236}">
-                <a16:creationId xmlns:a16="http://schemas.microsoft.com/office/drawing/2014/main" id="{C344F5E1-1428-FD49-870E-114B28C2735C}"/>
+                <a16:creationId xmlns:a16="http://schemas.microsoft.com/office/drawing/2014/main" xmlns="" id="{C344F5E1-1428-FD49-870E-114B28C2735C}"/>
               </a:ext>
             </a:extLst>
           </p:cNvPr>
@@ -18790,7 +18790,7 @@
           <p:cNvPr id="19" name="Straight Connector 18">
             <a:extLst>
               <a:ext uri="{FF2B5EF4-FFF2-40B4-BE49-F238E27FC236}">
-                <a16:creationId xmlns:a16="http://schemas.microsoft.com/office/drawing/2014/main" id="{697C1A87-98CF-CA4D-B441-8F7EE5D0F6F1}"/>
+                <a16:creationId xmlns:a16="http://schemas.microsoft.com/office/drawing/2014/main" xmlns="" id="{697C1A87-98CF-CA4D-B441-8F7EE5D0F6F1}"/>
               </a:ext>
             </a:extLst>
           </p:cNvPr>
@@ -18829,7 +18829,7 @@
           <p:cNvPr id="20" name="Picture 19">
             <a:extLst>
               <a:ext uri="{FF2B5EF4-FFF2-40B4-BE49-F238E27FC236}">
-                <a16:creationId xmlns:a16="http://schemas.microsoft.com/office/drawing/2014/main" id="{289CFEB4-3819-9341-8F14-99ADE99DE6D5}"/>
+                <a16:creationId xmlns:a16="http://schemas.microsoft.com/office/drawing/2014/main" xmlns="" id="{289CFEB4-3819-9341-8F14-99ADE99DE6D5}"/>
               </a:ext>
             </a:extLst>
           </p:cNvPr>
@@ -19007,7 +19007,7 @@
           <p:cNvPr id="15" name="Group 14">
             <a:extLst>
               <a:ext uri="{FF2B5EF4-FFF2-40B4-BE49-F238E27FC236}">
-                <a16:creationId xmlns:a16="http://schemas.microsoft.com/office/drawing/2014/main" id="{1A3B53ED-61BE-9C49-8A45-4A8C448DEB26}"/>
+                <a16:creationId xmlns:a16="http://schemas.microsoft.com/office/drawing/2014/main" xmlns="" id="{1A3B53ED-61BE-9C49-8A45-4A8C448DEB26}"/>
               </a:ext>
             </a:extLst>
           </p:cNvPr>
@@ -19027,7 +19027,7 @@
             <p:cNvPr id="17" name="Rectangle 16">
               <a:extLst>
                 <a:ext uri="{FF2B5EF4-FFF2-40B4-BE49-F238E27FC236}">
-                  <a16:creationId xmlns:a16="http://schemas.microsoft.com/office/drawing/2014/main" id="{24FC7DA2-4F30-7C4C-8158-507B442E1016}"/>
+                  <a16:creationId xmlns:a16="http://schemas.microsoft.com/office/drawing/2014/main" xmlns="" id="{24FC7DA2-4F30-7C4C-8158-507B442E1016}"/>
                 </a:ext>
               </a:extLst>
             </p:cNvPr>
@@ -19079,7 +19079,7 @@
             <p:cNvPr id="20" name="Rectangle 19">
               <a:extLst>
                 <a:ext uri="{FF2B5EF4-FFF2-40B4-BE49-F238E27FC236}">
-                  <a16:creationId xmlns:a16="http://schemas.microsoft.com/office/drawing/2014/main" id="{9CD7E27B-011E-A040-B844-F737257D8D1E}"/>
+                  <a16:creationId xmlns:a16="http://schemas.microsoft.com/office/drawing/2014/main" xmlns="" id="{9CD7E27B-011E-A040-B844-F737257D8D1E}"/>
                 </a:ext>
               </a:extLst>
             </p:cNvPr>
@@ -19123,7 +19123,7 @@
             <p:cNvPr id="21" name="Rectangle 20">
               <a:extLst>
                 <a:ext uri="{FF2B5EF4-FFF2-40B4-BE49-F238E27FC236}">
-                  <a16:creationId xmlns:a16="http://schemas.microsoft.com/office/drawing/2014/main" id="{857DCCFA-9949-C246-BB9C-60F45091E100}"/>
+                  <a16:creationId xmlns:a16="http://schemas.microsoft.com/office/drawing/2014/main" xmlns="" id="{857DCCFA-9949-C246-BB9C-60F45091E100}"/>
                 </a:ext>
               </a:extLst>
             </p:cNvPr>
@@ -19178,7 +19178,7 @@
           <p:cNvPr id="11" name="Straight Connector 10">
             <a:extLst>
               <a:ext uri="{FF2B5EF4-FFF2-40B4-BE49-F238E27FC236}">
-                <a16:creationId xmlns:a16="http://schemas.microsoft.com/office/drawing/2014/main" id="{A832D687-9E21-344F-A8D5-F37B804856B0}"/>
+                <a16:creationId xmlns:a16="http://schemas.microsoft.com/office/drawing/2014/main" xmlns="" id="{A832D687-9E21-344F-A8D5-F37B804856B0}"/>
               </a:ext>
             </a:extLst>
           </p:cNvPr>
@@ -19217,7 +19217,7 @@
           <p:cNvPr id="12" name="Picture 11">
             <a:extLst>
               <a:ext uri="{FF2B5EF4-FFF2-40B4-BE49-F238E27FC236}">
-                <a16:creationId xmlns:a16="http://schemas.microsoft.com/office/drawing/2014/main" id="{EE45724E-FA24-FB4B-B751-BA140E8A38A3}"/>
+                <a16:creationId xmlns:a16="http://schemas.microsoft.com/office/drawing/2014/main" xmlns="" id="{EE45724E-FA24-FB4B-B751-BA140E8A38A3}"/>
               </a:ext>
             </a:extLst>
           </p:cNvPr>
@@ -19267,7 +19267,7 @@
           <p:cNvPr id="4" name="TextBox 3">
             <a:extLst>
               <a:ext uri="{FF2B5EF4-FFF2-40B4-BE49-F238E27FC236}">
-                <a16:creationId xmlns:a16="http://schemas.microsoft.com/office/drawing/2014/main" id="{DA61081F-F749-3543-817F-871E3E71B9F8}"/>
+                <a16:creationId xmlns:a16="http://schemas.microsoft.com/office/drawing/2014/main" xmlns="" id="{DA61081F-F749-3543-817F-871E3E71B9F8}"/>
               </a:ext>
             </a:extLst>
           </p:cNvPr>
@@ -19302,7 +19302,7 @@
           <p:cNvPr id="13" name="Picture 12">
             <a:extLst>
               <a:ext uri="{FF2B5EF4-FFF2-40B4-BE49-F238E27FC236}">
-                <a16:creationId xmlns:a16="http://schemas.microsoft.com/office/drawing/2014/main" id="{1164240B-41F0-744F-AF93-9775ABCF839D}"/>
+                <a16:creationId xmlns:a16="http://schemas.microsoft.com/office/drawing/2014/main" xmlns="" id="{1164240B-41F0-744F-AF93-9775ABCF839D}"/>
               </a:ext>
             </a:extLst>
           </p:cNvPr>
@@ -19452,7 +19452,7 @@
           <p:cNvPr id="6" name="Group 5">
             <a:extLst>
               <a:ext uri="{FF2B5EF4-FFF2-40B4-BE49-F238E27FC236}">
-                <a16:creationId xmlns:a16="http://schemas.microsoft.com/office/drawing/2014/main" id="{13A3785B-9FA9-384C-A3A8-1ACE88C8136D}"/>
+                <a16:creationId xmlns:a16="http://schemas.microsoft.com/office/drawing/2014/main" xmlns="" id="{13A3785B-9FA9-384C-A3A8-1ACE88C8136D}"/>
               </a:ext>
             </a:extLst>
           </p:cNvPr>
@@ -19472,7 +19472,7 @@
             <p:cNvPr id="4" name="Group 3">
               <a:extLst>
                 <a:ext uri="{FF2B5EF4-FFF2-40B4-BE49-F238E27FC236}">
-                  <a16:creationId xmlns:a16="http://schemas.microsoft.com/office/drawing/2014/main" id="{7650BA6B-0200-F247-936C-D92D157A90DB}"/>
+                  <a16:creationId xmlns:a16="http://schemas.microsoft.com/office/drawing/2014/main" xmlns="" id="{7650BA6B-0200-F247-936C-D92D157A90DB}"/>
                 </a:ext>
               </a:extLst>
             </p:cNvPr>
@@ -19609,7 +19609,7 @@
                   <p:cNvPr id="13" name="Picture 12">
                     <a:extLst>
                       <a:ext uri="{FF2B5EF4-FFF2-40B4-BE49-F238E27FC236}">
-                        <a16:creationId xmlns:a16="http://schemas.microsoft.com/office/drawing/2014/main" id="{285C9102-3522-3547-805E-9DA73DC64DDB}"/>
+                        <a16:creationId xmlns:a16="http://schemas.microsoft.com/office/drawing/2014/main" xmlns="" id="{285C9102-3522-3547-805E-9DA73DC64DDB}"/>
                       </a:ext>
                     </a:extLst>
                   </p:cNvPr>
@@ -19700,7 +19700,7 @@
             <p:cNvPr id="18" name="Rectangle 17">
               <a:extLst>
                 <a:ext uri="{FF2B5EF4-FFF2-40B4-BE49-F238E27FC236}">
-                  <a16:creationId xmlns:a16="http://schemas.microsoft.com/office/drawing/2014/main" id="{A7F5E3A5-EFD9-3741-ADD3-868CF91A1BE9}"/>
+                  <a16:creationId xmlns:a16="http://schemas.microsoft.com/office/drawing/2014/main" xmlns="" id="{A7F5E3A5-EFD9-3741-ADD3-868CF91A1BE9}"/>
                 </a:ext>
               </a:extLst>
             </p:cNvPr>
@@ -19755,7 +19755,7 @@
           <p:cNvPr id="15" name="Straight Connector 14">
             <a:extLst>
               <a:ext uri="{FF2B5EF4-FFF2-40B4-BE49-F238E27FC236}">
-                <a16:creationId xmlns:a16="http://schemas.microsoft.com/office/drawing/2014/main" id="{121BB70D-CD03-BB46-B902-33FB0ABEC8D4}"/>
+                <a16:creationId xmlns:a16="http://schemas.microsoft.com/office/drawing/2014/main" xmlns="" id="{121BB70D-CD03-BB46-B902-33FB0ABEC8D4}"/>
               </a:ext>
             </a:extLst>
           </p:cNvPr>
@@ -19794,7 +19794,7 @@
           <p:cNvPr id="19" name="Picture 18">
             <a:extLst>
               <a:ext uri="{FF2B5EF4-FFF2-40B4-BE49-F238E27FC236}">
-                <a16:creationId xmlns:a16="http://schemas.microsoft.com/office/drawing/2014/main" id="{4907BAC3-60FC-D84C-92DE-592B8366B8C4}"/>
+                <a16:creationId xmlns:a16="http://schemas.microsoft.com/office/drawing/2014/main" xmlns="" id="{4907BAC3-60FC-D84C-92DE-592B8366B8C4}"/>
               </a:ext>
             </a:extLst>
           </p:cNvPr>
@@ -19874,7 +19874,7 @@
           <p:cNvPr id="2" name="TextBox 1">
             <a:extLst>
               <a:ext uri="{FF2B5EF4-FFF2-40B4-BE49-F238E27FC236}">
-                <a16:creationId xmlns:a16="http://schemas.microsoft.com/office/drawing/2014/main" id="{9E06337A-1EF2-1D47-8A30-46833909EF89}"/>
+                <a16:creationId xmlns:a16="http://schemas.microsoft.com/office/drawing/2014/main" xmlns="" id="{9E06337A-1EF2-1D47-8A30-46833909EF89}"/>
               </a:ext>
             </a:extLst>
           </p:cNvPr>
@@ -20009,7 +20009,7 @@
           <p:cNvPr id="12" name="Group 11">
             <a:extLst>
               <a:ext uri="{FF2B5EF4-FFF2-40B4-BE49-F238E27FC236}">
-                <a16:creationId xmlns:a16="http://schemas.microsoft.com/office/drawing/2014/main" id="{EE47BFAA-42DB-BC45-9A0F-8E697498F0FE}"/>
+                <a16:creationId xmlns:a16="http://schemas.microsoft.com/office/drawing/2014/main" xmlns="" id="{EE47BFAA-42DB-BC45-9A0F-8E697498F0FE}"/>
               </a:ext>
             </a:extLst>
           </p:cNvPr>
@@ -20029,7 +20029,7 @@
             <p:cNvPr id="13" name="Rectangle 12">
               <a:extLst>
                 <a:ext uri="{FF2B5EF4-FFF2-40B4-BE49-F238E27FC236}">
-                  <a16:creationId xmlns:a16="http://schemas.microsoft.com/office/drawing/2014/main" id="{09B3025D-BFFA-2447-BB21-D3ABDE638701}"/>
+                  <a16:creationId xmlns:a16="http://schemas.microsoft.com/office/drawing/2014/main" xmlns="" id="{09B3025D-BFFA-2447-BB21-D3ABDE638701}"/>
                 </a:ext>
               </a:extLst>
             </p:cNvPr>
@@ -20081,7 +20081,7 @@
             <p:cNvPr id="14" name="Rectangle 13">
               <a:extLst>
                 <a:ext uri="{FF2B5EF4-FFF2-40B4-BE49-F238E27FC236}">
-                  <a16:creationId xmlns:a16="http://schemas.microsoft.com/office/drawing/2014/main" id="{A33761B8-DE8E-8D4F-8190-F6CA90409F21}"/>
+                  <a16:creationId xmlns:a16="http://schemas.microsoft.com/office/drawing/2014/main" xmlns="" id="{A33761B8-DE8E-8D4F-8190-F6CA90409F21}"/>
                 </a:ext>
               </a:extLst>
             </p:cNvPr>
@@ -20125,7 +20125,7 @@
             <p:cNvPr id="15" name="Rectangle 14">
               <a:extLst>
                 <a:ext uri="{FF2B5EF4-FFF2-40B4-BE49-F238E27FC236}">
-                  <a16:creationId xmlns:a16="http://schemas.microsoft.com/office/drawing/2014/main" id="{936E4F3F-1DD1-644B-8C6B-3C6A26F08B6C}"/>
+                  <a16:creationId xmlns:a16="http://schemas.microsoft.com/office/drawing/2014/main" xmlns="" id="{936E4F3F-1DD1-644B-8C6B-3C6A26F08B6C}"/>
                 </a:ext>
               </a:extLst>
             </p:cNvPr>
@@ -20180,7 +20180,7 @@
           <p:cNvPr id="17" name="Straight Connector 16">
             <a:extLst>
               <a:ext uri="{FF2B5EF4-FFF2-40B4-BE49-F238E27FC236}">
-                <a16:creationId xmlns:a16="http://schemas.microsoft.com/office/drawing/2014/main" id="{90FB6F54-06E2-2049-97ED-423B79138DA0}"/>
+                <a16:creationId xmlns:a16="http://schemas.microsoft.com/office/drawing/2014/main" xmlns="" id="{90FB6F54-06E2-2049-97ED-423B79138DA0}"/>
               </a:ext>
             </a:extLst>
           </p:cNvPr>
@@ -20219,7 +20219,7 @@
           <p:cNvPr id="22" name="Picture 21">
             <a:extLst>
               <a:ext uri="{FF2B5EF4-FFF2-40B4-BE49-F238E27FC236}">
-                <a16:creationId xmlns:a16="http://schemas.microsoft.com/office/drawing/2014/main" id="{E8E3CA6A-B502-D34C-BEFE-0C0A667CA43A}"/>
+                <a16:creationId xmlns:a16="http://schemas.microsoft.com/office/drawing/2014/main" xmlns="" id="{E8E3CA6A-B502-D34C-BEFE-0C0A667CA43A}"/>
               </a:ext>
             </a:extLst>
           </p:cNvPr>
@@ -20269,7 +20269,7 @@
           <p:cNvPr id="23" name="TextBox 22">
             <a:extLst>
               <a:ext uri="{FF2B5EF4-FFF2-40B4-BE49-F238E27FC236}">
-                <a16:creationId xmlns:a16="http://schemas.microsoft.com/office/drawing/2014/main" id="{B186E2B0-17E0-1549-B0F1-53E30C5FED02}"/>
+                <a16:creationId xmlns:a16="http://schemas.microsoft.com/office/drawing/2014/main" xmlns="" id="{B186E2B0-17E0-1549-B0F1-53E30C5FED02}"/>
               </a:ext>
             </a:extLst>
           </p:cNvPr>
@@ -20304,7 +20304,7 @@
           <p:cNvPr id="11" name="Picture 10">
             <a:extLst>
               <a:ext uri="{FF2B5EF4-FFF2-40B4-BE49-F238E27FC236}">
-                <a16:creationId xmlns:a16="http://schemas.microsoft.com/office/drawing/2014/main" id="{1164240B-41F0-744F-AF93-9775ABCF839D}"/>
+                <a16:creationId xmlns:a16="http://schemas.microsoft.com/office/drawing/2014/main" xmlns="" id="{1164240B-41F0-744F-AF93-9775ABCF839D}"/>
               </a:ext>
             </a:extLst>
           </p:cNvPr>
@@ -20947,7 +20947,7 @@
           <p:cNvPr id="9" name="TextBox 8">
             <a:extLst>
               <a:ext uri="{FF2B5EF4-FFF2-40B4-BE49-F238E27FC236}">
-                <a16:creationId xmlns:a16="http://schemas.microsoft.com/office/drawing/2014/main" id="{A076F46F-719D-934F-8E02-ED0EA600A027}"/>
+                <a16:creationId xmlns:a16="http://schemas.microsoft.com/office/drawing/2014/main" xmlns="" id="{A076F46F-719D-934F-8E02-ED0EA600A027}"/>
               </a:ext>
             </a:extLst>
           </p:cNvPr>
@@ -21013,7 +21013,7 @@
           <p:cNvPr id="11" name="TextBox 10">
             <a:extLst>
               <a:ext uri="{FF2B5EF4-FFF2-40B4-BE49-F238E27FC236}">
-                <a16:creationId xmlns:a16="http://schemas.microsoft.com/office/drawing/2014/main" id="{B54E4A4D-5DBA-9E4C-B79E-8F251835DAC8}"/>
+                <a16:creationId xmlns:a16="http://schemas.microsoft.com/office/drawing/2014/main" xmlns="" id="{B54E4A4D-5DBA-9E4C-B79E-8F251835DAC8}"/>
               </a:ext>
             </a:extLst>
           </p:cNvPr>
@@ -21085,7 +21085,7 @@
           <p:cNvPr id="4" name="TextBox 3">
             <a:extLst>
               <a:ext uri="{FF2B5EF4-FFF2-40B4-BE49-F238E27FC236}">
-                <a16:creationId xmlns:a16="http://schemas.microsoft.com/office/drawing/2014/main" id="{B39B56B0-6D9B-2148-8092-864D313EA084}"/>
+                <a16:creationId xmlns:a16="http://schemas.microsoft.com/office/drawing/2014/main" xmlns="" id="{B39B56B0-6D9B-2148-8092-864D313EA084}"/>
               </a:ext>
             </a:extLst>
           </p:cNvPr>
@@ -21151,7 +21151,7 @@
           <p:cNvPr id="2" name="Title 1">
             <a:extLst>
               <a:ext uri="{FF2B5EF4-FFF2-40B4-BE49-F238E27FC236}">
-                <a16:creationId xmlns:a16="http://schemas.microsoft.com/office/drawing/2014/main" id="{F97D1597-5DF4-A641-BC44-E339FB483E86}"/>
+                <a16:creationId xmlns:a16="http://schemas.microsoft.com/office/drawing/2014/main" xmlns="" id="{F97D1597-5DF4-A641-BC44-E339FB483E86}"/>
               </a:ext>
             </a:extLst>
           </p:cNvPr>
@@ -21179,7 +21179,7 @@
           <p:cNvPr id="3" name="TextBox 2">
             <a:extLst>
               <a:ext uri="{FF2B5EF4-FFF2-40B4-BE49-F238E27FC236}">
-                <a16:creationId xmlns:a16="http://schemas.microsoft.com/office/drawing/2014/main" id="{807C1E46-9399-3049-838C-4DA65A514E76}"/>
+                <a16:creationId xmlns:a16="http://schemas.microsoft.com/office/drawing/2014/main" xmlns="" id="{807C1E46-9399-3049-838C-4DA65A514E76}"/>
               </a:ext>
             </a:extLst>
           </p:cNvPr>
@@ -21268,7 +21268,7 @@
           <p:cNvPr id="2" name="Title 1">
             <a:extLst>
               <a:ext uri="{FF2B5EF4-FFF2-40B4-BE49-F238E27FC236}">
-                <a16:creationId xmlns:a16="http://schemas.microsoft.com/office/drawing/2014/main" id="{59C55C8B-1E26-B846-B511-25FF552C5E92}"/>
+                <a16:creationId xmlns:a16="http://schemas.microsoft.com/office/drawing/2014/main" xmlns="" id="{59C55C8B-1E26-B846-B511-25FF552C5E92}"/>
               </a:ext>
             </a:extLst>
           </p:cNvPr>
@@ -21296,7 +21296,7 @@
           <p:cNvPr id="3" name="TextBox 2">
             <a:extLst>
               <a:ext uri="{FF2B5EF4-FFF2-40B4-BE49-F238E27FC236}">
-                <a16:creationId xmlns:a16="http://schemas.microsoft.com/office/drawing/2014/main" id="{B3DB914E-9B6B-0F4F-B99D-03CBB15A5197}"/>
+                <a16:creationId xmlns:a16="http://schemas.microsoft.com/office/drawing/2014/main" xmlns="" id="{B3DB914E-9B6B-0F4F-B99D-03CBB15A5197}"/>
               </a:ext>
             </a:extLst>
           </p:cNvPr>
@@ -21370,7 +21370,7 @@
           <p:cNvPr id="2" name="TextBox 1">
             <a:extLst>
               <a:ext uri="{FF2B5EF4-FFF2-40B4-BE49-F238E27FC236}">
-                <a16:creationId xmlns:a16="http://schemas.microsoft.com/office/drawing/2014/main" id="{43396881-96C8-554A-B5E8-FF250F813023}"/>
+                <a16:creationId xmlns:a16="http://schemas.microsoft.com/office/drawing/2014/main" xmlns="" id="{43396881-96C8-554A-B5E8-FF250F813023}"/>
               </a:ext>
             </a:extLst>
           </p:cNvPr>
@@ -21414,7 +21414,7 @@
           <p:cNvPr id="27" name="Group 26">
             <a:extLst>
               <a:ext uri="{FF2B5EF4-FFF2-40B4-BE49-F238E27FC236}">
-                <a16:creationId xmlns:a16="http://schemas.microsoft.com/office/drawing/2014/main" id="{577FCE36-3FE0-9A46-B4DA-AAD90F1F8899}"/>
+                <a16:creationId xmlns:a16="http://schemas.microsoft.com/office/drawing/2014/main" xmlns="" id="{577FCE36-3FE0-9A46-B4DA-AAD90F1F8899}"/>
               </a:ext>
             </a:extLst>
           </p:cNvPr>
@@ -21434,7 +21434,7 @@
             <p:cNvPr id="28" name="Group 27">
               <a:extLst>
                 <a:ext uri="{FF2B5EF4-FFF2-40B4-BE49-F238E27FC236}">
-                  <a16:creationId xmlns:a16="http://schemas.microsoft.com/office/drawing/2014/main" id="{7E778A53-D8E2-254C-8970-85B3E9249531}"/>
+                  <a16:creationId xmlns:a16="http://schemas.microsoft.com/office/drawing/2014/main" xmlns="" id="{7E778A53-D8E2-254C-8970-85B3E9249531}"/>
                 </a:ext>
               </a:extLst>
             </p:cNvPr>
@@ -21454,7 +21454,7 @@
               <p:cNvPr id="32" name="Rectangle 31">
                 <a:extLst>
                   <a:ext uri="{FF2B5EF4-FFF2-40B4-BE49-F238E27FC236}">
-                    <a16:creationId xmlns:a16="http://schemas.microsoft.com/office/drawing/2014/main" id="{EC6356A6-6638-4344-B9E4-D5D8179CE32D}"/>
+                    <a16:creationId xmlns:a16="http://schemas.microsoft.com/office/drawing/2014/main" xmlns="" id="{EC6356A6-6638-4344-B9E4-D5D8179CE32D}"/>
                   </a:ext>
                 </a:extLst>
               </p:cNvPr>
@@ -21517,7 +21517,7 @@
               <p:cNvPr id="33" name="Group 32">
                 <a:extLst>
                   <a:ext uri="{FF2B5EF4-FFF2-40B4-BE49-F238E27FC236}">
-                    <a16:creationId xmlns:a16="http://schemas.microsoft.com/office/drawing/2014/main" id="{F4E1FD54-64A3-264C-A8FC-61F133E62873}"/>
+                    <a16:creationId xmlns:a16="http://schemas.microsoft.com/office/drawing/2014/main" xmlns="" id="{F4E1FD54-64A3-264C-A8FC-61F133E62873}"/>
                   </a:ext>
                 </a:extLst>
               </p:cNvPr>
@@ -21537,7 +21537,7 @@
                 <p:cNvPr id="34" name="Group 33">
                   <a:extLst>
                     <a:ext uri="{FF2B5EF4-FFF2-40B4-BE49-F238E27FC236}">
-                      <a16:creationId xmlns:a16="http://schemas.microsoft.com/office/drawing/2014/main" id="{F7E2D83F-CB54-C448-A560-D2A5610C77AE}"/>
+                      <a16:creationId xmlns:a16="http://schemas.microsoft.com/office/drawing/2014/main" xmlns="" id="{F7E2D83F-CB54-C448-A560-D2A5610C77AE}"/>
                     </a:ext>
                   </a:extLst>
                 </p:cNvPr>
@@ -21557,7 +21557,7 @@
                   <p:cNvPr id="36" name="Rectangle 35">
                     <a:extLst>
                       <a:ext uri="{FF2B5EF4-FFF2-40B4-BE49-F238E27FC236}">
-                        <a16:creationId xmlns:a16="http://schemas.microsoft.com/office/drawing/2014/main" id="{87430858-8306-694D-973B-EFF0F0E436F2}"/>
+                        <a16:creationId xmlns:a16="http://schemas.microsoft.com/office/drawing/2014/main" xmlns="" id="{87430858-8306-694D-973B-EFF0F0E436F2}"/>
                       </a:ext>
                     </a:extLst>
                   </p:cNvPr>
@@ -21606,7 +21606,7 @@
                   <p:cNvPr id="37" name="Rectangle 36">
                     <a:extLst>
                       <a:ext uri="{FF2B5EF4-FFF2-40B4-BE49-F238E27FC236}">
-                        <a16:creationId xmlns:a16="http://schemas.microsoft.com/office/drawing/2014/main" id="{302EC55B-F8CD-6145-B387-2A8DE7211941}"/>
+                        <a16:creationId xmlns:a16="http://schemas.microsoft.com/office/drawing/2014/main" xmlns="" id="{302EC55B-F8CD-6145-B387-2A8DE7211941}"/>
                       </a:ext>
                     </a:extLst>
                   </p:cNvPr>
@@ -21661,7 +21661,7 @@
                 <p:cNvPr id="35" name="Picture 34">
                   <a:extLst>
                     <a:ext uri="{FF2B5EF4-FFF2-40B4-BE49-F238E27FC236}">
-                      <a16:creationId xmlns:a16="http://schemas.microsoft.com/office/drawing/2014/main" id="{D90CA736-3C0E-F447-ABA6-46F4BB9680F3}"/>
+                      <a16:creationId xmlns:a16="http://schemas.microsoft.com/office/drawing/2014/main" xmlns="" id="{D90CA736-3C0E-F447-ABA6-46F4BB9680F3}"/>
                     </a:ext>
                   </a:extLst>
                 </p:cNvPr>
@@ -21713,7 +21713,7 @@
             <p:cNvPr id="29" name="Group 28">
               <a:extLst>
                 <a:ext uri="{FF2B5EF4-FFF2-40B4-BE49-F238E27FC236}">
-                  <a16:creationId xmlns:a16="http://schemas.microsoft.com/office/drawing/2014/main" id="{F9BD2F1B-C89B-5B40-A5BC-586FF7C01658}"/>
+                  <a16:creationId xmlns:a16="http://schemas.microsoft.com/office/drawing/2014/main" xmlns="" id="{F9BD2F1B-C89B-5B40-A5BC-586FF7C01658}"/>
                 </a:ext>
               </a:extLst>
             </p:cNvPr>
@@ -21733,7 +21733,7 @@
               <p:cNvPr id="30" name="Rectangle 29">
                 <a:extLst>
                   <a:ext uri="{FF2B5EF4-FFF2-40B4-BE49-F238E27FC236}">
-                    <a16:creationId xmlns:a16="http://schemas.microsoft.com/office/drawing/2014/main" id="{F2E0849F-F737-104C-B927-720B3E841B57}"/>
+                    <a16:creationId xmlns:a16="http://schemas.microsoft.com/office/drawing/2014/main" xmlns="" id="{F2E0849F-F737-104C-B927-720B3E841B57}"/>
                   </a:ext>
                 </a:extLst>
               </p:cNvPr>
@@ -21777,7 +21777,7 @@
               <p:cNvPr id="31" name="Rectangle 30">
                 <a:extLst>
                   <a:ext uri="{FF2B5EF4-FFF2-40B4-BE49-F238E27FC236}">
-                    <a16:creationId xmlns:a16="http://schemas.microsoft.com/office/drawing/2014/main" id="{2463980A-2838-7A48-9D5D-EE92650DC23D}"/>
+                    <a16:creationId xmlns:a16="http://schemas.microsoft.com/office/drawing/2014/main" xmlns="" id="{2463980A-2838-7A48-9D5D-EE92650DC23D}"/>
                   </a:ext>
                 </a:extLst>
               </p:cNvPr>
@@ -21833,7 +21833,7 @@
           <p:cNvPr id="38" name="TextBox 37">
             <a:extLst>
               <a:ext uri="{FF2B5EF4-FFF2-40B4-BE49-F238E27FC236}">
-                <a16:creationId xmlns:a16="http://schemas.microsoft.com/office/drawing/2014/main" id="{E90B4689-352C-4E49-B0FA-A3AE4E3C4B94}"/>
+                <a16:creationId xmlns:a16="http://schemas.microsoft.com/office/drawing/2014/main" xmlns="" id="{E90B4689-352C-4E49-B0FA-A3AE4E3C4B94}"/>
               </a:ext>
             </a:extLst>
           </p:cNvPr>
@@ -21868,7 +21868,7 @@
           <p:cNvPr id="39" name="Straight Connector 38">
             <a:extLst>
               <a:ext uri="{FF2B5EF4-FFF2-40B4-BE49-F238E27FC236}">
-                <a16:creationId xmlns:a16="http://schemas.microsoft.com/office/drawing/2014/main" id="{DACABCB8-A8C7-914F-813C-A6C10E182AE0}"/>
+                <a16:creationId xmlns:a16="http://schemas.microsoft.com/office/drawing/2014/main" xmlns="" id="{DACABCB8-A8C7-914F-813C-A6C10E182AE0}"/>
               </a:ext>
             </a:extLst>
           </p:cNvPr>
@@ -21907,7 +21907,7 @@
           <p:cNvPr id="40" name="Picture 39">
             <a:extLst>
               <a:ext uri="{FF2B5EF4-FFF2-40B4-BE49-F238E27FC236}">
-                <a16:creationId xmlns:a16="http://schemas.microsoft.com/office/drawing/2014/main" id="{E39BDDEA-4AD0-9E49-8BAD-FB5987F5B396}"/>
+                <a16:creationId xmlns:a16="http://schemas.microsoft.com/office/drawing/2014/main" xmlns="" id="{E39BDDEA-4AD0-9E49-8BAD-FB5987F5B396}"/>
               </a:ext>
             </a:extLst>
           </p:cNvPr>
@@ -21957,7 +21957,7 @@
           <p:cNvPr id="41" name="Group 40">
             <a:extLst>
               <a:ext uri="{FF2B5EF4-FFF2-40B4-BE49-F238E27FC236}">
-                <a16:creationId xmlns:a16="http://schemas.microsoft.com/office/drawing/2014/main" id="{2F8F5E31-5240-FB4A-ACAD-3A2118E6E5BA}"/>
+                <a16:creationId xmlns:a16="http://schemas.microsoft.com/office/drawing/2014/main" xmlns="" id="{2F8F5E31-5240-FB4A-ACAD-3A2118E6E5BA}"/>
               </a:ext>
             </a:extLst>
           </p:cNvPr>
@@ -21977,7 +21977,7 @@
             <p:cNvPr id="42" name="Group 41">
               <a:extLst>
                 <a:ext uri="{FF2B5EF4-FFF2-40B4-BE49-F238E27FC236}">
-                  <a16:creationId xmlns:a16="http://schemas.microsoft.com/office/drawing/2014/main" id="{F7CA617F-9F26-1A41-AC67-346F0CC8E858}"/>
+                  <a16:creationId xmlns:a16="http://schemas.microsoft.com/office/drawing/2014/main" xmlns="" id="{F7CA617F-9F26-1A41-AC67-346F0CC8E858}"/>
                 </a:ext>
               </a:extLst>
             </p:cNvPr>
@@ -21997,7 +21997,7 @@
               <p:cNvPr id="46" name="Rectangle 45">
                 <a:extLst>
                   <a:ext uri="{FF2B5EF4-FFF2-40B4-BE49-F238E27FC236}">
-                    <a16:creationId xmlns:a16="http://schemas.microsoft.com/office/drawing/2014/main" id="{A367169A-045E-AA4B-9637-A2502A6E2E7C}"/>
+                    <a16:creationId xmlns:a16="http://schemas.microsoft.com/office/drawing/2014/main" xmlns="" id="{A367169A-045E-AA4B-9637-A2502A6E2E7C}"/>
                   </a:ext>
                 </a:extLst>
               </p:cNvPr>
@@ -22059,7 +22059,7 @@
               <p:cNvPr id="47" name="Group 46">
                 <a:extLst>
                   <a:ext uri="{FF2B5EF4-FFF2-40B4-BE49-F238E27FC236}">
-                    <a16:creationId xmlns:a16="http://schemas.microsoft.com/office/drawing/2014/main" id="{1341A88D-6D76-9648-9611-F46904FCF15C}"/>
+                    <a16:creationId xmlns:a16="http://schemas.microsoft.com/office/drawing/2014/main" xmlns="" id="{1341A88D-6D76-9648-9611-F46904FCF15C}"/>
                   </a:ext>
                 </a:extLst>
               </p:cNvPr>
@@ -22079,7 +22079,7 @@
                 <p:cNvPr id="48" name="Group 47">
                   <a:extLst>
                     <a:ext uri="{FF2B5EF4-FFF2-40B4-BE49-F238E27FC236}">
-                      <a16:creationId xmlns:a16="http://schemas.microsoft.com/office/drawing/2014/main" id="{63210C52-9F5F-D540-B50A-608F7DF2A3D7}"/>
+                      <a16:creationId xmlns:a16="http://schemas.microsoft.com/office/drawing/2014/main" xmlns="" id="{63210C52-9F5F-D540-B50A-608F7DF2A3D7}"/>
                     </a:ext>
                   </a:extLst>
                 </p:cNvPr>
@@ -22099,7 +22099,7 @@
                   <p:cNvPr id="50" name="Rectangle 49">
                     <a:extLst>
                       <a:ext uri="{FF2B5EF4-FFF2-40B4-BE49-F238E27FC236}">
-                        <a16:creationId xmlns:a16="http://schemas.microsoft.com/office/drawing/2014/main" id="{410E60F8-1242-9949-9F02-F33240123FE9}"/>
+                        <a16:creationId xmlns:a16="http://schemas.microsoft.com/office/drawing/2014/main" xmlns="" id="{410E60F8-1242-9949-9F02-F33240123FE9}"/>
                       </a:ext>
                     </a:extLst>
                   </p:cNvPr>
@@ -22148,7 +22148,7 @@
                   <p:cNvPr id="51" name="Rectangle 50">
                     <a:extLst>
                       <a:ext uri="{FF2B5EF4-FFF2-40B4-BE49-F238E27FC236}">
-                        <a16:creationId xmlns:a16="http://schemas.microsoft.com/office/drawing/2014/main" id="{70EAB36A-153B-D643-8703-AC8A178DED52}"/>
+                        <a16:creationId xmlns:a16="http://schemas.microsoft.com/office/drawing/2014/main" xmlns="" id="{70EAB36A-153B-D643-8703-AC8A178DED52}"/>
                       </a:ext>
                     </a:extLst>
                   </p:cNvPr>
@@ -22203,7 +22203,7 @@
                 <p:cNvPr id="49" name="Picture 48">
                   <a:extLst>
                     <a:ext uri="{FF2B5EF4-FFF2-40B4-BE49-F238E27FC236}">
-                      <a16:creationId xmlns:a16="http://schemas.microsoft.com/office/drawing/2014/main" id="{4F963A0A-7667-DE46-99B3-A349FE519270}"/>
+                      <a16:creationId xmlns:a16="http://schemas.microsoft.com/office/drawing/2014/main" xmlns="" id="{4F963A0A-7667-DE46-99B3-A349FE519270}"/>
                     </a:ext>
                   </a:extLst>
                 </p:cNvPr>
@@ -22255,7 +22255,7 @@
             <p:cNvPr id="43" name="Group 42">
               <a:extLst>
                 <a:ext uri="{FF2B5EF4-FFF2-40B4-BE49-F238E27FC236}">
-                  <a16:creationId xmlns:a16="http://schemas.microsoft.com/office/drawing/2014/main" id="{27A470A3-84C0-A646-B52A-DC09B5EE2E2F}"/>
+                  <a16:creationId xmlns:a16="http://schemas.microsoft.com/office/drawing/2014/main" xmlns="" id="{27A470A3-84C0-A646-B52A-DC09B5EE2E2F}"/>
                 </a:ext>
               </a:extLst>
             </p:cNvPr>
@@ -22275,7 +22275,7 @@
               <p:cNvPr id="44" name="Rectangle 43">
                 <a:extLst>
                   <a:ext uri="{FF2B5EF4-FFF2-40B4-BE49-F238E27FC236}">
-                    <a16:creationId xmlns:a16="http://schemas.microsoft.com/office/drawing/2014/main" id="{F09689DD-A5C5-F54F-9B55-A21617FA641B}"/>
+                    <a16:creationId xmlns:a16="http://schemas.microsoft.com/office/drawing/2014/main" xmlns="" id="{F09689DD-A5C5-F54F-9B55-A21617FA641B}"/>
                   </a:ext>
                 </a:extLst>
               </p:cNvPr>
@@ -22319,7 +22319,7 @@
               <p:cNvPr id="45" name="Rectangle 44">
                 <a:extLst>
                   <a:ext uri="{FF2B5EF4-FFF2-40B4-BE49-F238E27FC236}">
-                    <a16:creationId xmlns:a16="http://schemas.microsoft.com/office/drawing/2014/main" id="{FA1B9121-1AED-4C40-8C0C-B51B0CE8AC1B}"/>
+                    <a16:creationId xmlns:a16="http://schemas.microsoft.com/office/drawing/2014/main" xmlns="" id="{FA1B9121-1AED-4C40-8C0C-B51B0CE8AC1B}"/>
                   </a:ext>
                 </a:extLst>
               </p:cNvPr>
@@ -22375,7 +22375,7 @@
           <p:cNvPr id="52" name="TextBox 51">
             <a:extLst>
               <a:ext uri="{FF2B5EF4-FFF2-40B4-BE49-F238E27FC236}">
-                <a16:creationId xmlns:a16="http://schemas.microsoft.com/office/drawing/2014/main" id="{44E2641D-F215-D24E-866C-746B64D2DE46}"/>
+                <a16:creationId xmlns:a16="http://schemas.microsoft.com/office/drawing/2014/main" xmlns="" id="{44E2641D-F215-D24E-866C-746B64D2DE46}"/>
               </a:ext>
             </a:extLst>
           </p:cNvPr>
@@ -22410,7 +22410,7 @@
           <p:cNvPr id="53" name="Straight Connector 52">
             <a:extLst>
               <a:ext uri="{FF2B5EF4-FFF2-40B4-BE49-F238E27FC236}">
-                <a16:creationId xmlns:a16="http://schemas.microsoft.com/office/drawing/2014/main" id="{7C2C7AE2-5F34-E74D-844C-115102E9AB35}"/>
+                <a16:creationId xmlns:a16="http://schemas.microsoft.com/office/drawing/2014/main" xmlns="" id="{7C2C7AE2-5F34-E74D-844C-115102E9AB35}"/>
               </a:ext>
             </a:extLst>
           </p:cNvPr>
@@ -22479,7 +22479,7 @@
           <p:cNvPr id="138" name="Rectangle 137">
             <a:extLst>
               <a:ext uri="{FF2B5EF4-FFF2-40B4-BE49-F238E27FC236}">
-                <a16:creationId xmlns:a16="http://schemas.microsoft.com/office/drawing/2014/main" id="{1C2B0E07-5BF3-9843-9327-831341566101}"/>
+                <a16:creationId xmlns:a16="http://schemas.microsoft.com/office/drawing/2014/main" xmlns="" id="{1C2B0E07-5BF3-9843-9327-831341566101}"/>
               </a:ext>
             </a:extLst>
           </p:cNvPr>
@@ -22541,7 +22541,7 @@
           <p:cNvPr id="136" name="Rectangle 135">
             <a:extLst>
               <a:ext uri="{FF2B5EF4-FFF2-40B4-BE49-F238E27FC236}">
-                <a16:creationId xmlns:a16="http://schemas.microsoft.com/office/drawing/2014/main" id="{77C2D825-E144-C44A-B8BA-7FC2B4A949D6}"/>
+                <a16:creationId xmlns:a16="http://schemas.microsoft.com/office/drawing/2014/main" xmlns="" id="{77C2D825-E144-C44A-B8BA-7FC2B4A949D6}"/>
               </a:ext>
             </a:extLst>
           </p:cNvPr>
@@ -22604,7 +22604,7 @@
           <p:cNvPr id="6" name="Group 5">
             <a:extLst>
               <a:ext uri="{FF2B5EF4-FFF2-40B4-BE49-F238E27FC236}">
-                <a16:creationId xmlns:a16="http://schemas.microsoft.com/office/drawing/2014/main" id="{E25BFCE9-4648-5247-AFE2-E842BC6A5EB8}"/>
+                <a16:creationId xmlns:a16="http://schemas.microsoft.com/office/drawing/2014/main" xmlns="" id="{E25BFCE9-4648-5247-AFE2-E842BC6A5EB8}"/>
               </a:ext>
             </a:extLst>
           </p:cNvPr>
@@ -22624,7 +22624,7 @@
             <p:cNvPr id="15" name="Picture 14">
               <a:extLst>
                 <a:ext uri="{FF2B5EF4-FFF2-40B4-BE49-F238E27FC236}">
-                  <a16:creationId xmlns:a16="http://schemas.microsoft.com/office/drawing/2014/main" id="{3F13AA8C-9ACF-144D-8FF9-207E08474BC5}"/>
+                  <a16:creationId xmlns:a16="http://schemas.microsoft.com/office/drawing/2014/main" xmlns="" id="{3F13AA8C-9ACF-144D-8FF9-207E08474BC5}"/>
                 </a:ext>
               </a:extLst>
             </p:cNvPr>
@@ -22657,7 +22657,7 @@
             <p:cNvPr id="17" name="Picture 16">
               <a:extLst>
                 <a:ext uri="{FF2B5EF4-FFF2-40B4-BE49-F238E27FC236}">
-                  <a16:creationId xmlns:a16="http://schemas.microsoft.com/office/drawing/2014/main" id="{4EFF4C86-BF12-8945-818A-02B48A1ED72D}"/>
+                  <a16:creationId xmlns:a16="http://schemas.microsoft.com/office/drawing/2014/main" xmlns="" id="{4EFF4C86-BF12-8945-818A-02B48A1ED72D}"/>
                 </a:ext>
               </a:extLst>
             </p:cNvPr>
@@ -22691,7 +22691,7 @@
           <p:cNvPr id="8" name="Straight Connector 7">
             <a:extLst>
               <a:ext uri="{FF2B5EF4-FFF2-40B4-BE49-F238E27FC236}">
-                <a16:creationId xmlns:a16="http://schemas.microsoft.com/office/drawing/2014/main" id="{C31CC10D-73EE-B241-B9C9-57C477E95860}"/>
+                <a16:creationId xmlns:a16="http://schemas.microsoft.com/office/drawing/2014/main" xmlns="" id="{C31CC10D-73EE-B241-B9C9-57C477E95860}"/>
               </a:ext>
             </a:extLst>
           </p:cNvPr>
@@ -22735,7 +22735,7 @@
           <p:cNvPr id="9" name="TextBox 8">
             <a:extLst>
               <a:ext uri="{FF2B5EF4-FFF2-40B4-BE49-F238E27FC236}">
-                <a16:creationId xmlns:a16="http://schemas.microsoft.com/office/drawing/2014/main" id="{D291145D-B17C-524C-AA9A-9537BA07CFC1}"/>
+                <a16:creationId xmlns:a16="http://schemas.microsoft.com/office/drawing/2014/main" xmlns="" id="{D291145D-B17C-524C-AA9A-9537BA07CFC1}"/>
               </a:ext>
             </a:extLst>
           </p:cNvPr>
@@ -22770,7 +22770,7 @@
           <p:cNvPr id="12" name="Group 11">
             <a:extLst>
               <a:ext uri="{FF2B5EF4-FFF2-40B4-BE49-F238E27FC236}">
-                <a16:creationId xmlns:a16="http://schemas.microsoft.com/office/drawing/2014/main" id="{D0025525-C36E-1C47-A746-5FC26B1D8BF6}"/>
+                <a16:creationId xmlns:a16="http://schemas.microsoft.com/office/drawing/2014/main" xmlns="" id="{D0025525-C36E-1C47-A746-5FC26B1D8BF6}"/>
               </a:ext>
             </a:extLst>
           </p:cNvPr>
@@ -22790,7 +22790,7 @@
             <p:cNvPr id="34" name="Oval 33">
               <a:extLst>
                 <a:ext uri="{FF2B5EF4-FFF2-40B4-BE49-F238E27FC236}">
-                  <a16:creationId xmlns:a16="http://schemas.microsoft.com/office/drawing/2014/main" id="{E6321CBF-B199-3640-BCFB-588232AFBC07}"/>
+                  <a16:creationId xmlns:a16="http://schemas.microsoft.com/office/drawing/2014/main" xmlns="" id="{E6321CBF-B199-3640-BCFB-588232AFBC07}"/>
                 </a:ext>
               </a:extLst>
             </p:cNvPr>
@@ -22857,7 +22857,7 @@
             <p:cNvPr id="37" name="Chord 36">
               <a:extLst>
                 <a:ext uri="{FF2B5EF4-FFF2-40B4-BE49-F238E27FC236}">
-                  <a16:creationId xmlns:a16="http://schemas.microsoft.com/office/drawing/2014/main" id="{097E5BEA-6346-AA48-B8EB-8D2041EFC3BE}"/>
+                  <a16:creationId xmlns:a16="http://schemas.microsoft.com/office/drawing/2014/main" xmlns="" id="{097E5BEA-6346-AA48-B8EB-8D2041EFC3BE}"/>
                 </a:ext>
               </a:extLst>
             </p:cNvPr>
@@ -22920,7 +22920,7 @@
             <p:cNvPr id="38" name="TextBox 37">
               <a:extLst>
                 <a:ext uri="{FF2B5EF4-FFF2-40B4-BE49-F238E27FC236}">
-                  <a16:creationId xmlns:a16="http://schemas.microsoft.com/office/drawing/2014/main" id="{C130AED8-BB0B-CF40-BC4B-5EC6B9C7EEA1}"/>
+                  <a16:creationId xmlns:a16="http://schemas.microsoft.com/office/drawing/2014/main" xmlns="" id="{C130AED8-BB0B-CF40-BC4B-5EC6B9C7EEA1}"/>
                 </a:ext>
               </a:extLst>
             </p:cNvPr>
@@ -22960,7 +22960,7 @@
           <p:cNvPr id="11" name="Straight Arrow Connector 10">
             <a:extLst>
               <a:ext uri="{FF2B5EF4-FFF2-40B4-BE49-F238E27FC236}">
-                <a16:creationId xmlns:a16="http://schemas.microsoft.com/office/drawing/2014/main" id="{C537AE5F-1C25-8C4B-95C6-1DA3C8765BF2}"/>
+                <a16:creationId xmlns:a16="http://schemas.microsoft.com/office/drawing/2014/main" xmlns="" id="{C537AE5F-1C25-8C4B-95C6-1DA3C8765BF2}"/>
               </a:ext>
             </a:extLst>
           </p:cNvPr>
@@ -23004,7 +23004,7 @@
           <p:cNvPr id="39" name="Straight Arrow Connector 38">
             <a:extLst>
               <a:ext uri="{FF2B5EF4-FFF2-40B4-BE49-F238E27FC236}">
-                <a16:creationId xmlns:a16="http://schemas.microsoft.com/office/drawing/2014/main" id="{8585E1B9-2CE9-FC46-B259-BEB7034DBDED}"/>
+                <a16:creationId xmlns:a16="http://schemas.microsoft.com/office/drawing/2014/main" xmlns="" id="{8585E1B9-2CE9-FC46-B259-BEB7034DBDED}"/>
               </a:ext>
             </a:extLst>
           </p:cNvPr>
@@ -23048,7 +23048,7 @@
           <p:cNvPr id="44" name="Straight Arrow Connector 43">
             <a:extLst>
               <a:ext uri="{FF2B5EF4-FFF2-40B4-BE49-F238E27FC236}">
-                <a16:creationId xmlns:a16="http://schemas.microsoft.com/office/drawing/2014/main" id="{8371A8F3-0706-2049-A263-D532BA13A249}"/>
+                <a16:creationId xmlns:a16="http://schemas.microsoft.com/office/drawing/2014/main" xmlns="" id="{8371A8F3-0706-2049-A263-D532BA13A249}"/>
               </a:ext>
             </a:extLst>
           </p:cNvPr>
@@ -23090,7 +23090,7 @@
           <p:cNvPr id="107" name="TextBox 106">
             <a:extLst>
               <a:ext uri="{FF2B5EF4-FFF2-40B4-BE49-F238E27FC236}">
-                <a16:creationId xmlns:a16="http://schemas.microsoft.com/office/drawing/2014/main" id="{5B9ED655-F906-3845-AAEE-BEFB83D7B292}"/>
+                <a16:creationId xmlns:a16="http://schemas.microsoft.com/office/drawing/2014/main" xmlns="" id="{5B9ED655-F906-3845-AAEE-BEFB83D7B292}"/>
               </a:ext>
             </a:extLst>
           </p:cNvPr>
@@ -23125,7 +23125,7 @@
           <p:cNvPr id="144" name="Picture 143">
             <a:extLst>
               <a:ext uri="{FF2B5EF4-FFF2-40B4-BE49-F238E27FC236}">
-                <a16:creationId xmlns:a16="http://schemas.microsoft.com/office/drawing/2014/main" id="{31DE37A7-3BC7-3F46-84AD-418ED946B146}"/>
+                <a16:creationId xmlns:a16="http://schemas.microsoft.com/office/drawing/2014/main" xmlns="" id="{31DE37A7-3BC7-3F46-84AD-418ED946B146}"/>
               </a:ext>
             </a:extLst>
           </p:cNvPr>
@@ -23158,7 +23158,7 @@
           <p:cNvPr id="145" name="Straight Arrow Connector 144">
             <a:extLst>
               <a:ext uri="{FF2B5EF4-FFF2-40B4-BE49-F238E27FC236}">
-                <a16:creationId xmlns:a16="http://schemas.microsoft.com/office/drawing/2014/main" id="{6BDA4257-FAC5-3C4D-9C16-99AFA16BBED3}"/>
+                <a16:creationId xmlns:a16="http://schemas.microsoft.com/office/drawing/2014/main" xmlns="" id="{6BDA4257-FAC5-3C4D-9C16-99AFA16BBED3}"/>
               </a:ext>
             </a:extLst>
           </p:cNvPr>
@@ -23200,7 +23200,7 @@
           <p:cNvPr id="133" name="Straight Connector 132">
             <a:extLst>
               <a:ext uri="{FF2B5EF4-FFF2-40B4-BE49-F238E27FC236}">
-                <a16:creationId xmlns:a16="http://schemas.microsoft.com/office/drawing/2014/main" id="{EFCC00D1-783A-B148-B00D-46B4884F40A5}"/>
+                <a16:creationId xmlns:a16="http://schemas.microsoft.com/office/drawing/2014/main" xmlns="" id="{EFCC00D1-783A-B148-B00D-46B4884F40A5}"/>
               </a:ext>
             </a:extLst>
           </p:cNvPr>
@@ -23244,7 +23244,7 @@
           <p:cNvPr id="135" name="TextBox 134">
             <a:extLst>
               <a:ext uri="{FF2B5EF4-FFF2-40B4-BE49-F238E27FC236}">
-                <a16:creationId xmlns:a16="http://schemas.microsoft.com/office/drawing/2014/main" id="{7851D3D9-BBF5-3046-8CFD-CEDB9DF42500}"/>
+                <a16:creationId xmlns:a16="http://schemas.microsoft.com/office/drawing/2014/main" xmlns="" id="{7851D3D9-BBF5-3046-8CFD-CEDB9DF42500}"/>
               </a:ext>
             </a:extLst>
           </p:cNvPr>
@@ -23309,7 +23309,7 @@
           <p:cNvPr id="23" name="TextBox 22">
             <a:extLst>
               <a:ext uri="{FF2B5EF4-FFF2-40B4-BE49-F238E27FC236}">
-                <a16:creationId xmlns:a16="http://schemas.microsoft.com/office/drawing/2014/main" id="{BFD7D309-4DE6-5F49-B0AC-5BB11CF38902}"/>
+                <a16:creationId xmlns:a16="http://schemas.microsoft.com/office/drawing/2014/main" xmlns="" id="{BFD7D309-4DE6-5F49-B0AC-5BB11CF38902}"/>
               </a:ext>
             </a:extLst>
           </p:cNvPr>
@@ -23402,7 +23402,7 @@
           <p:cNvPr id="2" name="TextBox 1">
             <a:extLst>
               <a:ext uri="{FF2B5EF4-FFF2-40B4-BE49-F238E27FC236}">
-                <a16:creationId xmlns:a16="http://schemas.microsoft.com/office/drawing/2014/main" id="{8B53FC35-F18C-5A4F-8B18-BF00907826CB}"/>
+                <a16:creationId xmlns:a16="http://schemas.microsoft.com/office/drawing/2014/main" xmlns="" id="{8B53FC35-F18C-5A4F-8B18-BF00907826CB}"/>
               </a:ext>
             </a:extLst>
           </p:cNvPr>
@@ -23469,7 +23469,7 @@
           <p:cNvPr id="67" name="Group 66">
             <a:extLst>
               <a:ext uri="{FF2B5EF4-FFF2-40B4-BE49-F238E27FC236}">
-                <a16:creationId xmlns:a16="http://schemas.microsoft.com/office/drawing/2014/main" id="{85FD2649-9B1F-5740-9754-6022B9427A9A}"/>
+                <a16:creationId xmlns:a16="http://schemas.microsoft.com/office/drawing/2014/main" xmlns="" id="{85FD2649-9B1F-5740-9754-6022B9427A9A}"/>
               </a:ext>
             </a:extLst>
           </p:cNvPr>
@@ -23489,7 +23489,7 @@
             <p:cNvPr id="12" name="Straight Arrow Connector 11">
               <a:extLst>
                 <a:ext uri="{FF2B5EF4-FFF2-40B4-BE49-F238E27FC236}">
-                  <a16:creationId xmlns:a16="http://schemas.microsoft.com/office/drawing/2014/main" id="{C6D64D01-83FE-F745-83A8-8AD2DB9FFE56}"/>
+                  <a16:creationId xmlns:a16="http://schemas.microsoft.com/office/drawing/2014/main" xmlns="" id="{C6D64D01-83FE-F745-83A8-8AD2DB9FFE56}"/>
                 </a:ext>
               </a:extLst>
             </p:cNvPr>
@@ -23531,7 +23531,7 @@
             <p:cNvPr id="13" name="TextBox 12">
               <a:extLst>
                 <a:ext uri="{FF2B5EF4-FFF2-40B4-BE49-F238E27FC236}">
-                  <a16:creationId xmlns:a16="http://schemas.microsoft.com/office/drawing/2014/main" id="{B054277E-4727-E843-B463-DE5073F893EC}"/>
+                  <a16:creationId xmlns:a16="http://schemas.microsoft.com/office/drawing/2014/main" xmlns="" id="{B054277E-4727-E843-B463-DE5073F893EC}"/>
                 </a:ext>
               </a:extLst>
             </p:cNvPr>
@@ -23566,7 +23566,7 @@
             <p:cNvPr id="15" name="Straight Connector 14">
               <a:extLst>
                 <a:ext uri="{FF2B5EF4-FFF2-40B4-BE49-F238E27FC236}">
-                  <a16:creationId xmlns:a16="http://schemas.microsoft.com/office/drawing/2014/main" id="{E37C0ACB-F739-8343-87D5-7826867D22AD}"/>
+                  <a16:creationId xmlns:a16="http://schemas.microsoft.com/office/drawing/2014/main" xmlns="" id="{E37C0ACB-F739-8343-87D5-7826867D22AD}"/>
                 </a:ext>
               </a:extLst>
             </p:cNvPr>
@@ -23608,7 +23608,7 @@
             <p:cNvPr id="22" name="Group 21">
               <a:extLst>
                 <a:ext uri="{FF2B5EF4-FFF2-40B4-BE49-F238E27FC236}">
-                  <a16:creationId xmlns:a16="http://schemas.microsoft.com/office/drawing/2014/main" id="{4A0A27F2-58CE-BE47-B849-A46F209C16DF}"/>
+                  <a16:creationId xmlns:a16="http://schemas.microsoft.com/office/drawing/2014/main" xmlns="" id="{4A0A27F2-58CE-BE47-B849-A46F209C16DF}"/>
                 </a:ext>
               </a:extLst>
             </p:cNvPr>
@@ -23628,7 +23628,7 @@
               <p:cNvPr id="16" name="Picture 15">
                 <a:extLst>
                   <a:ext uri="{FF2B5EF4-FFF2-40B4-BE49-F238E27FC236}">
-                    <a16:creationId xmlns:a16="http://schemas.microsoft.com/office/drawing/2014/main" id="{1164240B-41F0-744F-AF93-9775ABCF839D}"/>
+                    <a16:creationId xmlns:a16="http://schemas.microsoft.com/office/drawing/2014/main" xmlns="" id="{1164240B-41F0-744F-AF93-9775ABCF839D}"/>
                   </a:ext>
                 </a:extLst>
               </p:cNvPr>
@@ -23661,7 +23661,7 @@
               <p:cNvPr id="17" name="Picture 16">
                 <a:extLst>
                   <a:ext uri="{FF2B5EF4-FFF2-40B4-BE49-F238E27FC236}">
-                    <a16:creationId xmlns:a16="http://schemas.microsoft.com/office/drawing/2014/main" id="{88C9BF64-CC74-F24A-A0BA-8C73251CD72B}"/>
+                    <a16:creationId xmlns:a16="http://schemas.microsoft.com/office/drawing/2014/main" xmlns="" id="{88C9BF64-CC74-F24A-A0BA-8C73251CD72B}"/>
                   </a:ext>
                 </a:extLst>
               </p:cNvPr>
@@ -23694,7 +23694,7 @@
               <p:cNvPr id="18" name="Picture 17">
                 <a:extLst>
                   <a:ext uri="{FF2B5EF4-FFF2-40B4-BE49-F238E27FC236}">
-                    <a16:creationId xmlns:a16="http://schemas.microsoft.com/office/drawing/2014/main" id="{74678D44-74D1-CF48-94D7-653A30DBED7F}"/>
+                    <a16:creationId xmlns:a16="http://schemas.microsoft.com/office/drawing/2014/main" xmlns="" id="{74678D44-74D1-CF48-94D7-653A30DBED7F}"/>
                   </a:ext>
                 </a:extLst>
               </p:cNvPr>
@@ -23727,7 +23727,7 @@
               <p:cNvPr id="21" name="TextBox 20">
                 <a:extLst>
                   <a:ext uri="{FF2B5EF4-FFF2-40B4-BE49-F238E27FC236}">
-                    <a16:creationId xmlns:a16="http://schemas.microsoft.com/office/drawing/2014/main" id="{8123B4E5-1812-3B46-B228-2D4F281F2648}"/>
+                    <a16:creationId xmlns:a16="http://schemas.microsoft.com/office/drawing/2014/main" xmlns="" id="{8123B4E5-1812-3B46-B228-2D4F281F2648}"/>
                   </a:ext>
                 </a:extLst>
               </p:cNvPr>
@@ -23763,7 +23763,7 @@
             <p:cNvPr id="27" name="Group 26">
               <a:extLst>
                 <a:ext uri="{FF2B5EF4-FFF2-40B4-BE49-F238E27FC236}">
-                  <a16:creationId xmlns:a16="http://schemas.microsoft.com/office/drawing/2014/main" id="{DDAB0DC4-27C0-B44E-8255-0A71F0A627B0}"/>
+                  <a16:creationId xmlns:a16="http://schemas.microsoft.com/office/drawing/2014/main" xmlns="" id="{DDAB0DC4-27C0-B44E-8255-0A71F0A627B0}"/>
                 </a:ext>
               </a:extLst>
             </p:cNvPr>
@@ -23783,7 +23783,7 @@
               <p:cNvPr id="25" name="Group 24">
                 <a:extLst>
                   <a:ext uri="{FF2B5EF4-FFF2-40B4-BE49-F238E27FC236}">
-                    <a16:creationId xmlns:a16="http://schemas.microsoft.com/office/drawing/2014/main" id="{31409E78-19D3-BE49-B919-110E44344DCB}"/>
+                    <a16:creationId xmlns:a16="http://schemas.microsoft.com/office/drawing/2014/main" xmlns="" id="{31409E78-19D3-BE49-B919-110E44344DCB}"/>
                   </a:ext>
                 </a:extLst>
               </p:cNvPr>
@@ -23803,7 +23803,7 @@
                 <p:cNvPr id="23" name="Rectangle 22">
                   <a:extLst>
                     <a:ext uri="{FF2B5EF4-FFF2-40B4-BE49-F238E27FC236}">
-                      <a16:creationId xmlns:a16="http://schemas.microsoft.com/office/drawing/2014/main" id="{58CD6A05-2B14-F747-8426-F7B1DC7C63A5}"/>
+                      <a16:creationId xmlns:a16="http://schemas.microsoft.com/office/drawing/2014/main" xmlns="" id="{58CD6A05-2B14-F747-8426-F7B1DC7C63A5}"/>
                     </a:ext>
                   </a:extLst>
                 </p:cNvPr>
@@ -23855,7 +23855,7 @@
                 <p:cNvPr id="24" name="Picture 23">
                   <a:extLst>
                     <a:ext uri="{FF2B5EF4-FFF2-40B4-BE49-F238E27FC236}">
-                      <a16:creationId xmlns:a16="http://schemas.microsoft.com/office/drawing/2014/main" id="{2845F484-DBF2-F945-B44C-09BF04AE376F}"/>
+                      <a16:creationId xmlns:a16="http://schemas.microsoft.com/office/drawing/2014/main" xmlns="" id="{2845F484-DBF2-F945-B44C-09BF04AE376F}"/>
                     </a:ext>
                   </a:extLst>
                 </p:cNvPr>
@@ -23889,7 +23889,7 @@
               <p:cNvPr id="26" name="TextBox 25">
                 <a:extLst>
                   <a:ext uri="{FF2B5EF4-FFF2-40B4-BE49-F238E27FC236}">
-                    <a16:creationId xmlns:a16="http://schemas.microsoft.com/office/drawing/2014/main" id="{F10DC6AA-DDDA-5742-986F-FAE842C01992}"/>
+                    <a16:creationId xmlns:a16="http://schemas.microsoft.com/office/drawing/2014/main" xmlns="" id="{F10DC6AA-DDDA-5742-986F-FAE842C01992}"/>
                   </a:ext>
                 </a:extLst>
               </p:cNvPr>
@@ -23925,7 +23925,7 @@
             <p:cNvPr id="38" name="Group 37">
               <a:extLst>
                 <a:ext uri="{FF2B5EF4-FFF2-40B4-BE49-F238E27FC236}">
-                  <a16:creationId xmlns:a16="http://schemas.microsoft.com/office/drawing/2014/main" id="{5535B200-A34A-9B47-8083-E0F8899D49EA}"/>
+                  <a16:creationId xmlns:a16="http://schemas.microsoft.com/office/drawing/2014/main" xmlns="" id="{5535B200-A34A-9B47-8083-E0F8899D49EA}"/>
                 </a:ext>
               </a:extLst>
             </p:cNvPr>
@@ -23945,7 +23945,7 @@
               <p:cNvPr id="37" name="Group 36">
                 <a:extLst>
                   <a:ext uri="{FF2B5EF4-FFF2-40B4-BE49-F238E27FC236}">
-                    <a16:creationId xmlns:a16="http://schemas.microsoft.com/office/drawing/2014/main" id="{18C79DBA-8A08-8B4D-B888-C19BED4F98A3}"/>
+                    <a16:creationId xmlns:a16="http://schemas.microsoft.com/office/drawing/2014/main" xmlns="" id="{18C79DBA-8A08-8B4D-B888-C19BED4F98A3}"/>
                   </a:ext>
                 </a:extLst>
               </p:cNvPr>
@@ -23965,7 +23965,7 @@
                 <p:cNvPr id="34" name="Oval 33">
                   <a:extLst>
                     <a:ext uri="{FF2B5EF4-FFF2-40B4-BE49-F238E27FC236}">
-                      <a16:creationId xmlns:a16="http://schemas.microsoft.com/office/drawing/2014/main" id="{C137EA27-FC5F-854A-8CDE-8C8279006FC8}"/>
+                      <a16:creationId xmlns:a16="http://schemas.microsoft.com/office/drawing/2014/main" xmlns="" id="{C137EA27-FC5F-854A-8CDE-8C8279006FC8}"/>
                     </a:ext>
                   </a:extLst>
                 </p:cNvPr>
@@ -24032,7 +24032,7 @@
                 <p:cNvPr id="35" name="Chord 34">
                   <a:extLst>
                     <a:ext uri="{FF2B5EF4-FFF2-40B4-BE49-F238E27FC236}">
-                      <a16:creationId xmlns:a16="http://schemas.microsoft.com/office/drawing/2014/main" id="{2CF91EF7-DA1F-4847-A4CD-E0BC8164A12C}"/>
+                      <a16:creationId xmlns:a16="http://schemas.microsoft.com/office/drawing/2014/main" xmlns="" id="{2CF91EF7-DA1F-4847-A4CD-E0BC8164A12C}"/>
                     </a:ext>
                   </a:extLst>
                 </p:cNvPr>
@@ -24096,7 +24096,7 @@
               <p:cNvPr id="36" name="TextBox 35">
                 <a:extLst>
                   <a:ext uri="{FF2B5EF4-FFF2-40B4-BE49-F238E27FC236}">
-                    <a16:creationId xmlns:a16="http://schemas.microsoft.com/office/drawing/2014/main" id="{D162ED67-53D2-E145-A76A-30E290252B0C}"/>
+                    <a16:creationId xmlns:a16="http://schemas.microsoft.com/office/drawing/2014/main" xmlns="" id="{D162ED67-53D2-E145-A76A-30E290252B0C}"/>
                   </a:ext>
                 </a:extLst>
               </p:cNvPr>
@@ -24136,7 +24136,7 @@
             <p:cNvPr id="54" name="Group 53">
               <a:extLst>
                 <a:ext uri="{FF2B5EF4-FFF2-40B4-BE49-F238E27FC236}">
-                  <a16:creationId xmlns:a16="http://schemas.microsoft.com/office/drawing/2014/main" id="{AE46AA02-D4A4-814D-9781-B216AD647177}"/>
+                  <a16:creationId xmlns:a16="http://schemas.microsoft.com/office/drawing/2014/main" xmlns="" id="{AE46AA02-D4A4-814D-9781-B216AD647177}"/>
                 </a:ext>
               </a:extLst>
             </p:cNvPr>
@@ -24156,7 +24156,7 @@
               <p:cNvPr id="28" name="Group 27">
                 <a:extLst>
                   <a:ext uri="{FF2B5EF4-FFF2-40B4-BE49-F238E27FC236}">
-                    <a16:creationId xmlns:a16="http://schemas.microsoft.com/office/drawing/2014/main" id="{7ABE351E-4DAC-434E-AA66-45C37D852D8F}"/>
+                    <a16:creationId xmlns:a16="http://schemas.microsoft.com/office/drawing/2014/main" xmlns="" id="{7ABE351E-4DAC-434E-AA66-45C37D852D8F}"/>
                   </a:ext>
                 </a:extLst>
               </p:cNvPr>
@@ -24176,7 +24176,7 @@
                 <p:cNvPr id="31" name="Rectangle 30">
                   <a:extLst>
                     <a:ext uri="{FF2B5EF4-FFF2-40B4-BE49-F238E27FC236}">
-                      <a16:creationId xmlns:a16="http://schemas.microsoft.com/office/drawing/2014/main" id="{CE73E892-F483-F440-AA86-D51F9EEA1FFD}"/>
+                      <a16:creationId xmlns:a16="http://schemas.microsoft.com/office/drawing/2014/main" xmlns="" id="{CE73E892-F483-F440-AA86-D51F9EEA1FFD}"/>
                     </a:ext>
                   </a:extLst>
                 </p:cNvPr>
@@ -24228,7 +24228,7 @@
                 <p:cNvPr id="30" name="TextBox 29">
                   <a:extLst>
                     <a:ext uri="{FF2B5EF4-FFF2-40B4-BE49-F238E27FC236}">
-                      <a16:creationId xmlns:a16="http://schemas.microsoft.com/office/drawing/2014/main" id="{F3DF19D5-1D77-2E4B-8620-153BBE46C878}"/>
+                      <a16:creationId xmlns:a16="http://schemas.microsoft.com/office/drawing/2014/main" xmlns="" id="{F3DF19D5-1D77-2E4B-8620-153BBE46C878}"/>
                     </a:ext>
                   </a:extLst>
                 </p:cNvPr>
@@ -24264,7 +24264,7 @@
               <p:cNvPr id="39" name="Group 38">
                 <a:extLst>
                   <a:ext uri="{FF2B5EF4-FFF2-40B4-BE49-F238E27FC236}">
-                    <a16:creationId xmlns:a16="http://schemas.microsoft.com/office/drawing/2014/main" id="{C4703F81-03DE-0C4C-91CE-72C42568AC77}"/>
+                    <a16:creationId xmlns:a16="http://schemas.microsoft.com/office/drawing/2014/main" xmlns="" id="{C4703F81-03DE-0C4C-91CE-72C42568AC77}"/>
                   </a:ext>
                 </a:extLst>
               </p:cNvPr>
@@ -24284,7 +24284,7 @@
                 <p:cNvPr id="40" name="Group 39">
                   <a:extLst>
                     <a:ext uri="{FF2B5EF4-FFF2-40B4-BE49-F238E27FC236}">
-                      <a16:creationId xmlns:a16="http://schemas.microsoft.com/office/drawing/2014/main" id="{E87D8E41-E858-5740-AB00-5776FB5BF9A0}"/>
+                      <a16:creationId xmlns:a16="http://schemas.microsoft.com/office/drawing/2014/main" xmlns="" id="{E87D8E41-E858-5740-AB00-5776FB5BF9A0}"/>
                     </a:ext>
                   </a:extLst>
                 </p:cNvPr>
@@ -24307,7 +24307,7 @@
                   <p:cNvPr id="46" name="Rectangle 45">
                     <a:extLst>
                       <a:ext uri="{FF2B5EF4-FFF2-40B4-BE49-F238E27FC236}">
-                        <a16:creationId xmlns:a16="http://schemas.microsoft.com/office/drawing/2014/main" id="{EDA86CA9-66A3-D244-B0E7-6D12BD34D3AC}"/>
+                        <a16:creationId xmlns:a16="http://schemas.microsoft.com/office/drawing/2014/main" xmlns="" id="{EDA86CA9-66A3-D244-B0E7-6D12BD34D3AC}"/>
                       </a:ext>
                     </a:extLst>
                   </p:cNvPr>
@@ -24362,7 +24362,7 @@
                   <p:cNvPr id="47" name="Picture 46">
                     <a:extLst>
                       <a:ext uri="{FF2B5EF4-FFF2-40B4-BE49-F238E27FC236}">
-                        <a16:creationId xmlns:a16="http://schemas.microsoft.com/office/drawing/2014/main" id="{81AC4CAC-B15F-FB4D-86A6-F72F02AEB638}"/>
+                        <a16:creationId xmlns:a16="http://schemas.microsoft.com/office/drawing/2014/main" xmlns="" id="{81AC4CAC-B15F-FB4D-86A6-F72F02AEB638}"/>
                       </a:ext>
                     </a:extLst>
                   </p:cNvPr>
@@ -24394,7 +24394,7 @@
                 <p:cNvPr id="41" name="Picture 40">
                   <a:extLst>
                     <a:ext uri="{FF2B5EF4-FFF2-40B4-BE49-F238E27FC236}">
-                      <a16:creationId xmlns:a16="http://schemas.microsoft.com/office/drawing/2014/main" id="{AA7D23B5-103B-674D-A208-83DFD28F4CCA}"/>
+                      <a16:creationId xmlns:a16="http://schemas.microsoft.com/office/drawing/2014/main" xmlns="" id="{AA7D23B5-103B-674D-A208-83DFD28F4CCA}"/>
                     </a:ext>
                   </a:extLst>
                 </p:cNvPr>
@@ -24427,7 +24427,7 @@
                 <p:cNvPr id="42" name="Picture 41">
                   <a:extLst>
                     <a:ext uri="{FF2B5EF4-FFF2-40B4-BE49-F238E27FC236}">
-                      <a16:creationId xmlns:a16="http://schemas.microsoft.com/office/drawing/2014/main" id="{D9099CF7-ADAF-594A-B3B5-31D47013F962}"/>
+                      <a16:creationId xmlns:a16="http://schemas.microsoft.com/office/drawing/2014/main" xmlns="" id="{D9099CF7-ADAF-594A-B3B5-31D47013F962}"/>
                     </a:ext>
                   </a:extLst>
                 </p:cNvPr>
@@ -24460,7 +24460,7 @@
                 <p:cNvPr id="43" name="Picture 42">
                   <a:extLst>
                     <a:ext uri="{FF2B5EF4-FFF2-40B4-BE49-F238E27FC236}">
-                      <a16:creationId xmlns:a16="http://schemas.microsoft.com/office/drawing/2014/main" id="{B15212FF-D20F-3B49-97F7-486B5459611D}"/>
+                      <a16:creationId xmlns:a16="http://schemas.microsoft.com/office/drawing/2014/main" xmlns="" id="{B15212FF-D20F-3B49-97F7-486B5459611D}"/>
                     </a:ext>
                   </a:extLst>
                 </p:cNvPr>
@@ -24493,7 +24493,7 @@
                 <p:cNvPr id="44" name="Picture 43">
                   <a:extLst>
                     <a:ext uri="{FF2B5EF4-FFF2-40B4-BE49-F238E27FC236}">
-                      <a16:creationId xmlns:a16="http://schemas.microsoft.com/office/drawing/2014/main" id="{0923F528-F6DC-FD44-B5B2-6ED6370CB4B7}"/>
+                      <a16:creationId xmlns:a16="http://schemas.microsoft.com/office/drawing/2014/main" xmlns="" id="{0923F528-F6DC-FD44-B5B2-6ED6370CB4B7}"/>
                     </a:ext>
                   </a:extLst>
                 </p:cNvPr>
@@ -24526,7 +24526,7 @@
                 <p:cNvPr id="45" name="Picture 44">
                   <a:extLst>
                     <a:ext uri="{FF2B5EF4-FFF2-40B4-BE49-F238E27FC236}">
-                      <a16:creationId xmlns:a16="http://schemas.microsoft.com/office/drawing/2014/main" id="{AA2896E9-430E-9D45-AC64-9A7D0AFBFAAA}"/>
+                      <a16:creationId xmlns:a16="http://schemas.microsoft.com/office/drawing/2014/main" xmlns="" id="{AA2896E9-430E-9D45-AC64-9A7D0AFBFAAA}"/>
                     </a:ext>
                   </a:extLst>
                 </p:cNvPr>
@@ -24560,7 +24560,7 @@
               <p:cNvPr id="49" name="Group 48">
                 <a:extLst>
                   <a:ext uri="{FF2B5EF4-FFF2-40B4-BE49-F238E27FC236}">
-                    <a16:creationId xmlns:a16="http://schemas.microsoft.com/office/drawing/2014/main" id="{27C9259E-0B7F-8B44-9E56-4FB329312717}"/>
+                    <a16:creationId xmlns:a16="http://schemas.microsoft.com/office/drawing/2014/main" xmlns="" id="{27C9259E-0B7F-8B44-9E56-4FB329312717}"/>
                   </a:ext>
                 </a:extLst>
               </p:cNvPr>
@@ -24580,7 +24580,7 @@
                 <p:cNvPr id="50" name="Group 49">
                   <a:extLst>
                     <a:ext uri="{FF2B5EF4-FFF2-40B4-BE49-F238E27FC236}">
-                      <a16:creationId xmlns:a16="http://schemas.microsoft.com/office/drawing/2014/main" id="{7226B251-F315-1144-8BC0-3EAD0311FEEC}"/>
+                      <a16:creationId xmlns:a16="http://schemas.microsoft.com/office/drawing/2014/main" xmlns="" id="{7226B251-F315-1144-8BC0-3EAD0311FEEC}"/>
                     </a:ext>
                   </a:extLst>
                 </p:cNvPr>
@@ -24600,7 +24600,7 @@
                   <p:cNvPr id="52" name="Oval 51">
                     <a:extLst>
                       <a:ext uri="{FF2B5EF4-FFF2-40B4-BE49-F238E27FC236}">
-                        <a16:creationId xmlns:a16="http://schemas.microsoft.com/office/drawing/2014/main" id="{9170EEEC-7337-9044-AA40-71CDBB43E182}"/>
+                        <a16:creationId xmlns:a16="http://schemas.microsoft.com/office/drawing/2014/main" xmlns="" id="{9170EEEC-7337-9044-AA40-71CDBB43E182}"/>
                       </a:ext>
                     </a:extLst>
                   </p:cNvPr>
@@ -24667,7 +24667,7 @@
                   <p:cNvPr id="53" name="Chord 52">
                     <a:extLst>
                       <a:ext uri="{FF2B5EF4-FFF2-40B4-BE49-F238E27FC236}">
-                        <a16:creationId xmlns:a16="http://schemas.microsoft.com/office/drawing/2014/main" id="{2347758C-F8BD-8947-8A71-17EB0D080590}"/>
+                        <a16:creationId xmlns:a16="http://schemas.microsoft.com/office/drawing/2014/main" xmlns="" id="{2347758C-F8BD-8947-8A71-17EB0D080590}"/>
                       </a:ext>
                     </a:extLst>
                   </p:cNvPr>
@@ -24731,7 +24731,7 @@
                 <p:cNvPr id="51" name="TextBox 50">
                   <a:extLst>
                     <a:ext uri="{FF2B5EF4-FFF2-40B4-BE49-F238E27FC236}">
-                      <a16:creationId xmlns:a16="http://schemas.microsoft.com/office/drawing/2014/main" id="{6EBD68B1-C102-6244-A748-E5974A5B3D62}"/>
+                      <a16:creationId xmlns:a16="http://schemas.microsoft.com/office/drawing/2014/main" xmlns="" id="{6EBD68B1-C102-6244-A748-E5974A5B3D62}"/>
                     </a:ext>
                   </a:extLst>
                 </p:cNvPr>
@@ -24772,7 +24772,7 @@
             <p:cNvPr id="64" name="Group 63">
               <a:extLst>
                 <a:ext uri="{FF2B5EF4-FFF2-40B4-BE49-F238E27FC236}">
-                  <a16:creationId xmlns:a16="http://schemas.microsoft.com/office/drawing/2014/main" id="{E2A84AC7-72E2-C14E-960D-4C213289BCBF}"/>
+                  <a16:creationId xmlns:a16="http://schemas.microsoft.com/office/drawing/2014/main" xmlns="" id="{E2A84AC7-72E2-C14E-960D-4C213289BCBF}"/>
                 </a:ext>
               </a:extLst>
             </p:cNvPr>
@@ -24792,7 +24792,7 @@
               <p:cNvPr id="56" name="Straight Arrow Connector 55">
                 <a:extLst>
                   <a:ext uri="{FF2B5EF4-FFF2-40B4-BE49-F238E27FC236}">
-                    <a16:creationId xmlns:a16="http://schemas.microsoft.com/office/drawing/2014/main" id="{BA9BDB27-1135-FE45-B8D6-75865675BDBA}"/>
+                    <a16:creationId xmlns:a16="http://schemas.microsoft.com/office/drawing/2014/main" xmlns="" id="{BA9BDB27-1135-FE45-B8D6-75865675BDBA}"/>
                   </a:ext>
                 </a:extLst>
               </p:cNvPr>
@@ -24836,7 +24836,7 @@
               <p:cNvPr id="60" name="Straight Connector 59">
                 <a:extLst>
                   <a:ext uri="{FF2B5EF4-FFF2-40B4-BE49-F238E27FC236}">
-                    <a16:creationId xmlns:a16="http://schemas.microsoft.com/office/drawing/2014/main" id="{0902A61B-B0FE-834D-AC71-4CFDA4C05BCC}"/>
+                    <a16:creationId xmlns:a16="http://schemas.microsoft.com/office/drawing/2014/main" xmlns="" id="{0902A61B-B0FE-834D-AC71-4CFDA4C05BCC}"/>
                   </a:ext>
                 </a:extLst>
               </p:cNvPr>
@@ -24879,7 +24879,7 @@
               <p:cNvPr id="63" name="Straight Connector 62">
                 <a:extLst>
                   <a:ext uri="{FF2B5EF4-FFF2-40B4-BE49-F238E27FC236}">
-                    <a16:creationId xmlns:a16="http://schemas.microsoft.com/office/drawing/2014/main" id="{949AAAFE-C6A9-284E-945B-1E2109A44F8F}"/>
+                    <a16:creationId xmlns:a16="http://schemas.microsoft.com/office/drawing/2014/main" xmlns="" id="{949AAAFE-C6A9-284E-945B-1E2109A44F8F}"/>
                   </a:ext>
                 </a:extLst>
               </p:cNvPr>
@@ -24921,7 +24921,7 @@
             <p:cNvPr id="65" name="TextBox 64">
               <a:extLst>
                 <a:ext uri="{FF2B5EF4-FFF2-40B4-BE49-F238E27FC236}">
-                  <a16:creationId xmlns:a16="http://schemas.microsoft.com/office/drawing/2014/main" id="{A32665E3-DA83-254A-9F1A-3ABA0BEA5527}"/>
+                  <a16:creationId xmlns:a16="http://schemas.microsoft.com/office/drawing/2014/main" xmlns="" id="{A32665E3-DA83-254A-9F1A-3ABA0BEA5527}"/>
                 </a:ext>
               </a:extLst>
             </p:cNvPr>
@@ -24956,7 +24956,7 @@
             <p:cNvPr id="66" name="TextBox 65">
               <a:extLst>
                 <a:ext uri="{FF2B5EF4-FFF2-40B4-BE49-F238E27FC236}">
-                  <a16:creationId xmlns:a16="http://schemas.microsoft.com/office/drawing/2014/main" id="{16F35E44-7022-624A-A9CE-280CFCCC5997}"/>
+                  <a16:creationId xmlns:a16="http://schemas.microsoft.com/office/drawing/2014/main" xmlns="" id="{16F35E44-7022-624A-A9CE-280CFCCC5997}"/>
                 </a:ext>
               </a:extLst>
             </p:cNvPr>
@@ -24992,7 +24992,7 @@
           <p:cNvPr id="68" name="TextBox 67">
             <a:extLst>
               <a:ext uri="{FF2B5EF4-FFF2-40B4-BE49-F238E27FC236}">
-                <a16:creationId xmlns:a16="http://schemas.microsoft.com/office/drawing/2014/main" id="{3CB3B5CF-5CDB-9246-A3B9-D44F9A3FBBAB}"/>
+                <a16:creationId xmlns:a16="http://schemas.microsoft.com/office/drawing/2014/main" xmlns="" id="{3CB3B5CF-5CDB-9246-A3B9-D44F9A3FBBAB}"/>
               </a:ext>
             </a:extLst>
           </p:cNvPr>
@@ -25059,7 +25059,7 @@
           <p:cNvPr id="23" name="TextBox 22">
             <a:extLst>
               <a:ext uri="{FF2B5EF4-FFF2-40B4-BE49-F238E27FC236}">
-                <a16:creationId xmlns:a16="http://schemas.microsoft.com/office/drawing/2014/main" id="{BFD7D309-4DE6-5F49-B0AC-5BB11CF38902}"/>
+                <a16:creationId xmlns:a16="http://schemas.microsoft.com/office/drawing/2014/main" xmlns="" id="{BFD7D309-4DE6-5F49-B0AC-5BB11CF38902}"/>
               </a:ext>
             </a:extLst>
           </p:cNvPr>
@@ -25132,7 +25132,7 @@
           <p:cNvPr id="2" name="TextBox 1">
             <a:extLst>
               <a:ext uri="{FF2B5EF4-FFF2-40B4-BE49-F238E27FC236}">
-                <a16:creationId xmlns:a16="http://schemas.microsoft.com/office/drawing/2014/main" id="{65A9AB70-A1ED-0B4F-8D30-1A779D70D680}"/>
+                <a16:creationId xmlns:a16="http://schemas.microsoft.com/office/drawing/2014/main" xmlns="" id="{65A9AB70-A1ED-0B4F-8D30-1A779D70D680}"/>
               </a:ext>
             </a:extLst>
           </p:cNvPr>
@@ -25199,7 +25199,7 @@
           <p:cNvPr id="23" name="TextBox 22">
             <a:extLst>
               <a:ext uri="{FF2B5EF4-FFF2-40B4-BE49-F238E27FC236}">
-                <a16:creationId xmlns:a16="http://schemas.microsoft.com/office/drawing/2014/main" id="{BFD7D309-4DE6-5F49-B0AC-5BB11CF38902}"/>
+                <a16:creationId xmlns:a16="http://schemas.microsoft.com/office/drawing/2014/main" xmlns="" id="{BFD7D309-4DE6-5F49-B0AC-5BB11CF38902}"/>
               </a:ext>
             </a:extLst>
           </p:cNvPr>
@@ -25250,7 +25250,7 @@
           <p:cNvPr id="2" name="TextBox 1">
             <a:extLst>
               <a:ext uri="{FF2B5EF4-FFF2-40B4-BE49-F238E27FC236}">
-                <a16:creationId xmlns:a16="http://schemas.microsoft.com/office/drawing/2014/main" id="{65A9AB70-A1ED-0B4F-8D30-1A779D70D680}"/>
+                <a16:creationId xmlns:a16="http://schemas.microsoft.com/office/drawing/2014/main" xmlns="" id="{65A9AB70-A1ED-0B4F-8D30-1A779D70D680}"/>
               </a:ext>
             </a:extLst>
           </p:cNvPr>
@@ -25405,7 +25405,7 @@
           <p:cNvPr id="17" name="Group 16">
             <a:extLst>
               <a:ext uri="{FF2B5EF4-FFF2-40B4-BE49-F238E27FC236}">
-                <a16:creationId xmlns:a16="http://schemas.microsoft.com/office/drawing/2014/main" id="{33134089-27A8-2944-8C2C-722E17DB11CD}"/>
+                <a16:creationId xmlns:a16="http://schemas.microsoft.com/office/drawing/2014/main" xmlns="" id="{33134089-27A8-2944-8C2C-722E17DB11CD}"/>
               </a:ext>
             </a:extLst>
           </p:cNvPr>
@@ -25425,7 +25425,7 @@
             <p:cNvPr id="9" name="Group 8">
               <a:extLst>
                 <a:ext uri="{FF2B5EF4-FFF2-40B4-BE49-F238E27FC236}">
-                  <a16:creationId xmlns:a16="http://schemas.microsoft.com/office/drawing/2014/main" id="{CB3EFDAD-124D-124D-BDA6-C9B2C3B8A779}"/>
+                  <a16:creationId xmlns:a16="http://schemas.microsoft.com/office/drawing/2014/main" xmlns="" id="{CB3EFDAD-124D-124D-BDA6-C9B2C3B8A779}"/>
                 </a:ext>
               </a:extLst>
             </p:cNvPr>
@@ -25445,7 +25445,7 @@
               <p:cNvPr id="14" name="Rectangle 13">
                 <a:extLst>
                   <a:ext uri="{FF2B5EF4-FFF2-40B4-BE49-F238E27FC236}">
-                    <a16:creationId xmlns:a16="http://schemas.microsoft.com/office/drawing/2014/main" id="{6CB783F2-F6EC-9E43-B5C8-A6384D3C9F25}"/>
+                    <a16:creationId xmlns:a16="http://schemas.microsoft.com/office/drawing/2014/main" xmlns="" id="{6CB783F2-F6EC-9E43-B5C8-A6384D3C9F25}"/>
                   </a:ext>
                 </a:extLst>
               </p:cNvPr>
@@ -25497,7 +25497,7 @@
               <p:cNvPr id="11" name="Group 10">
                 <a:extLst>
                   <a:ext uri="{FF2B5EF4-FFF2-40B4-BE49-F238E27FC236}">
-                    <a16:creationId xmlns:a16="http://schemas.microsoft.com/office/drawing/2014/main" id="{C06CCFEE-FF58-2541-AC37-6BAAF8D34868}"/>
+                    <a16:creationId xmlns:a16="http://schemas.microsoft.com/office/drawing/2014/main" xmlns="" id="{C06CCFEE-FF58-2541-AC37-6BAAF8D34868}"/>
                   </a:ext>
                 </a:extLst>
               </p:cNvPr>
@@ -25517,7 +25517,7 @@
                 <p:cNvPr id="12" name="Rectangle 11">
                   <a:extLst>
                     <a:ext uri="{FF2B5EF4-FFF2-40B4-BE49-F238E27FC236}">
-                      <a16:creationId xmlns:a16="http://schemas.microsoft.com/office/drawing/2014/main" id="{A567BA71-4B2E-6845-A188-7302FD01661A}"/>
+                      <a16:creationId xmlns:a16="http://schemas.microsoft.com/office/drawing/2014/main" xmlns="" id="{A567BA71-4B2E-6845-A188-7302FD01661A}"/>
                     </a:ext>
                   </a:extLst>
                 </p:cNvPr>
@@ -25561,7 +25561,7 @@
                 <p:cNvPr id="13" name="Rectangle 12">
                   <a:extLst>
                     <a:ext uri="{FF2B5EF4-FFF2-40B4-BE49-F238E27FC236}">
-                      <a16:creationId xmlns:a16="http://schemas.microsoft.com/office/drawing/2014/main" id="{78A91A13-300A-1D46-83F0-9FDCDC1E5089}"/>
+                      <a16:creationId xmlns:a16="http://schemas.microsoft.com/office/drawing/2014/main" xmlns="" id="{78A91A13-300A-1D46-83F0-9FDCDC1E5089}"/>
                     </a:ext>
                   </a:extLst>
                 </p:cNvPr>
@@ -25617,7 +25617,7 @@
             <p:cNvPr id="6" name="Straight Connector 5">
               <a:extLst>
                 <a:ext uri="{FF2B5EF4-FFF2-40B4-BE49-F238E27FC236}">
-                  <a16:creationId xmlns:a16="http://schemas.microsoft.com/office/drawing/2014/main" id="{F6555F21-29EB-D643-B31C-D3ABA159D7F5}"/>
+                  <a16:creationId xmlns:a16="http://schemas.microsoft.com/office/drawing/2014/main" xmlns="" id="{F6555F21-29EB-D643-B31C-D3ABA159D7F5}"/>
                 </a:ext>
               </a:extLst>
             </p:cNvPr>
@@ -25656,7 +25656,7 @@
             <p:cNvPr id="15" name="Picture 14">
               <a:extLst>
                 <a:ext uri="{FF2B5EF4-FFF2-40B4-BE49-F238E27FC236}">
-                  <a16:creationId xmlns:a16="http://schemas.microsoft.com/office/drawing/2014/main" id="{624170F1-A36C-B449-ABAF-E52B0050CDE8}"/>
+                  <a16:creationId xmlns:a16="http://schemas.microsoft.com/office/drawing/2014/main" xmlns="" id="{624170F1-A36C-B449-ABAF-E52B0050CDE8}"/>
                 </a:ext>
               </a:extLst>
             </p:cNvPr>
@@ -25782,7 +25782,7 @@
           <p:cNvPr id="2" name="Group 1">
             <a:extLst>
               <a:ext uri="{FF2B5EF4-FFF2-40B4-BE49-F238E27FC236}">
-                <a16:creationId xmlns:a16="http://schemas.microsoft.com/office/drawing/2014/main" id="{C94012DE-1ADF-404D-8D0D-A22CCF04E0E0}"/>
+                <a16:creationId xmlns:a16="http://schemas.microsoft.com/office/drawing/2014/main" xmlns="" id="{C94012DE-1ADF-404D-8D0D-A22CCF04E0E0}"/>
               </a:ext>
             </a:extLst>
           </p:cNvPr>
@@ -25994,7 +25994,7 @@
                 <p:cNvPr id="13" name="Picture 12">
                   <a:extLst>
                     <a:ext uri="{FF2B5EF4-FFF2-40B4-BE49-F238E27FC236}">
-                      <a16:creationId xmlns:a16="http://schemas.microsoft.com/office/drawing/2014/main" id="{285C9102-3522-3547-805E-9DA73DC64DDB}"/>
+                      <a16:creationId xmlns:a16="http://schemas.microsoft.com/office/drawing/2014/main" xmlns="" id="{285C9102-3522-3547-805E-9DA73DC64DDB}"/>
                     </a:ext>
                   </a:extLst>
                 </p:cNvPr>
@@ -26046,7 +26046,7 @@
             <p:cNvPr id="24" name="Group 23">
               <a:extLst>
                 <a:ext uri="{FF2B5EF4-FFF2-40B4-BE49-F238E27FC236}">
-                  <a16:creationId xmlns:a16="http://schemas.microsoft.com/office/drawing/2014/main" id="{D0AFDAC7-1FE5-EB42-8181-C65BAA6FDB73}"/>
+                  <a16:creationId xmlns:a16="http://schemas.microsoft.com/office/drawing/2014/main" xmlns="" id="{D0AFDAC7-1FE5-EB42-8181-C65BAA6FDB73}"/>
                 </a:ext>
               </a:extLst>
             </p:cNvPr>
@@ -26066,7 +26066,7 @@
               <p:cNvPr id="25" name="Rectangle 24">
                 <a:extLst>
                   <a:ext uri="{FF2B5EF4-FFF2-40B4-BE49-F238E27FC236}">
-                    <a16:creationId xmlns:a16="http://schemas.microsoft.com/office/drawing/2014/main" id="{12194E41-85FA-9045-955F-5B8400C47194}"/>
+                    <a16:creationId xmlns:a16="http://schemas.microsoft.com/office/drawing/2014/main" xmlns="" id="{12194E41-85FA-9045-955F-5B8400C47194}"/>
                   </a:ext>
                 </a:extLst>
               </p:cNvPr>
@@ -26114,7 +26114,7 @@
               <p:cNvPr id="26" name="Rectangle 25">
                 <a:extLst>
                   <a:ext uri="{FF2B5EF4-FFF2-40B4-BE49-F238E27FC236}">
-                    <a16:creationId xmlns:a16="http://schemas.microsoft.com/office/drawing/2014/main" id="{84A1C552-903D-084D-9B4E-0FF69DB7ECB0}"/>
+                    <a16:creationId xmlns:a16="http://schemas.microsoft.com/office/drawing/2014/main" xmlns="" id="{84A1C552-903D-084D-9B4E-0FF69DB7ECB0}"/>
                   </a:ext>
                 </a:extLst>
               </p:cNvPr>
@@ -26174,7 +26174,7 @@
           <p:cNvPr id="16" name="Straight Connector 15">
             <a:extLst>
               <a:ext uri="{FF2B5EF4-FFF2-40B4-BE49-F238E27FC236}">
-                <a16:creationId xmlns:a16="http://schemas.microsoft.com/office/drawing/2014/main" id="{FAF34530-E477-074E-ABF6-842CAC6DF9C1}"/>
+                <a16:creationId xmlns:a16="http://schemas.microsoft.com/office/drawing/2014/main" xmlns="" id="{FAF34530-E477-074E-ABF6-842CAC6DF9C1}"/>
               </a:ext>
             </a:extLst>
           </p:cNvPr>
@@ -26213,7 +26213,7 @@
           <p:cNvPr id="18" name="Picture 17">
             <a:extLst>
               <a:ext uri="{FF2B5EF4-FFF2-40B4-BE49-F238E27FC236}">
-                <a16:creationId xmlns:a16="http://schemas.microsoft.com/office/drawing/2014/main" id="{C0A6F961-1865-A742-90FC-2B9F69866B67}"/>
+                <a16:creationId xmlns:a16="http://schemas.microsoft.com/office/drawing/2014/main" xmlns="" id="{C0A6F961-1865-A742-90FC-2B9F69866B67}"/>
               </a:ext>
             </a:extLst>
           </p:cNvPr>
@@ -26359,7 +26359,7 @@
           <p:cNvPr id="2" name="Group 1">
             <a:extLst>
               <a:ext uri="{FF2B5EF4-FFF2-40B4-BE49-F238E27FC236}">
-                <a16:creationId xmlns:a16="http://schemas.microsoft.com/office/drawing/2014/main" id="{C94012DE-1ADF-404D-8D0D-A22CCF04E0E0}"/>
+                <a16:creationId xmlns:a16="http://schemas.microsoft.com/office/drawing/2014/main" xmlns="" id="{C94012DE-1ADF-404D-8D0D-A22CCF04E0E0}"/>
               </a:ext>
             </a:extLst>
           </p:cNvPr>
@@ -26571,7 +26571,7 @@
                 <p:cNvPr id="13" name="Picture 12">
                   <a:extLst>
                     <a:ext uri="{FF2B5EF4-FFF2-40B4-BE49-F238E27FC236}">
-                      <a16:creationId xmlns:a16="http://schemas.microsoft.com/office/drawing/2014/main" id="{285C9102-3522-3547-805E-9DA73DC64DDB}"/>
+                      <a16:creationId xmlns:a16="http://schemas.microsoft.com/office/drawing/2014/main" xmlns="" id="{285C9102-3522-3547-805E-9DA73DC64DDB}"/>
                     </a:ext>
                   </a:extLst>
                 </p:cNvPr>
@@ -26623,7 +26623,7 @@
             <p:cNvPr id="24" name="Group 23">
               <a:extLst>
                 <a:ext uri="{FF2B5EF4-FFF2-40B4-BE49-F238E27FC236}">
-                  <a16:creationId xmlns:a16="http://schemas.microsoft.com/office/drawing/2014/main" id="{D0AFDAC7-1FE5-EB42-8181-C65BAA6FDB73}"/>
+                  <a16:creationId xmlns:a16="http://schemas.microsoft.com/office/drawing/2014/main" xmlns="" id="{D0AFDAC7-1FE5-EB42-8181-C65BAA6FDB73}"/>
                 </a:ext>
               </a:extLst>
             </p:cNvPr>
@@ -26643,7 +26643,7 @@
               <p:cNvPr id="25" name="Rectangle 24">
                 <a:extLst>
                   <a:ext uri="{FF2B5EF4-FFF2-40B4-BE49-F238E27FC236}">
-                    <a16:creationId xmlns:a16="http://schemas.microsoft.com/office/drawing/2014/main" id="{12194E41-85FA-9045-955F-5B8400C47194}"/>
+                    <a16:creationId xmlns:a16="http://schemas.microsoft.com/office/drawing/2014/main" xmlns="" id="{12194E41-85FA-9045-955F-5B8400C47194}"/>
                   </a:ext>
                 </a:extLst>
               </p:cNvPr>
@@ -26691,7 +26691,7 @@
               <p:cNvPr id="26" name="Rectangle 25">
                 <a:extLst>
                   <a:ext uri="{FF2B5EF4-FFF2-40B4-BE49-F238E27FC236}">
-                    <a16:creationId xmlns:a16="http://schemas.microsoft.com/office/drawing/2014/main" id="{84A1C552-903D-084D-9B4E-0FF69DB7ECB0}"/>
+                    <a16:creationId xmlns:a16="http://schemas.microsoft.com/office/drawing/2014/main" xmlns="" id="{84A1C552-903D-084D-9B4E-0FF69DB7ECB0}"/>
                   </a:ext>
                 </a:extLst>
               </p:cNvPr>
@@ -26751,7 +26751,7 @@
           <p:cNvPr id="16" name="Straight Connector 15">
             <a:extLst>
               <a:ext uri="{FF2B5EF4-FFF2-40B4-BE49-F238E27FC236}">
-                <a16:creationId xmlns:a16="http://schemas.microsoft.com/office/drawing/2014/main" id="{FAF34530-E477-074E-ABF6-842CAC6DF9C1}"/>
+                <a16:creationId xmlns:a16="http://schemas.microsoft.com/office/drawing/2014/main" xmlns="" id="{FAF34530-E477-074E-ABF6-842CAC6DF9C1}"/>
               </a:ext>
             </a:extLst>
           </p:cNvPr>
@@ -26790,7 +26790,7 @@
           <p:cNvPr id="18" name="Picture 17">
             <a:extLst>
               <a:ext uri="{FF2B5EF4-FFF2-40B4-BE49-F238E27FC236}">
-                <a16:creationId xmlns:a16="http://schemas.microsoft.com/office/drawing/2014/main" id="{C0A6F961-1865-A742-90FC-2B9F69866B67}"/>
+                <a16:creationId xmlns:a16="http://schemas.microsoft.com/office/drawing/2014/main" xmlns="" id="{C0A6F961-1865-A742-90FC-2B9F69866B67}"/>
               </a:ext>
             </a:extLst>
           </p:cNvPr>
